--- a/Day 4/ComputeFest2021_Deployment.pptx
+++ b/Day 4/ComputeFest2021_Deployment.pptx
@@ -6,25 +6,31 @@
     <p:sldMasterId id="2147483879" r:id="rId2"/>
   </p:sldMasterIdLst>
   <p:notesMasterIdLst>
-    <p:notesMasterId r:id="rId19"/>
+    <p:notesMasterId r:id="rId25"/>
   </p:notesMasterIdLst>
   <p:sldIdLst>
     <p:sldId id="256" r:id="rId3"/>
     <p:sldId id="901" r:id="rId4"/>
     <p:sldId id="262" r:id="rId5"/>
-    <p:sldId id="289" r:id="rId6"/>
-    <p:sldId id="328" r:id="rId7"/>
-    <p:sldId id="902" r:id="rId8"/>
-    <p:sldId id="903" r:id="rId9"/>
-    <p:sldId id="904" r:id="rId10"/>
-    <p:sldId id="299" r:id="rId11"/>
-    <p:sldId id="344" r:id="rId12"/>
-    <p:sldId id="356" r:id="rId13"/>
-    <p:sldId id="363" r:id="rId14"/>
-    <p:sldId id="362" r:id="rId15"/>
-    <p:sldId id="365" r:id="rId16"/>
-    <p:sldId id="366" r:id="rId17"/>
-    <p:sldId id="905" r:id="rId18"/>
+    <p:sldId id="909" r:id="rId6"/>
+    <p:sldId id="289" r:id="rId7"/>
+    <p:sldId id="328" r:id="rId8"/>
+    <p:sldId id="902" r:id="rId9"/>
+    <p:sldId id="903" r:id="rId10"/>
+    <p:sldId id="904" r:id="rId11"/>
+    <p:sldId id="907" r:id="rId12"/>
+    <p:sldId id="908" r:id="rId13"/>
+    <p:sldId id="906" r:id="rId14"/>
+    <p:sldId id="299" r:id="rId15"/>
+    <p:sldId id="344" r:id="rId16"/>
+    <p:sldId id="356" r:id="rId17"/>
+    <p:sldId id="363" r:id="rId18"/>
+    <p:sldId id="362" r:id="rId19"/>
+    <p:sldId id="365" r:id="rId20"/>
+    <p:sldId id="366" r:id="rId21"/>
+    <p:sldId id="371" r:id="rId22"/>
+    <p:sldId id="346" r:id="rId23"/>
+    <p:sldId id="905" r:id="rId24"/>
   </p:sldIdLst>
   <p:sldSz cx="12192000" cy="6858000"/>
   <p:notesSz cx="6858000" cy="9144000"/>
@@ -646,7 +652,7 @@
           <a:p>
             <a:fld id="{F320EF01-42B1-6243-84B4-3AEE3B87B250}" type="slidenum">
               <a:rPr lang="en-US" smtClean="0"/>
-              <a:t>7</a:t>
+              <a:t>4</a:t>
             </a:fld>
             <a:endParaRPr lang="en-US"/>
           </a:p>
@@ -655,7 +661,7 @@
     </p:spTree>
     <p:extLst>
       <p:ext uri="{BB962C8B-B14F-4D97-AF65-F5344CB8AC3E}">
-        <p14:creationId xmlns:p14="http://schemas.microsoft.com/office/powerpoint/2010/main" val="3004183967"/>
+        <p14:creationId xmlns:p14="http://schemas.microsoft.com/office/powerpoint/2010/main" val="1855116716"/>
       </p:ext>
     </p:extLst>
   </p:cSld>
@@ -709,119 +715,7 @@
           <a:bodyPr/>
           <a:lstStyle/>
           <a:p>
-            <a:pPr marL="457200" indent="-457200">
-              <a:buAutoNum type="arabicParenR"/>
-            </a:pPr>
-            <a:r>
-              <a:rPr lang="en-US" sz="2400" b="1" dirty="0">
-                <a:latin typeface="Karla" pitchFamily="2" charset="0"/>
-              </a:rPr>
-              <a:t>API server </a:t>
-            </a:r>
-            <a:r>
-              <a:rPr lang="en-US" sz="2400" dirty="0">
-                <a:latin typeface="Karla" pitchFamily="2" charset="0"/>
-              </a:rPr>
-              <a:t>contains various methods to directly access the Kubernetes</a:t>
-            </a:r>
-          </a:p>
-          <a:p>
-            <a:pPr marL="457200" indent="-457200">
-              <a:buAutoNum type="arabicParenR" startAt="2"/>
-            </a:pPr>
-            <a:r>
-              <a:rPr lang="en-US" sz="2400" b="1" dirty="0">
-                <a:latin typeface="Karla" pitchFamily="2" charset="0"/>
-              </a:rPr>
-              <a:t>Scheduler </a:t>
-            </a:r>
-            <a:r>
-              <a:rPr lang="en-US" sz="2400" dirty="0">
-                <a:latin typeface="Karla" pitchFamily="2" charset="0"/>
-              </a:rPr>
-              <a:t>assigns to each worker node an application</a:t>
-            </a:r>
-          </a:p>
-          <a:p>
-            <a:pPr marL="457200" indent="-457200">
-              <a:buAutoNum type="arabicParenR" startAt="2"/>
-            </a:pPr>
-            <a:r>
-              <a:rPr lang="en-US" sz="2400" b="1" dirty="0">
-                <a:latin typeface="Karla" pitchFamily="2" charset="0"/>
-              </a:rPr>
-              <a:t>Controller manager</a:t>
-            </a:r>
-          </a:p>
-          <a:p>
-            <a:pPr lvl="1"/>
-            <a:r>
-              <a:rPr lang="en-US" sz="2400" dirty="0">
-                <a:latin typeface="Karla" pitchFamily="2" charset="0"/>
-              </a:rPr>
-              <a:t>3a) Keeps track of worker nodes</a:t>
-            </a:r>
-          </a:p>
-          <a:p>
-            <a:pPr lvl="1"/>
-            <a:r>
-              <a:rPr lang="en-US" sz="2400" dirty="0">
-                <a:latin typeface="Karla" pitchFamily="2" charset="0"/>
-              </a:rPr>
-              <a:t>3b) Handles node failures and replicates if needed</a:t>
-            </a:r>
-          </a:p>
-          <a:p>
-            <a:pPr lvl="1"/>
-            <a:r>
-              <a:rPr lang="en-US" sz="2400" dirty="0">
-                <a:latin typeface="Karla" pitchFamily="2" charset="0"/>
-              </a:rPr>
-              <a:t>3c) Provide endpoints to access the application from the outside world</a:t>
-            </a:r>
-          </a:p>
-          <a:p>
-            <a:r>
-              <a:rPr lang="en-US" sz="2400" b="1" dirty="0">
-                <a:latin typeface="Karla" pitchFamily="2" charset="0"/>
-              </a:rPr>
-              <a:t>4) Cloud controller </a:t>
-            </a:r>
-            <a:r>
-              <a:rPr lang="en-US" sz="2400" dirty="0">
-                <a:latin typeface="Karla" pitchFamily="2" charset="0"/>
-              </a:rPr>
-              <a:t>communicates with cloud provide regarding resources such as nodes and IP addresses</a:t>
-            </a:r>
-          </a:p>
-          <a:p>
-            <a:r>
-              <a:rPr lang="en-US" sz="2400" b="1" dirty="0">
-                <a:latin typeface="Karla" pitchFamily="2" charset="0"/>
-              </a:rPr>
-              <a:t>5) </a:t>
-            </a:r>
-            <a:r>
-              <a:rPr lang="en-US" sz="2400" b="1" dirty="0" err="1">
-                <a:latin typeface="Karla" pitchFamily="2" charset="0"/>
-              </a:rPr>
-              <a:t>Etcd</a:t>
-            </a:r>
-            <a:r>
-              <a:rPr lang="en-US" sz="2400" b="1" dirty="0">
-                <a:latin typeface="Karla" pitchFamily="2" charset="0"/>
-              </a:rPr>
-              <a:t> </a:t>
-            </a:r>
-            <a:r>
-              <a:rPr lang="en-US" sz="2400" dirty="0">
-                <a:latin typeface="Karla" pitchFamily="2" charset="0"/>
-              </a:rPr>
-              <a:t>works as backend for service discovery that stores the cluster’s state and its configuration</a:t>
-            </a:r>
-          </a:p>
-          <a:p>
-            <a:endParaRPr lang="en-US" dirty="0"/>
+            <a:endParaRPr lang="en-US"/>
           </a:p>
         </p:txBody>
       </p:sp>
@@ -832,7 +726,7 @@
             <a:spLocks noGrp="1"/>
           </p:cNvSpPr>
           <p:nvPr>
-            <p:ph type="sldNum" sz="quarter" idx="10"/>
+            <p:ph type="sldNum" sz="quarter" idx="5"/>
           </p:nvPr>
         </p:nvSpPr>
         <p:spPr/>
@@ -842,7 +736,7 @@
           <a:p>
             <a:fld id="{F320EF01-42B1-6243-84B4-3AEE3B87B250}" type="slidenum">
               <a:rPr lang="en-US" smtClean="0"/>
-              <a:t>12</a:t>
+              <a:t>8</a:t>
             </a:fld>
             <a:endParaRPr lang="en-US"/>
           </a:p>
@@ -851,7 +745,7 @@
     </p:spTree>
     <p:extLst>
       <p:ext uri="{BB962C8B-B14F-4D97-AF65-F5344CB8AC3E}">
-        <p14:creationId xmlns:p14="http://schemas.microsoft.com/office/powerpoint/2010/main" val="1208503653"/>
+        <p14:creationId xmlns:p14="http://schemas.microsoft.com/office/powerpoint/2010/main" val="3004183967"/>
       </p:ext>
     </p:extLst>
   </p:cSld>
@@ -905,101 +799,116 @@
           <a:bodyPr/>
           <a:lstStyle/>
           <a:p>
-            <a:r>
-              <a:rPr lang="en-US" sz="1200" dirty="0">
-                <a:latin typeface="Karla" pitchFamily="2" charset="0"/>
-              </a:rPr>
-              <a:t>A worker node consists of:</a:t>
-            </a:r>
-          </a:p>
-          <a:p>
-            <a:endParaRPr lang="en-US" sz="1200" dirty="0">
-              <a:latin typeface="Karla" pitchFamily="2" charset="0"/>
-            </a:endParaRPr>
-          </a:p>
-          <a:p>
             <a:pPr marL="457200" indent="-457200">
               <a:buAutoNum type="arabicParenR"/>
             </a:pPr>
             <a:r>
-              <a:rPr lang="en-US" sz="1200" b="1" dirty="0">
+              <a:rPr lang="en-US" sz="2400" b="1" dirty="0">
                 <a:latin typeface="Karla" pitchFamily="2" charset="0"/>
               </a:rPr>
-              <a:t>Container runtime </a:t>
-            </a:r>
-            <a:r>
-              <a:rPr lang="en-US" sz="1200" dirty="0">
+              <a:t>API server </a:t>
+            </a:r>
+            <a:r>
+              <a:rPr lang="en-US" sz="2400" dirty="0">
                 <a:latin typeface="Karla" pitchFamily="2" charset="0"/>
               </a:rPr>
-              <a:t>that pulls a specified Docker image and deploys it on a worker node</a:t>
-            </a:r>
-          </a:p>
-          <a:p>
-            <a:endParaRPr lang="en-US" sz="1200" dirty="0">
-              <a:latin typeface="Karla" pitchFamily="2" charset="0"/>
-            </a:endParaRPr>
-          </a:p>
-          <a:p>
-            <a:r>
-              <a:rPr lang="en-US" sz="1200" b="1" dirty="0">
+              <a:t>contains various methods to directly access the Kubernetes</a:t>
+            </a:r>
+          </a:p>
+          <a:p>
+            <a:pPr marL="457200" indent="-457200">
+              <a:buAutoNum type="arabicParenR" startAt="2"/>
+            </a:pPr>
+            <a:r>
+              <a:rPr lang="en-US" sz="2400" b="1" dirty="0">
                 <a:latin typeface="Karla" pitchFamily="2" charset="0"/>
               </a:rPr>
-              <a:t>2) </a:t>
-            </a:r>
-            <a:r>
-              <a:rPr lang="en-US" sz="1200" b="1" dirty="0" err="1">
+              <a:t>Scheduler </a:t>
+            </a:r>
+            <a:r>
+              <a:rPr lang="en-US" sz="2400" dirty="0">
                 <a:latin typeface="Karla" pitchFamily="2" charset="0"/>
               </a:rPr>
-              <a:t>Kubelet</a:t>
-            </a:r>
-            <a:r>
-              <a:rPr lang="en-US" sz="1200" b="1" dirty="0">
+              <a:t>assigns to each worker node an application</a:t>
+            </a:r>
+          </a:p>
+          <a:p>
+            <a:pPr marL="457200" indent="-457200">
+              <a:buAutoNum type="arabicParenR" startAt="2"/>
+            </a:pPr>
+            <a:r>
+              <a:rPr lang="en-US" sz="2400" b="1" dirty="0">
                 <a:latin typeface="Karla" pitchFamily="2" charset="0"/>
               </a:rPr>
+              <a:t>Controller manager</a:t>
+            </a:r>
+          </a:p>
+          <a:p>
+            <a:pPr lvl="1"/>
+            <a:r>
+              <a:rPr lang="en-US" sz="2400" dirty="0">
+                <a:latin typeface="Karla" pitchFamily="2" charset="0"/>
+              </a:rPr>
+              <a:t>3a) Keeps track of worker nodes</a:t>
+            </a:r>
+          </a:p>
+          <a:p>
+            <a:pPr lvl="1"/>
+            <a:r>
+              <a:rPr lang="en-US" sz="2400" dirty="0">
+                <a:latin typeface="Karla" pitchFamily="2" charset="0"/>
+              </a:rPr>
+              <a:t>3b) Handles node failures and replicates if needed</a:t>
+            </a:r>
+          </a:p>
+          <a:p>
+            <a:pPr lvl="1"/>
+            <a:r>
+              <a:rPr lang="en-US" sz="2400" dirty="0">
+                <a:latin typeface="Karla" pitchFamily="2" charset="0"/>
+              </a:rPr>
+              <a:t>3c) Provide endpoints to access the application from the outside world</a:t>
+            </a:r>
+          </a:p>
+          <a:p>
+            <a:r>
+              <a:rPr lang="en-US" sz="2400" b="1" dirty="0">
+                <a:latin typeface="Karla" pitchFamily="2" charset="0"/>
+              </a:rPr>
+              <a:t>4) Cloud controller </a:t>
+            </a:r>
+            <a:r>
+              <a:rPr lang="en-US" sz="2400" dirty="0">
+                <a:latin typeface="Karla" pitchFamily="2" charset="0"/>
+              </a:rPr>
+              <a:t>communicates with cloud provide regarding resources such as nodes and IP addresses</a:t>
+            </a:r>
+          </a:p>
+          <a:p>
+            <a:r>
+              <a:rPr lang="en-US" sz="2400" b="1" dirty="0">
+                <a:latin typeface="Karla" pitchFamily="2" charset="0"/>
+              </a:rPr>
+              <a:t>5) </a:t>
+            </a:r>
+            <a:r>
+              <a:rPr lang="en-US" sz="2400" b="1" dirty="0" err="1">
+                <a:latin typeface="Karla" pitchFamily="2" charset="0"/>
+              </a:rPr>
+              <a:t>Etcd</a:t>
+            </a:r>
+            <a:r>
+              <a:rPr lang="en-US" sz="2400" b="1" dirty="0">
+                <a:latin typeface="Karla" pitchFamily="2" charset="0"/>
+              </a:rPr>
               <a:t> </a:t>
             </a:r>
             <a:r>
-              <a:rPr lang="en-US" sz="1200" dirty="0">
+              <a:rPr lang="en-US" sz="2400" dirty="0">
                 <a:latin typeface="Karla" pitchFamily="2" charset="0"/>
               </a:rPr>
-              <a:t>talks to the API server and manages containers on its node</a:t>
-            </a:r>
-          </a:p>
-          <a:p>
-            <a:endParaRPr lang="en-US" sz="1200" dirty="0">
-              <a:latin typeface="Karla" pitchFamily="2" charset="0"/>
-            </a:endParaRPr>
-          </a:p>
-          <a:p>
-            <a:r>
-              <a:rPr lang="en-US" sz="1200" b="1" dirty="0">
-                <a:latin typeface="Karla" pitchFamily="2" charset="0"/>
-              </a:rPr>
-              <a:t>3) </a:t>
-            </a:r>
-            <a:r>
-              <a:rPr lang="en-US" sz="1200" b="1" dirty="0" err="1">
-                <a:latin typeface="Karla" pitchFamily="2" charset="0"/>
-              </a:rPr>
-              <a:t>Kube</a:t>
-            </a:r>
-            <a:r>
-              <a:rPr lang="en-US" sz="1200" b="1" dirty="0">
-                <a:latin typeface="Karla" pitchFamily="2" charset="0"/>
-              </a:rPr>
-              <a:t>-proxy </a:t>
-            </a:r>
-            <a:r>
-              <a:rPr lang="en-US" sz="1200" dirty="0">
-                <a:latin typeface="Karla" pitchFamily="2" charset="0"/>
-              </a:rPr>
-              <a:t>load-balances network traffic between application components and the outside world</a:t>
-            </a:r>
-          </a:p>
-          <a:p>
-            <a:endParaRPr lang="en-US" sz="1200" dirty="0">
-              <a:latin typeface="Karla" pitchFamily="2" charset="0"/>
-            </a:endParaRPr>
+              <a:t>works as backend for service discovery that stores the cluster’s state and its configuration</a:t>
+            </a:r>
           </a:p>
           <a:p>
             <a:endParaRPr lang="en-US" dirty="0"/>
@@ -1023,7 +932,188 @@
           <a:p>
             <a:fld id="{F320EF01-42B1-6243-84B4-3AEE3B87B250}" type="slidenum">
               <a:rPr lang="en-US" smtClean="0"/>
-              <a:t>15</a:t>
+              <a:t>16</a:t>
+            </a:fld>
+            <a:endParaRPr lang="en-US"/>
+          </a:p>
+        </p:txBody>
+      </p:sp>
+    </p:spTree>
+    <p:extLst>
+      <p:ext uri="{BB962C8B-B14F-4D97-AF65-F5344CB8AC3E}">
+        <p14:creationId xmlns:p14="http://schemas.microsoft.com/office/powerpoint/2010/main" val="1208503653"/>
+      </p:ext>
+    </p:extLst>
+  </p:cSld>
+  <p:clrMapOvr>
+    <a:masterClrMapping/>
+  </p:clrMapOvr>
+</p:notes>
+</file>
+
+<file path=ppt/notesSlides/notesSlide5.xml><?xml version="1.0" encoding="utf-8"?>
+<p:notes xmlns:a="http://schemas.openxmlformats.org/drawingml/2006/main" xmlns:r="http://schemas.openxmlformats.org/officeDocument/2006/relationships" xmlns:p="http://schemas.openxmlformats.org/presentationml/2006/main">
+  <p:cSld>
+    <p:spTree>
+      <p:nvGrpSpPr>
+        <p:cNvPr id="1" name=""/>
+        <p:cNvGrpSpPr/>
+        <p:nvPr/>
+      </p:nvGrpSpPr>
+      <p:grpSpPr>
+        <a:xfrm>
+          <a:off x="0" y="0"/>
+          <a:ext cx="0" cy="0"/>
+          <a:chOff x="0" y="0"/>
+          <a:chExt cx="0" cy="0"/>
+        </a:xfrm>
+      </p:grpSpPr>
+      <p:sp>
+        <p:nvSpPr>
+          <p:cNvPr id="2" name="Slide Image Placeholder 1"/>
+          <p:cNvSpPr>
+            <a:spLocks noGrp="1" noRot="1" noChangeAspect="1"/>
+          </p:cNvSpPr>
+          <p:nvPr>
+            <p:ph type="sldImg"/>
+          </p:nvPr>
+        </p:nvSpPr>
+        <p:spPr/>
+      </p:sp>
+      <p:sp>
+        <p:nvSpPr>
+          <p:cNvPr id="3" name="Notes Placeholder 2"/>
+          <p:cNvSpPr>
+            <a:spLocks noGrp="1"/>
+          </p:cNvSpPr>
+          <p:nvPr>
+            <p:ph type="body" idx="1"/>
+          </p:nvPr>
+        </p:nvSpPr>
+        <p:spPr/>
+        <p:txBody>
+          <a:bodyPr/>
+          <a:lstStyle/>
+          <a:p>
+            <a:r>
+              <a:rPr lang="en-US" sz="1200" dirty="0">
+                <a:latin typeface="Karla" pitchFamily="2" charset="0"/>
+              </a:rPr>
+              <a:t>A worker node consists of:</a:t>
+            </a:r>
+          </a:p>
+          <a:p>
+            <a:endParaRPr lang="en-US" sz="1200" dirty="0">
+              <a:latin typeface="Karla" pitchFamily="2" charset="0"/>
+            </a:endParaRPr>
+          </a:p>
+          <a:p>
+            <a:pPr marL="457200" indent="-457200">
+              <a:buAutoNum type="arabicParenR"/>
+            </a:pPr>
+            <a:r>
+              <a:rPr lang="en-US" sz="1200" b="1" dirty="0">
+                <a:latin typeface="Karla" pitchFamily="2" charset="0"/>
+              </a:rPr>
+              <a:t>Container runtime </a:t>
+            </a:r>
+            <a:r>
+              <a:rPr lang="en-US" sz="1200" dirty="0">
+                <a:latin typeface="Karla" pitchFamily="2" charset="0"/>
+              </a:rPr>
+              <a:t>that pulls a specified Docker image and deploys it on a worker node</a:t>
+            </a:r>
+          </a:p>
+          <a:p>
+            <a:endParaRPr lang="en-US" sz="1200" dirty="0">
+              <a:latin typeface="Karla" pitchFamily="2" charset="0"/>
+            </a:endParaRPr>
+          </a:p>
+          <a:p>
+            <a:r>
+              <a:rPr lang="en-US" sz="1200" b="1" dirty="0">
+                <a:latin typeface="Karla" pitchFamily="2" charset="0"/>
+              </a:rPr>
+              <a:t>2) </a:t>
+            </a:r>
+            <a:r>
+              <a:rPr lang="en-US" sz="1200" b="1" dirty="0" err="1">
+                <a:latin typeface="Karla" pitchFamily="2" charset="0"/>
+              </a:rPr>
+              <a:t>Kubelet</a:t>
+            </a:r>
+            <a:r>
+              <a:rPr lang="en-US" sz="1200" b="1" dirty="0">
+                <a:latin typeface="Karla" pitchFamily="2" charset="0"/>
+              </a:rPr>
+              <a:t> </a:t>
+            </a:r>
+            <a:r>
+              <a:rPr lang="en-US" sz="1200" dirty="0">
+                <a:latin typeface="Karla" pitchFamily="2" charset="0"/>
+              </a:rPr>
+              <a:t>talks to the API server and manages containers on its node</a:t>
+            </a:r>
+          </a:p>
+          <a:p>
+            <a:endParaRPr lang="en-US" sz="1200" dirty="0">
+              <a:latin typeface="Karla" pitchFamily="2" charset="0"/>
+            </a:endParaRPr>
+          </a:p>
+          <a:p>
+            <a:r>
+              <a:rPr lang="en-US" sz="1200" b="1" dirty="0">
+                <a:latin typeface="Karla" pitchFamily="2" charset="0"/>
+              </a:rPr>
+              <a:t>3) </a:t>
+            </a:r>
+            <a:r>
+              <a:rPr lang="en-US" sz="1200" b="1" dirty="0" err="1">
+                <a:latin typeface="Karla" pitchFamily="2" charset="0"/>
+              </a:rPr>
+              <a:t>Kube</a:t>
+            </a:r>
+            <a:r>
+              <a:rPr lang="en-US" sz="1200" b="1" dirty="0">
+                <a:latin typeface="Karla" pitchFamily="2" charset="0"/>
+              </a:rPr>
+              <a:t>-proxy </a:t>
+            </a:r>
+            <a:r>
+              <a:rPr lang="en-US" sz="1200" dirty="0">
+                <a:latin typeface="Karla" pitchFamily="2" charset="0"/>
+              </a:rPr>
+              <a:t>load-balances network traffic between application components and the outside world</a:t>
+            </a:r>
+          </a:p>
+          <a:p>
+            <a:endParaRPr lang="en-US" sz="1200" dirty="0">
+              <a:latin typeface="Karla" pitchFamily="2" charset="0"/>
+            </a:endParaRPr>
+          </a:p>
+          <a:p>
+            <a:endParaRPr lang="en-US" dirty="0"/>
+          </a:p>
+        </p:txBody>
+      </p:sp>
+      <p:sp>
+        <p:nvSpPr>
+          <p:cNvPr id="4" name="Slide Number Placeholder 3"/>
+          <p:cNvSpPr>
+            <a:spLocks noGrp="1"/>
+          </p:cNvSpPr>
+          <p:nvPr>
+            <p:ph type="sldNum" sz="quarter" idx="10"/>
+          </p:nvPr>
+        </p:nvSpPr>
+        <p:spPr/>
+        <p:txBody>
+          <a:bodyPr/>
+          <a:lstStyle/>
+          <a:p>
+            <a:fld id="{F320EF01-42B1-6243-84B4-3AEE3B87B250}" type="slidenum">
+              <a:rPr lang="en-US" smtClean="0"/>
+              <a:t>19</a:t>
             </a:fld>
             <a:endParaRPr lang="en-US"/>
           </a:p>
@@ -9231,6 +9321,390 @@
       </p:grpSpPr>
       <p:sp>
         <p:nvSpPr>
+          <p:cNvPr id="2" name="Slide Number Placeholder 1">
+            <a:extLst>
+              <a:ext uri="{FF2B5EF4-FFF2-40B4-BE49-F238E27FC236}">
+                <a16:creationId xmlns:a16="http://schemas.microsoft.com/office/drawing/2014/main" id="{C0B2838F-197E-D24A-B814-28DB800AEF2F}"/>
+              </a:ext>
+            </a:extLst>
+          </p:cNvPr>
+          <p:cNvSpPr>
+            <a:spLocks noGrp="1"/>
+          </p:cNvSpPr>
+          <p:nvPr>
+            <p:ph type="sldNum" sz="quarter" idx="12"/>
+          </p:nvPr>
+        </p:nvSpPr>
+        <p:spPr/>
+        <p:txBody>
+          <a:bodyPr/>
+          <a:lstStyle/>
+          <a:p>
+            <a:fld id="{A13833A1-46C9-FB45-812F-A8AC7B5136EB}" type="slidenum">
+              <a:rPr lang="en-US" smtClean="0"/>
+              <a:t>10</a:t>
+            </a:fld>
+            <a:endParaRPr lang="en-US"/>
+          </a:p>
+        </p:txBody>
+      </p:sp>
+      <p:pic>
+        <p:nvPicPr>
+          <p:cNvPr id="6" name="Picture 5" descr="A screenshot of a dog&#10;&#10;Description automatically generated with low confidence">
+            <a:extLst>
+              <a:ext uri="{FF2B5EF4-FFF2-40B4-BE49-F238E27FC236}">
+                <a16:creationId xmlns:a16="http://schemas.microsoft.com/office/drawing/2014/main" id="{11D681CA-4876-1F41-A9DB-9E6B28606C42}"/>
+              </a:ext>
+            </a:extLst>
+          </p:cNvPr>
+          <p:cNvPicPr>
+            <a:picLocks noChangeAspect="1"/>
+          </p:cNvPicPr>
+          <p:nvPr/>
+        </p:nvPicPr>
+        <p:blipFill>
+          <a:blip r:embed="rId2"/>
+          <a:stretch>
+            <a:fillRect/>
+          </a:stretch>
+        </p:blipFill>
+        <p:spPr>
+          <a:xfrm>
+            <a:off x="3695700" y="0"/>
+            <a:ext cx="4800600" cy="6858000"/>
+          </a:xfrm>
+          <a:prstGeom prst="rect">
+            <a:avLst/>
+          </a:prstGeom>
+        </p:spPr>
+      </p:pic>
+    </p:spTree>
+    <p:extLst>
+      <p:ext uri="{BB962C8B-B14F-4D97-AF65-F5344CB8AC3E}">
+        <p14:creationId xmlns:p14="http://schemas.microsoft.com/office/powerpoint/2010/main" val="2546444363"/>
+      </p:ext>
+    </p:extLst>
+  </p:cSld>
+  <p:clrMapOvr>
+    <a:masterClrMapping/>
+  </p:clrMapOvr>
+</p:sld>
+</file>
+
+<file path=ppt/slides/slide11.xml><?xml version="1.0" encoding="utf-8"?>
+<p:sld xmlns:a="http://schemas.openxmlformats.org/drawingml/2006/main" xmlns:r="http://schemas.openxmlformats.org/officeDocument/2006/relationships" xmlns:p="http://schemas.openxmlformats.org/presentationml/2006/main">
+  <p:cSld>
+    <p:spTree>
+      <p:nvGrpSpPr>
+        <p:cNvPr id="1" name=""/>
+        <p:cNvGrpSpPr/>
+        <p:nvPr/>
+      </p:nvGrpSpPr>
+      <p:grpSpPr>
+        <a:xfrm>
+          <a:off x="0" y="0"/>
+          <a:ext cx="0" cy="0"/>
+          <a:chOff x="0" y="0"/>
+          <a:chExt cx="0" cy="0"/>
+        </a:xfrm>
+      </p:grpSpPr>
+      <p:sp>
+        <p:nvSpPr>
+          <p:cNvPr id="2" name="Slide Number Placeholder 1">
+            <a:extLst>
+              <a:ext uri="{FF2B5EF4-FFF2-40B4-BE49-F238E27FC236}">
+                <a16:creationId xmlns:a16="http://schemas.microsoft.com/office/drawing/2014/main" id="{C0B2838F-197E-D24A-B814-28DB800AEF2F}"/>
+              </a:ext>
+            </a:extLst>
+          </p:cNvPr>
+          <p:cNvSpPr>
+            <a:spLocks noGrp="1"/>
+          </p:cNvSpPr>
+          <p:nvPr>
+            <p:ph type="sldNum" sz="quarter" idx="12"/>
+          </p:nvPr>
+        </p:nvSpPr>
+        <p:spPr/>
+        <p:txBody>
+          <a:bodyPr/>
+          <a:lstStyle/>
+          <a:p>
+            <a:fld id="{A13833A1-46C9-FB45-812F-A8AC7B5136EB}" type="slidenum">
+              <a:rPr lang="en-US" smtClean="0"/>
+              <a:t>11</a:t>
+            </a:fld>
+            <a:endParaRPr lang="en-US"/>
+          </a:p>
+        </p:txBody>
+      </p:sp>
+      <p:pic>
+        <p:nvPicPr>
+          <p:cNvPr id="4" name="Picture 3" descr="Graphical user interface, application&#10;&#10;Description automatically generated">
+            <a:extLst>
+              <a:ext uri="{FF2B5EF4-FFF2-40B4-BE49-F238E27FC236}">
+                <a16:creationId xmlns:a16="http://schemas.microsoft.com/office/drawing/2014/main" id="{101B4BCB-EAD3-A94D-9C4D-9C0B84B3D863}"/>
+              </a:ext>
+            </a:extLst>
+          </p:cNvPr>
+          <p:cNvPicPr>
+            <a:picLocks noChangeAspect="1"/>
+          </p:cNvPicPr>
+          <p:nvPr/>
+        </p:nvPicPr>
+        <p:blipFill>
+          <a:blip r:embed="rId2"/>
+          <a:stretch>
+            <a:fillRect/>
+          </a:stretch>
+        </p:blipFill>
+        <p:spPr>
+          <a:xfrm>
+            <a:off x="3462528" y="0"/>
+            <a:ext cx="5266944" cy="6858000"/>
+          </a:xfrm>
+          <a:prstGeom prst="rect">
+            <a:avLst/>
+          </a:prstGeom>
+        </p:spPr>
+      </p:pic>
+    </p:spTree>
+    <p:extLst>
+      <p:ext uri="{BB962C8B-B14F-4D97-AF65-F5344CB8AC3E}">
+        <p14:creationId xmlns:p14="http://schemas.microsoft.com/office/powerpoint/2010/main" val="2200068719"/>
+      </p:ext>
+    </p:extLst>
+  </p:cSld>
+  <p:clrMapOvr>
+    <a:masterClrMapping/>
+  </p:clrMapOvr>
+</p:sld>
+</file>
+
+<file path=ppt/slides/slide12.xml><?xml version="1.0" encoding="utf-8"?>
+<p:sld xmlns:a="http://schemas.openxmlformats.org/drawingml/2006/main" xmlns:r="http://schemas.openxmlformats.org/officeDocument/2006/relationships" xmlns:p="http://schemas.openxmlformats.org/presentationml/2006/main">
+  <p:cSld>
+    <p:spTree>
+      <p:nvGrpSpPr>
+        <p:cNvPr id="1" name=""/>
+        <p:cNvGrpSpPr/>
+        <p:nvPr/>
+      </p:nvGrpSpPr>
+      <p:grpSpPr>
+        <a:xfrm>
+          <a:off x="0" y="0"/>
+          <a:ext cx="0" cy="0"/>
+          <a:chOff x="0" y="0"/>
+          <a:chExt cx="0" cy="0"/>
+        </a:xfrm>
+      </p:grpSpPr>
+      <p:sp>
+        <p:nvSpPr>
+          <p:cNvPr id="2" name="Slide Number Placeholder 1">
+            <a:extLst>
+              <a:ext uri="{FF2B5EF4-FFF2-40B4-BE49-F238E27FC236}">
+                <a16:creationId xmlns:a16="http://schemas.microsoft.com/office/drawing/2014/main" id="{C0B2838F-197E-D24A-B814-28DB800AEF2F}"/>
+              </a:ext>
+            </a:extLst>
+          </p:cNvPr>
+          <p:cNvSpPr>
+            <a:spLocks noGrp="1"/>
+          </p:cNvSpPr>
+          <p:nvPr>
+            <p:ph type="sldNum" sz="quarter" idx="12"/>
+          </p:nvPr>
+        </p:nvSpPr>
+        <p:spPr/>
+        <p:txBody>
+          <a:bodyPr/>
+          <a:lstStyle/>
+          <a:p>
+            <a:fld id="{A13833A1-46C9-FB45-812F-A8AC7B5136EB}" type="slidenum">
+              <a:rPr lang="en-US" smtClean="0"/>
+              <a:t>12</a:t>
+            </a:fld>
+            <a:endParaRPr lang="en-US"/>
+          </a:p>
+        </p:txBody>
+      </p:sp>
+      <p:pic>
+        <p:nvPicPr>
+          <p:cNvPr id="4" name="Picture 3" descr="Graphical user interface, application&#10;&#10;Description automatically generated">
+            <a:extLst>
+              <a:ext uri="{FF2B5EF4-FFF2-40B4-BE49-F238E27FC236}">
+                <a16:creationId xmlns:a16="http://schemas.microsoft.com/office/drawing/2014/main" id="{89CF9675-2A00-974D-AFF4-40EF98F89619}"/>
+              </a:ext>
+            </a:extLst>
+          </p:cNvPr>
+          <p:cNvPicPr>
+            <a:picLocks noChangeAspect="1"/>
+          </p:cNvPicPr>
+          <p:nvPr/>
+        </p:nvPicPr>
+        <p:blipFill>
+          <a:blip r:embed="rId2"/>
+          <a:stretch>
+            <a:fillRect/>
+          </a:stretch>
+        </p:blipFill>
+        <p:spPr>
+          <a:xfrm>
+            <a:off x="2032000" y="463550"/>
+            <a:ext cx="8132873" cy="5934456"/>
+          </a:xfrm>
+          <a:prstGeom prst="rect">
+            <a:avLst/>
+          </a:prstGeom>
+        </p:spPr>
+      </p:pic>
+    </p:spTree>
+    <p:extLst>
+      <p:ext uri="{BB962C8B-B14F-4D97-AF65-F5344CB8AC3E}">
+        <p14:creationId xmlns:p14="http://schemas.microsoft.com/office/powerpoint/2010/main" val="1430615656"/>
+      </p:ext>
+    </p:extLst>
+  </p:cSld>
+  <p:clrMapOvr>
+    <a:masterClrMapping/>
+  </p:clrMapOvr>
+</p:sld>
+</file>
+
+<file path=ppt/slides/slide13.xml><?xml version="1.0" encoding="utf-8"?>
+<p:sld xmlns:a="http://schemas.openxmlformats.org/drawingml/2006/main" xmlns:r="http://schemas.openxmlformats.org/officeDocument/2006/relationships" xmlns:p="http://schemas.openxmlformats.org/presentationml/2006/main">
+  <p:cSld>
+    <p:spTree>
+      <p:nvGrpSpPr>
+        <p:cNvPr id="1" name=""/>
+        <p:cNvGrpSpPr/>
+        <p:nvPr/>
+      </p:nvGrpSpPr>
+      <p:grpSpPr>
+        <a:xfrm>
+          <a:off x="0" y="0"/>
+          <a:ext cx="0" cy="0"/>
+          <a:chOff x="0" y="0"/>
+          <a:chExt cx="0" cy="0"/>
+        </a:xfrm>
+      </p:grpSpPr>
+      <p:pic>
+        <p:nvPicPr>
+          <p:cNvPr id="4" name="Picture 3" descr="A close up of a logo&#10;&#10;Description automatically generated">
+            <a:extLst>
+              <a:ext uri="{FF2B5EF4-FFF2-40B4-BE49-F238E27FC236}">
+                <a16:creationId xmlns:a16="http://schemas.microsoft.com/office/drawing/2014/main" id="{39EC4DA4-C5C0-4F06-8992-FE59D4905CC4}"/>
+              </a:ext>
+            </a:extLst>
+          </p:cNvPr>
+          <p:cNvPicPr>
+            <a:picLocks noChangeAspect="1"/>
+          </p:cNvPicPr>
+          <p:nvPr/>
+        </p:nvPicPr>
+        <p:blipFill>
+          <a:blip r:embed="rId2">
+            <a:extLst>
+              <a:ext uri="{BEBA8EAE-BF5A-486C-A8C5-ECC9F3942E4B}">
+                <a14:imgProps xmlns:a14="http://schemas.microsoft.com/office/drawing/2010/main">
+                  <a14:imgLayer r:embed="rId3">
+                    <a14:imgEffect>
+                      <a14:backgroundRemoval t="2425" b="91045" l="9877" r="89815">
+                        <a14:foregroundMark x1="40586" y1="35634" x2="40586" y2="35634"/>
+                        <a14:foregroundMark x1="41667" y1="19776" x2="24074" y2="37127"/>
+                        <a14:foregroundMark x1="24074" y1="37127" x2="21451" y2="68470"/>
+                        <a14:foregroundMark x1="21451" y1="68470" x2="38889" y2="91231"/>
+                        <a14:foregroundMark x1="38889" y1="91231" x2="61574" y2="89552"/>
+                        <a14:foregroundMark x1="61574" y1="89552" x2="79167" y2="71455"/>
+                        <a14:foregroundMark x1="79167" y1="71455" x2="86728" y2="41231"/>
+                        <a14:foregroundMark x1="86728" y1="41231" x2="66975" y2="20336"/>
+                        <a14:foregroundMark x1="66975" y1="20336" x2="41975" y2="19216"/>
+                        <a14:foregroundMark x1="41975" y1="19216" x2="40586" y2="22388"/>
+                        <a14:foregroundMark x1="51389" y1="26679" x2="47377" y2="53731"/>
+                        <a14:foregroundMark x1="47377" y1="53731" x2="66512" y2="36194"/>
+                        <a14:foregroundMark x1="66512" y1="36194" x2="48611" y2="23881"/>
+                        <a14:foregroundMark x1="41667" y1="26679" x2="33333" y2="57276"/>
+                        <a14:foregroundMark x1="33333" y1="57276" x2="50309" y2="77425"/>
+                        <a14:foregroundMark x1="50309" y1="77425" x2="54630" y2="38246"/>
+                        <a14:foregroundMark x1="54630" y1="38246" x2="38272" y2="29291"/>
+                        <a14:foregroundMark x1="63426" y1="33582" x2="46296" y2="54104"/>
+                        <a14:foregroundMark x1="46296" y1="54104" x2="53549" y2="79664"/>
+                        <a14:foregroundMark x1="53549" y1="79664" x2="76389" y2="68097"/>
+                        <a14:foregroundMark x1="76389" y1="68097" x2="79167" y2="40485"/>
+                        <a14:foregroundMark x1="79167" y1="40485" x2="52469" y2="34515"/>
+                        <a14:foregroundMark x1="52469" y1="34515" x2="50772" y2="36940"/>
+                        <a14:foregroundMark x1="71296" y1="38993" x2="53395" y2="55224"/>
+                        <a14:foregroundMark x1="53395" y1="55224" x2="55401" y2="81716"/>
+                        <a14:foregroundMark x1="55401" y1="81716" x2="77006" y2="69590"/>
+                        <a14:foregroundMark x1="77006" y1="69590" x2="77006" y2="39366"/>
+                        <a14:foregroundMark x1="77006" y1="39366" x2="66204" y2="38246"/>
+                        <a14:foregroundMark x1="66204" y1="40485" x2="52160" y2="62687"/>
+                        <a14:foregroundMark x1="52160" y1="62687" x2="65432" y2="86567"/>
+                        <a14:foregroundMark x1="65432" y1="86567" x2="81019" y2="64739"/>
+                        <a14:foregroundMark x1="81019" y1="64739" x2="75154" y2="34515"/>
+                        <a14:foregroundMark x1="75154" y1="34515" x2="65586" y2="33582"/>
+                        <a14:foregroundMark x1="67901" y1="41045" x2="53086" y2="63060"/>
+                        <a14:foregroundMark x1="53086" y1="63060" x2="75617" y2="70149"/>
+                        <a14:foregroundMark x1="75617" y1="70149" x2="74846" y2="43284"/>
+                        <a14:foregroundMark x1="74846" y1="43284" x2="66821" y2="38993"/>
+                        <a14:foregroundMark x1="66821" y1="45149" x2="59259" y2="71082"/>
+                        <a14:foregroundMark x1="59259" y1="71082" x2="75154" y2="49627"/>
+                        <a14:foregroundMark x1="75154" y1="49627" x2="58796" y2="48694"/>
+                        <a14:foregroundMark x1="28549" y1="30784" x2="25772" y2="57836"/>
+                        <a14:foregroundMark x1="25772" y1="57836" x2="43673" y2="37500"/>
+                        <a14:foregroundMark x1="43673" y1="37500" x2="24537" y2="35634"/>
+                        <a14:foregroundMark x1="33179" y1="40485" x2="17130" y2="59888"/>
+                        <a14:foregroundMark x1="17130" y1="59888" x2="30864" y2="81903"/>
+                        <a14:foregroundMark x1="30864" y1="81903" x2="52623" y2="71455"/>
+                        <a14:foregroundMark x1="52623" y1="71455" x2="51698" y2="38060"/>
+                        <a14:foregroundMark x1="51698" y1="38060" x2="28395" y2="43657"/>
+                        <a14:foregroundMark x1="28395" y1="43657" x2="27469" y2="44590"/>
+                        <a14:foregroundMark x1="34877" y1="42537" x2="22377" y2="65299"/>
+                        <a14:foregroundMark x1="22377" y1="65299" x2="46296" y2="79104"/>
+                        <a14:foregroundMark x1="46296" y1="79104" x2="55247" y2="52612"/>
+                        <a14:foregroundMark x1="55247" y1="52612" x2="33642" y2="41978"/>
+                        <a14:foregroundMark x1="33642" y1="41978" x2="29784" y2="46642"/>
+                        <a14:foregroundMark x1="30247" y1="54104" x2="27469" y2="80970"/>
+                        <a14:foregroundMark x1="27469" y1="80970" x2="53241" y2="72015"/>
+                        <a14:foregroundMark x1="53241" y1="72015" x2="48148" y2="42724"/>
+                        <a14:foregroundMark x1="48148" y1="42724" x2="25926" y2="51119"/>
+                        <a14:foregroundMark x1="25926" y1="51119" x2="25772" y2="52799"/>
+                        <a14:foregroundMark x1="34259" y1="52799" x2="23457" y2="77425"/>
+                        <a14:foregroundMark x1="23457" y1="77425" x2="47531" y2="81903"/>
+                        <a14:foregroundMark x1="47531" y1="81903" x2="48611" y2="54104"/>
+                        <a14:foregroundMark x1="48611" y1="54104" x2="29167" y2="54851"/>
+                        <a14:foregroundMark x1="29167" y1="56343" x2="38889" y2="81157"/>
+                        <a14:foregroundMark x1="38889" y1="81157" x2="25309" y2="59515"/>
+                        <a14:foregroundMark x1="25309" y1="59515" x2="24537" y2="60448"/>
+                        <a14:foregroundMark x1="58179" y1="14925" x2="57099" y2="10821"/>
+                        <a14:foregroundMark x1="56019" y1="2425" x2="54784" y2="3918"/>
+                        <a14:foregroundMark x1="83951" y1="29291" x2="86574" y2="57836"/>
+                        <a14:foregroundMark x1="86574" y1="57836" x2="84877" y2="30784"/>
+                        <a14:foregroundMark x1="84877" y1="30784" x2="81019" y2="32836"/>
+                      </a14:backgroundRemoval>
+                    </a14:imgEffect>
+                  </a14:imgLayer>
+                </a14:imgProps>
+              </a:ext>
+              <a:ext uri="{28A0092B-C50C-407E-A947-70E740481C1C}">
+                <a14:useLocalDpi xmlns:a14="http://schemas.microsoft.com/office/drawing/2010/main" val="0"/>
+              </a:ext>
+            </a:extLst>
+          </a:blip>
+          <a:stretch>
+            <a:fillRect/>
+          </a:stretch>
+        </p:blipFill>
+        <p:spPr>
+          <a:xfrm>
+            <a:off x="5002926" y="1116959"/>
+            <a:ext cx="2167097" cy="1792538"/>
+          </a:xfrm>
+          <a:prstGeom prst="rect">
+            <a:avLst/>
+          </a:prstGeom>
+        </p:spPr>
+      </p:pic>
+      <p:sp>
+        <p:nvSpPr>
           <p:cNvPr id="3" name="Text Placeholder 2">
             <a:extLst>
               <a:ext uri="{FF2B5EF4-FFF2-40B4-BE49-F238E27FC236}">
@@ -9264,6 +9738,169 @@
             </a:pPr>
             <a:r>
               <a:rPr lang="en-US" sz="3800" b="1" dirty="0"/>
+              <a:t>Introduction to Kubernetes &lt;K8s&gt;</a:t>
+            </a:r>
+          </a:p>
+        </p:txBody>
+      </p:sp>
+      <p:sp>
+        <p:nvSpPr>
+          <p:cNvPr id="10" name="Rectangle 9">
+            <a:extLst>
+              <a:ext uri="{FF2B5EF4-FFF2-40B4-BE49-F238E27FC236}">
+                <a16:creationId xmlns:a16="http://schemas.microsoft.com/office/drawing/2014/main" id="{2640D9DE-ACA1-40C5-9770-2BD1B3232BBF}"/>
+              </a:ext>
+            </a:extLst>
+          </p:cNvPr>
+          <p:cNvSpPr/>
+          <p:nvPr/>
+        </p:nvSpPr>
+        <p:spPr>
+          <a:xfrm>
+            <a:off x="1398494" y="2510847"/>
+            <a:ext cx="9612406" cy="4031873"/>
+          </a:xfrm>
+          <a:prstGeom prst="rect">
+            <a:avLst/>
+          </a:prstGeom>
+        </p:spPr>
+        <p:txBody>
+          <a:bodyPr wrap="square">
+            <a:spAutoFit/>
+          </a:bodyPr>
+          <a:lstStyle/>
+          <a:p>
+            <a:r>
+              <a:rPr lang="en-US" sz="2400" dirty="0">
+                <a:latin typeface="Karla" pitchFamily="2" charset="0"/>
+              </a:rPr>
+              <a:t>K8s manages containers</a:t>
+            </a:r>
+          </a:p>
+          <a:p>
+            <a:endParaRPr lang="en-US" sz="2400" dirty="0">
+              <a:latin typeface="Karla" pitchFamily="2" charset="0"/>
+            </a:endParaRPr>
+          </a:p>
+          <a:p>
+            <a:r>
+              <a:rPr lang="en-US" sz="2400" dirty="0">
+                <a:latin typeface="Karla" pitchFamily="2" charset="0"/>
+              </a:rPr>
+              <a:t>K8s is an open-source platform for container management developed by Google and introduced in 2014.  It has become the standard API for building cloud-native applications, present in nearly every public cloud.</a:t>
+            </a:r>
+          </a:p>
+          <a:p>
+            <a:endParaRPr lang="en-US" sz="2400" dirty="0">
+              <a:latin typeface="Karla" pitchFamily="2" charset="0"/>
+            </a:endParaRPr>
+          </a:p>
+          <a:p>
+            <a:r>
+              <a:rPr lang="en-US" sz="2400" dirty="0">
+                <a:latin typeface="Karla" pitchFamily="2" charset="0"/>
+              </a:rPr>
+              <a:t>K8s users define rules for how container management should occur, and then K8s handles the rest!</a:t>
+            </a:r>
+          </a:p>
+          <a:p>
+            <a:pPr algn="r"/>
+            <a:endParaRPr lang="en-US" sz="2000" dirty="0">
+              <a:latin typeface="Karla" pitchFamily="2" charset="0"/>
+            </a:endParaRPr>
+          </a:p>
+          <a:p>
+            <a:pPr algn="r"/>
+            <a:r>
+              <a:rPr lang="en-US" sz="2000" dirty="0">
+                <a:latin typeface="Karla" pitchFamily="2" charset="0"/>
+              </a:rPr>
+              <a:t>&gt; </a:t>
+            </a:r>
+            <a:r>
+              <a:rPr lang="en-US" sz="2000" dirty="0">
+                <a:latin typeface="Karla" pitchFamily="2" charset="0"/>
+                <a:hlinkClick r:id="rId4"/>
+              </a:rPr>
+              <a:t>link to website</a:t>
+            </a:r>
+            <a:r>
+              <a:rPr lang="en-US" sz="2000" dirty="0">
+                <a:latin typeface="Karla" pitchFamily="2" charset="0"/>
+              </a:rPr>
+              <a:t> &lt;</a:t>
+            </a:r>
+            <a:endParaRPr lang="en-US" dirty="0">
+              <a:latin typeface="Karla" pitchFamily="2" charset="0"/>
+            </a:endParaRPr>
+          </a:p>
+        </p:txBody>
+      </p:sp>
+    </p:spTree>
+    <p:extLst>
+      <p:ext uri="{BB962C8B-B14F-4D97-AF65-F5344CB8AC3E}">
+        <p14:creationId xmlns:p14="http://schemas.microsoft.com/office/powerpoint/2010/main" val="1340100358"/>
+      </p:ext>
+    </p:extLst>
+  </p:cSld>
+  <p:clrMapOvr>
+    <a:masterClrMapping/>
+  </p:clrMapOvr>
+</p:sld>
+</file>
+
+<file path=ppt/slides/slide14.xml><?xml version="1.0" encoding="utf-8"?>
+<p:sld xmlns:a="http://schemas.openxmlformats.org/drawingml/2006/main" xmlns:r="http://schemas.openxmlformats.org/officeDocument/2006/relationships" xmlns:p="http://schemas.openxmlformats.org/presentationml/2006/main">
+  <p:cSld>
+    <p:spTree>
+      <p:nvGrpSpPr>
+        <p:cNvPr id="1" name=""/>
+        <p:cNvGrpSpPr/>
+        <p:nvPr/>
+      </p:nvGrpSpPr>
+      <p:grpSpPr>
+        <a:xfrm>
+          <a:off x="0" y="0"/>
+          <a:ext cx="0" cy="0"/>
+          <a:chOff x="0" y="0"/>
+          <a:chExt cx="0" cy="0"/>
+        </a:xfrm>
+      </p:grpSpPr>
+      <p:sp>
+        <p:nvSpPr>
+          <p:cNvPr id="3" name="Text Placeholder 2">
+            <a:extLst>
+              <a:ext uri="{FF2B5EF4-FFF2-40B4-BE49-F238E27FC236}">
+                <a16:creationId xmlns:a16="http://schemas.microsoft.com/office/drawing/2014/main" id="{C7652C82-BE66-4418-8AD5-980274E47728}"/>
+              </a:ext>
+            </a:extLst>
+          </p:cNvPr>
+          <p:cNvSpPr>
+            <a:spLocks noGrp="1"/>
+          </p:cNvSpPr>
+          <p:nvPr>
+            <p:ph type="body" sz="quarter" idx="13"/>
+          </p:nvPr>
+        </p:nvSpPr>
+        <p:spPr>
+          <a:xfrm>
+            <a:off x="1162050" y="315280"/>
+            <a:ext cx="10039350" cy="647700"/>
+          </a:xfrm>
+        </p:spPr>
+        <p:txBody>
+          <a:bodyPr>
+            <a:noAutofit/>
+          </a:bodyPr>
+          <a:lstStyle/>
+          <a:p>
+            <a:pPr>
+              <a:spcAft>
+                <a:spcPts val="1800"/>
+              </a:spcAft>
+            </a:pPr>
+            <a:r>
+              <a:rPr lang="en-US" sz="3800" b="1" dirty="0"/>
               <a:t>Anatomy of Kubernetes Cluster</a:t>
             </a:r>
           </a:p>
@@ -9356,7 +9993,7 @@
 </p:sld>
 </file>
 
-<file path=ppt/slides/slide11.xml><?xml version="1.0" encoding="utf-8"?>
+<file path=ppt/slides/slide15.xml><?xml version="1.0" encoding="utf-8"?>
 <p:sld xmlns:a="http://schemas.openxmlformats.org/drawingml/2006/main" xmlns:r="http://schemas.openxmlformats.org/officeDocument/2006/relationships" xmlns:p="http://schemas.openxmlformats.org/presentationml/2006/main">
   <p:cSld>
     <p:spTree>
@@ -9470,7 +10107,7 @@
 </p:sld>
 </file>
 
-<file path=ppt/slides/slide12.xml><?xml version="1.0" encoding="utf-8"?>
+<file path=ppt/slides/slide16.xml><?xml version="1.0" encoding="utf-8"?>
 <p:sld xmlns:a="http://schemas.openxmlformats.org/drawingml/2006/main" xmlns:r="http://schemas.openxmlformats.org/officeDocument/2006/relationships" xmlns:p="http://schemas.openxmlformats.org/presentationml/2006/main">
   <p:cSld>
     <p:spTree>
@@ -9633,7 +10270,7 @@
 </p:sld>
 </file>
 
-<file path=ppt/slides/slide13.xml><?xml version="1.0" encoding="utf-8"?>
+<file path=ppt/slides/slide17.xml><?xml version="1.0" encoding="utf-8"?>
 <p:sld xmlns:a="http://schemas.openxmlformats.org/drawingml/2006/main" xmlns:r="http://schemas.openxmlformats.org/officeDocument/2006/relationships" xmlns:p="http://schemas.openxmlformats.org/presentationml/2006/main">
   <p:cSld>
     <p:spTree>
@@ -9996,7 +10633,7 @@
 </p:sld>
 </file>
 
-<file path=ppt/slides/slide14.xml><?xml version="1.0" encoding="utf-8"?>
+<file path=ppt/slides/slide18.xml><?xml version="1.0" encoding="utf-8"?>
 <p:sld xmlns:a="http://schemas.openxmlformats.org/drawingml/2006/main" xmlns:r="http://schemas.openxmlformats.org/officeDocument/2006/relationships" xmlns:p="http://schemas.openxmlformats.org/presentationml/2006/main">
   <p:cSld>
     <p:spTree>
@@ -10102,7 +10739,7 @@
 </p:sld>
 </file>
 
-<file path=ppt/slides/slide15.xml><?xml version="1.0" encoding="utf-8"?>
+<file path=ppt/slides/slide19.xml><?xml version="1.0" encoding="utf-8"?>
 <p:sld xmlns:a="http://schemas.openxmlformats.org/drawingml/2006/main" xmlns:r="http://schemas.openxmlformats.org/officeDocument/2006/relationships" xmlns:p="http://schemas.openxmlformats.org/presentationml/2006/main">
   <p:cSld>
     <p:spTree>
@@ -10288,730 +10925,6 @@
     <p:extLst>
       <p:ext uri="{BB962C8B-B14F-4D97-AF65-F5344CB8AC3E}">
         <p14:creationId xmlns:p14="http://schemas.microsoft.com/office/powerpoint/2010/main" val="628776617"/>
-      </p:ext>
-    </p:extLst>
-  </p:cSld>
-  <p:clrMapOvr>
-    <a:masterClrMapping/>
-  </p:clrMapOvr>
-</p:sld>
-</file>
-
-<file path=ppt/slides/slide16.xml><?xml version="1.0" encoding="utf-8"?>
-<p:sld xmlns:a="http://schemas.openxmlformats.org/drawingml/2006/main" xmlns:r="http://schemas.openxmlformats.org/officeDocument/2006/relationships" xmlns:p="http://schemas.openxmlformats.org/presentationml/2006/main">
-  <p:cSld>
-    <p:spTree>
-      <p:nvGrpSpPr>
-        <p:cNvPr id="1" name=""/>
-        <p:cNvGrpSpPr/>
-        <p:nvPr/>
-      </p:nvGrpSpPr>
-      <p:grpSpPr>
-        <a:xfrm>
-          <a:off x="0" y="0"/>
-          <a:ext cx="0" cy="0"/>
-          <a:chOff x="0" y="0"/>
-          <a:chExt cx="0" cy="0"/>
-        </a:xfrm>
-      </p:grpSpPr>
-      <p:sp>
-        <p:nvSpPr>
-          <p:cNvPr id="2" name="Title 1"/>
-          <p:cNvSpPr>
-            <a:spLocks noGrp="1"/>
-          </p:cNvSpPr>
-          <p:nvPr>
-            <p:ph type="title"/>
-          </p:nvPr>
-        </p:nvSpPr>
-        <p:spPr>
-          <a:xfrm>
-            <a:off x="609600" y="135004"/>
-            <a:ext cx="10972800" cy="767276"/>
-          </a:xfrm>
-        </p:spPr>
-        <p:txBody>
-          <a:bodyPr/>
-          <a:lstStyle/>
-          <a:p>
-            <a:pPr algn="l"/>
-            <a:r>
-              <a:rPr lang="en-US" dirty="0"/>
-              <a:t>Workshop Overview for Day 1</a:t>
-            </a:r>
-          </a:p>
-        </p:txBody>
-      </p:sp>
-      <p:sp>
-        <p:nvSpPr>
-          <p:cNvPr id="11" name="Google Shape;68;p14"/>
-          <p:cNvSpPr/>
-          <p:nvPr/>
-        </p:nvSpPr>
-        <p:spPr>
-          <a:xfrm>
-            <a:off x="681353" y="1051744"/>
-            <a:ext cx="2735782" cy="1361589"/>
-          </a:xfrm>
-          <a:prstGeom prst="rect">
-            <a:avLst/>
-          </a:prstGeom>
-          <a:solidFill>
-            <a:srgbClr val="D9EAD3"/>
-          </a:solidFill>
-          <a:ln w="9525" cap="flat" cmpd="sng">
-            <a:solidFill>
-              <a:srgbClr val="FFFFFF"/>
-            </a:solidFill>
-            <a:prstDash val="solid"/>
-            <a:round/>
-            <a:headEnd type="none" w="sm" len="sm"/>
-            <a:tailEnd type="none" w="sm" len="sm"/>
-          </a:ln>
-        </p:spPr>
-        <p:txBody>
-          <a:bodyPr spcFirstLastPara="1" wrap="square" lIns="91425" tIns="91425" rIns="91425" bIns="91425" anchor="ctr" anchorCtr="0">
-            <a:noAutofit/>
-          </a:bodyPr>
-          <a:lstStyle/>
-          <a:p>
-            <a:pPr marL="0" lvl="0" indent="0" algn="ctr" rtl="0">
-              <a:spcBef>
-                <a:spcPts val="0"/>
-              </a:spcBef>
-              <a:spcAft>
-                <a:spcPts val="0"/>
-              </a:spcAft>
-              <a:buNone/>
-            </a:pPr>
-            <a:r>
-              <a:rPr lang="en" sz="2000" dirty="0"/>
-              <a:t>Complete App on Local Machine Demo</a:t>
-            </a:r>
-            <a:endParaRPr sz="2000" dirty="0"/>
-          </a:p>
-          <a:p>
-            <a:pPr marL="0" lvl="0" indent="0" algn="ctr" rtl="0">
-              <a:spcBef>
-                <a:spcPts val="0"/>
-              </a:spcBef>
-              <a:spcAft>
-                <a:spcPts val="0"/>
-              </a:spcAft>
-              <a:buNone/>
-            </a:pPr>
-            <a:r>
-              <a:rPr lang="en-US" sz="2000" dirty="0"/>
-              <a:t>10:00</a:t>
-            </a:r>
-            <a:r>
-              <a:rPr lang="en" sz="2000" dirty="0"/>
-              <a:t> - 11:</a:t>
-            </a:r>
-            <a:r>
-              <a:rPr lang="en-US" sz="2000" dirty="0"/>
-              <a:t>30</a:t>
-            </a:r>
-            <a:endParaRPr sz="2000" dirty="0"/>
-          </a:p>
-          <a:p>
-            <a:pPr marL="0" lvl="0" indent="0" algn="ctr" rtl="0">
-              <a:spcBef>
-                <a:spcPts val="0"/>
-              </a:spcBef>
-              <a:spcAft>
-                <a:spcPts val="0"/>
-              </a:spcAft>
-              <a:buNone/>
-            </a:pPr>
-            <a:r>
-              <a:rPr lang="en-US" sz="2000" dirty="0" err="1"/>
-              <a:t>Pavlos</a:t>
-            </a:r>
-            <a:r>
-              <a:rPr lang="en-US" sz="2000" dirty="0"/>
-              <a:t> and Shivas</a:t>
-            </a:r>
-            <a:endParaRPr sz="2000" dirty="0"/>
-          </a:p>
-        </p:txBody>
-      </p:sp>
-      <p:sp>
-        <p:nvSpPr>
-          <p:cNvPr id="13" name="Google Shape;70;p14"/>
-          <p:cNvSpPr/>
-          <p:nvPr/>
-        </p:nvSpPr>
-        <p:spPr>
-          <a:xfrm>
-            <a:off x="8433491" y="1028514"/>
-            <a:ext cx="3162356" cy="1361589"/>
-          </a:xfrm>
-          <a:prstGeom prst="rect">
-            <a:avLst/>
-          </a:prstGeom>
-          <a:solidFill>
-            <a:srgbClr val="D9D2E9"/>
-          </a:solidFill>
-          <a:ln w="9525" cap="flat" cmpd="sng">
-            <a:solidFill>
-              <a:srgbClr val="FFFFFF"/>
-            </a:solidFill>
-            <a:prstDash val="solid"/>
-            <a:round/>
-            <a:headEnd type="none" w="sm" len="sm"/>
-            <a:tailEnd type="none" w="sm" len="sm"/>
-          </a:ln>
-        </p:spPr>
-        <p:txBody>
-          <a:bodyPr spcFirstLastPara="1" wrap="square" lIns="91425" tIns="91425" rIns="91425" bIns="91425" anchor="ctr" anchorCtr="0">
-            <a:noAutofit/>
-          </a:bodyPr>
-          <a:lstStyle/>
-          <a:p>
-            <a:pPr algn="ctr" fontAlgn="base"/>
-            <a:r>
-              <a:rPr lang="en-US" sz="2000" dirty="0"/>
-              <a:t>AWS </a:t>
-            </a:r>
-          </a:p>
-          <a:p>
-            <a:pPr algn="ctr" fontAlgn="base"/>
-            <a:r>
-              <a:rPr lang="en-US" sz="2000" dirty="0"/>
-              <a:t>Instructions/Demo</a:t>
-            </a:r>
-          </a:p>
-          <a:p>
-            <a:pPr fontAlgn="base"/>
-            <a:r>
-              <a:rPr lang="en-US" sz="2000" dirty="0"/>
-              <a:t>		12:00-12:30</a:t>
-            </a:r>
-          </a:p>
-          <a:p>
-            <a:pPr lvl="0" algn="ctr"/>
-            <a:r>
-              <a:rPr lang="en-US" sz="2000" dirty="0"/>
-              <a:t>Rashmi</a:t>
-            </a:r>
-          </a:p>
-        </p:txBody>
-      </p:sp>
-      <p:sp>
-        <p:nvSpPr>
-          <p:cNvPr id="15" name="Google Shape;72;p14"/>
-          <p:cNvSpPr/>
-          <p:nvPr/>
-        </p:nvSpPr>
-        <p:spPr>
-          <a:xfrm>
-            <a:off x="8552329" y="3235500"/>
-            <a:ext cx="3043518" cy="831564"/>
-          </a:xfrm>
-          <a:prstGeom prst="rect">
-            <a:avLst/>
-          </a:prstGeom>
-          <a:solidFill>
-            <a:srgbClr val="FFFFFF"/>
-          </a:solidFill>
-          <a:ln w="19050" cap="flat" cmpd="sng">
-            <a:solidFill>
-              <a:srgbClr val="990000"/>
-            </a:solidFill>
-            <a:prstDash val="solid"/>
-            <a:round/>
-            <a:headEnd type="none" w="sm" len="sm"/>
-            <a:tailEnd type="none" w="sm" len="sm"/>
-          </a:ln>
-        </p:spPr>
-        <p:txBody>
-          <a:bodyPr spcFirstLastPara="1" wrap="square" lIns="91425" tIns="91425" rIns="91425" bIns="91425" anchor="ctr" anchorCtr="0">
-            <a:noAutofit/>
-          </a:bodyPr>
-          <a:lstStyle/>
-          <a:p>
-            <a:pPr algn="ctr"/>
-            <a:r>
-              <a:rPr lang="en-US" sz="2000" dirty="0" err="1"/>
-              <a:t>Sophya</a:t>
-            </a:r>
-            <a:endParaRPr sz="2000" dirty="0"/>
-          </a:p>
-          <a:p>
-            <a:pPr marL="0" lvl="0" indent="0" algn="ctr" rtl="0">
-              <a:spcBef>
-                <a:spcPts val="0"/>
-              </a:spcBef>
-              <a:spcAft>
-                <a:spcPts val="0"/>
-              </a:spcAft>
-              <a:buNone/>
-            </a:pPr>
-            <a:r>
-              <a:rPr lang="en" sz="2000" dirty="0"/>
-              <a:t>12:</a:t>
-            </a:r>
-            <a:r>
-              <a:rPr lang="en-US" sz="2000" dirty="0"/>
-              <a:t>30</a:t>
-            </a:r>
-            <a:r>
-              <a:rPr lang="en" sz="2000" dirty="0"/>
-              <a:t> - 1:</a:t>
-            </a:r>
-            <a:r>
-              <a:rPr lang="en-US" sz="2000" dirty="0"/>
-              <a:t>30</a:t>
-            </a:r>
-          </a:p>
-        </p:txBody>
-      </p:sp>
-      <p:sp>
-        <p:nvSpPr>
-          <p:cNvPr id="16" name="Google Shape;73;p14"/>
-          <p:cNvSpPr/>
-          <p:nvPr/>
-        </p:nvSpPr>
-        <p:spPr>
-          <a:xfrm>
-            <a:off x="4606312" y="4900363"/>
-            <a:ext cx="2735782" cy="1380159"/>
-          </a:xfrm>
-          <a:prstGeom prst="rect">
-            <a:avLst/>
-          </a:prstGeom>
-          <a:solidFill>
-            <a:srgbClr val="FFF2CC"/>
-          </a:solidFill>
-          <a:ln w="9525" cap="flat" cmpd="sng">
-            <a:solidFill>
-              <a:srgbClr val="FFFFFF"/>
-            </a:solidFill>
-            <a:prstDash val="solid"/>
-            <a:round/>
-            <a:headEnd type="none" w="sm" len="sm"/>
-            <a:tailEnd type="none" w="sm" len="sm"/>
-          </a:ln>
-        </p:spPr>
-        <p:txBody>
-          <a:bodyPr spcFirstLastPara="1" wrap="square" lIns="91425" tIns="91425" rIns="91425" bIns="91425" anchor="ctr" anchorCtr="0">
-            <a:noAutofit/>
-          </a:bodyPr>
-          <a:lstStyle/>
-          <a:p>
-            <a:pPr marL="0" lvl="0" indent="0" algn="ctr" rtl="0">
-              <a:spcBef>
-                <a:spcPts val="0"/>
-              </a:spcBef>
-              <a:spcAft>
-                <a:spcPts val="0"/>
-              </a:spcAft>
-              <a:buNone/>
-            </a:pPr>
-            <a:r>
-              <a:rPr lang="en-US" sz="2000" dirty="0"/>
-              <a:t>Final Thoughts</a:t>
-            </a:r>
-            <a:endParaRPr sz="2000" dirty="0"/>
-          </a:p>
-          <a:p>
-            <a:pPr marL="0" lvl="0" indent="0" algn="ctr" rtl="0">
-              <a:spcBef>
-                <a:spcPts val="0"/>
-              </a:spcBef>
-              <a:spcAft>
-                <a:spcPts val="0"/>
-              </a:spcAft>
-              <a:buNone/>
-            </a:pPr>
-            <a:r>
-              <a:rPr lang="en-US" sz="2000" dirty="0"/>
-              <a:t>3</a:t>
-            </a:r>
-            <a:r>
-              <a:rPr lang="en" sz="2000" dirty="0"/>
-              <a:t>:</a:t>
-            </a:r>
-            <a:r>
-              <a:rPr lang="en-US" sz="2000" dirty="0"/>
-              <a:t>00</a:t>
-            </a:r>
-            <a:r>
-              <a:rPr lang="en" sz="2000" dirty="0"/>
-              <a:t> - </a:t>
-            </a:r>
-            <a:r>
-              <a:rPr lang="en-US" sz="2000" dirty="0"/>
-              <a:t>4</a:t>
-            </a:r>
-            <a:r>
-              <a:rPr lang="en" sz="2000" dirty="0"/>
-              <a:t>:00</a:t>
-            </a:r>
-            <a:endParaRPr lang="en-US" sz="2000" dirty="0"/>
-          </a:p>
-          <a:p>
-            <a:pPr lvl="0" algn="ctr"/>
-            <a:r>
-              <a:rPr lang="en-US" sz="2000" dirty="0" err="1"/>
-              <a:t>Sophya</a:t>
-            </a:r>
-            <a:endParaRPr sz="2000" dirty="0"/>
-          </a:p>
-        </p:txBody>
-      </p:sp>
-      <p:pic>
-        <p:nvPicPr>
-          <p:cNvPr id="17" name="Google Shape;74;p14"/>
-          <p:cNvPicPr preferRelativeResize="0"/>
-          <p:nvPr/>
-        </p:nvPicPr>
-        <p:blipFill>
-          <a:blip r:embed="rId2">
-            <a:alphaModFix/>
-          </a:blip>
-          <a:stretch>
-            <a:fillRect/>
-          </a:stretch>
-        </p:blipFill>
-        <p:spPr>
-          <a:xfrm flipH="1">
-            <a:off x="3650311" y="1446189"/>
-            <a:ext cx="757538" cy="572700"/>
-          </a:xfrm>
-          <a:prstGeom prst="rect">
-            <a:avLst/>
-          </a:prstGeom>
-          <a:noFill/>
-          <a:ln>
-            <a:noFill/>
-          </a:ln>
-        </p:spPr>
-      </p:pic>
-      <p:pic>
-        <p:nvPicPr>
-          <p:cNvPr id="19" name="Google Shape;76;p14"/>
-          <p:cNvPicPr preferRelativeResize="0"/>
-          <p:nvPr/>
-        </p:nvPicPr>
-        <p:blipFill>
-          <a:blip r:embed="rId2">
-            <a:alphaModFix/>
-          </a:blip>
-          <a:stretch>
-            <a:fillRect/>
-          </a:stretch>
-        </p:blipFill>
-        <p:spPr>
-          <a:xfrm>
-            <a:off x="7516913" y="5304093"/>
-            <a:ext cx="757538" cy="572700"/>
-          </a:xfrm>
-          <a:prstGeom prst="rect">
-            <a:avLst/>
-          </a:prstGeom>
-          <a:noFill/>
-          <a:ln>
-            <a:noFill/>
-          </a:ln>
-        </p:spPr>
-      </p:pic>
-      <p:pic>
-        <p:nvPicPr>
-          <p:cNvPr id="20" name="Google Shape;77;p14"/>
-          <p:cNvPicPr preferRelativeResize="0"/>
-          <p:nvPr/>
-        </p:nvPicPr>
-        <p:blipFill>
-          <a:blip r:embed="rId2">
-            <a:alphaModFix/>
-          </a:blip>
-          <a:stretch>
-            <a:fillRect/>
-          </a:stretch>
-        </p:blipFill>
-        <p:spPr>
-          <a:xfrm flipH="1">
-            <a:off x="7568891" y="1409119"/>
-            <a:ext cx="757538" cy="572700"/>
-          </a:xfrm>
-          <a:prstGeom prst="rect">
-            <a:avLst/>
-          </a:prstGeom>
-          <a:noFill/>
-          <a:ln>
-            <a:noFill/>
-          </a:ln>
-        </p:spPr>
-      </p:pic>
-      <p:pic>
-        <p:nvPicPr>
-          <p:cNvPr id="21" name="Google Shape;78;p14"/>
-          <p:cNvPicPr preferRelativeResize="0"/>
-          <p:nvPr/>
-        </p:nvPicPr>
-        <p:blipFill>
-          <a:blip r:embed="rId2">
-            <a:alphaModFix/>
-          </a:blip>
-          <a:stretch>
-            <a:fillRect/>
-          </a:stretch>
-        </p:blipFill>
-        <p:spPr>
-          <a:xfrm rot="-5400000">
-            <a:off x="9635900" y="2526451"/>
-            <a:ext cx="757538" cy="572700"/>
-          </a:xfrm>
-          <a:prstGeom prst="rect">
-            <a:avLst/>
-          </a:prstGeom>
-          <a:noFill/>
-          <a:ln>
-            <a:noFill/>
-          </a:ln>
-        </p:spPr>
-      </p:pic>
-      <p:sp>
-        <p:nvSpPr>
-          <p:cNvPr id="4" name="Slide Number Placeholder 3">
-            <a:extLst>
-              <a:ext uri="{FF2B5EF4-FFF2-40B4-BE49-F238E27FC236}">
-                <a16:creationId xmlns:a16="http://schemas.microsoft.com/office/drawing/2014/main" id="{9EBF1FFB-A351-F543-B5DF-CEF4BB54B201}"/>
-              </a:ext>
-            </a:extLst>
-          </p:cNvPr>
-          <p:cNvSpPr>
-            <a:spLocks noGrp="1"/>
-          </p:cNvSpPr>
-          <p:nvPr>
-            <p:ph type="sldNum" sz="quarter" idx="12"/>
-          </p:nvPr>
-        </p:nvSpPr>
-        <p:spPr/>
-        <p:txBody>
-          <a:bodyPr/>
-          <a:lstStyle/>
-          <a:p>
-            <a:fld id="{A13833A1-46C9-FB45-812F-A8AC7B5136EB}" type="slidenum">
-              <a:rPr lang="en-US" smtClean="0"/>
-              <a:t>16</a:t>
-            </a:fld>
-            <a:endParaRPr lang="en-US"/>
-          </a:p>
-        </p:txBody>
-      </p:sp>
-      <p:pic>
-        <p:nvPicPr>
-          <p:cNvPr id="22" name="Google Shape;78;p14">
-            <a:extLst>
-              <a:ext uri="{FF2B5EF4-FFF2-40B4-BE49-F238E27FC236}">
-                <a16:creationId xmlns:a16="http://schemas.microsoft.com/office/drawing/2014/main" id="{20E20595-ACB5-E847-95EC-440A5B27F656}"/>
-              </a:ext>
-            </a:extLst>
-          </p:cNvPr>
-          <p:cNvPicPr preferRelativeResize="0"/>
-          <p:nvPr/>
-        </p:nvPicPr>
-        <p:blipFill>
-          <a:blip r:embed="rId2">
-            <a:alphaModFix/>
-          </a:blip>
-          <a:stretch>
-            <a:fillRect/>
-          </a:stretch>
-        </p:blipFill>
-        <p:spPr>
-          <a:xfrm rot="-5400000">
-            <a:off x="9695319" y="4247342"/>
-            <a:ext cx="757538" cy="572700"/>
-          </a:xfrm>
-          <a:prstGeom prst="rect">
-            <a:avLst/>
-          </a:prstGeom>
-          <a:noFill/>
-          <a:ln>
-            <a:noFill/>
-          </a:ln>
-        </p:spPr>
-      </p:pic>
-      <p:sp>
-        <p:nvSpPr>
-          <p:cNvPr id="23" name="Google Shape;71;p14">
-            <a:extLst>
-              <a:ext uri="{FF2B5EF4-FFF2-40B4-BE49-F238E27FC236}">
-                <a16:creationId xmlns:a16="http://schemas.microsoft.com/office/drawing/2014/main" id="{251624C0-9F07-274B-9C01-62FC25059DA9}"/>
-              </a:ext>
-            </a:extLst>
-          </p:cNvPr>
-          <p:cNvSpPr/>
-          <p:nvPr/>
-        </p:nvSpPr>
-        <p:spPr>
-          <a:xfrm>
-            <a:off x="8706197" y="4912461"/>
-            <a:ext cx="2735782" cy="1380159"/>
-          </a:xfrm>
-          <a:prstGeom prst="rect">
-            <a:avLst/>
-          </a:prstGeom>
-          <a:solidFill>
-            <a:srgbClr val="C9DAF8"/>
-          </a:solidFill>
-          <a:ln w="9525" cap="flat" cmpd="sng">
-            <a:solidFill>
-              <a:srgbClr val="FFFFFF"/>
-            </a:solidFill>
-            <a:prstDash val="solid"/>
-            <a:round/>
-            <a:headEnd type="none" w="sm" len="sm"/>
-            <a:tailEnd type="none" w="sm" len="sm"/>
-          </a:ln>
-        </p:spPr>
-        <p:txBody>
-          <a:bodyPr spcFirstLastPara="1" wrap="square" lIns="91425" tIns="91425" rIns="91425" bIns="91425" anchor="ctr" anchorCtr="0">
-            <a:noAutofit/>
-          </a:bodyPr>
-          <a:lstStyle/>
-          <a:p>
-            <a:pPr marL="0" lvl="0" indent="0" algn="ctr" rtl="0">
-              <a:spcBef>
-                <a:spcPts val="0"/>
-              </a:spcBef>
-              <a:spcAft>
-                <a:spcPts val="0"/>
-              </a:spcAft>
-              <a:buNone/>
-            </a:pPr>
-            <a:r>
-              <a:rPr lang="en-US" sz="2000" dirty="0"/>
-              <a:t>Deployment</a:t>
-            </a:r>
-          </a:p>
-          <a:p>
-            <a:pPr marL="0" lvl="0" indent="0" algn="ctr" rtl="0">
-              <a:spcBef>
-                <a:spcPts val="0"/>
-              </a:spcBef>
-              <a:spcAft>
-                <a:spcPts val="0"/>
-              </a:spcAft>
-              <a:buNone/>
-            </a:pPr>
-            <a:r>
-              <a:rPr lang="en-US" sz="2000" dirty="0"/>
-              <a:t>1</a:t>
-            </a:r>
-            <a:r>
-              <a:rPr lang="en" sz="2000" dirty="0"/>
-              <a:t>:</a:t>
-            </a:r>
-            <a:r>
-              <a:rPr lang="en-US" sz="2000" dirty="0"/>
-              <a:t>30</a:t>
-            </a:r>
-            <a:r>
-              <a:rPr lang="en" sz="2000" dirty="0"/>
-              <a:t> - </a:t>
-            </a:r>
-            <a:r>
-              <a:rPr lang="en-US" sz="2000" dirty="0"/>
-              <a:t>3</a:t>
-            </a:r>
-            <a:r>
-              <a:rPr lang="en" sz="2000" dirty="0"/>
-              <a:t>:</a:t>
-            </a:r>
-            <a:r>
-              <a:rPr lang="en-US" sz="2000" dirty="0"/>
-              <a:t>00</a:t>
-            </a:r>
-          </a:p>
-          <a:p>
-            <a:pPr marL="0" lvl="0" indent="0" algn="ctr" rtl="0">
-              <a:spcBef>
-                <a:spcPts val="0"/>
-              </a:spcBef>
-              <a:spcAft>
-                <a:spcPts val="0"/>
-              </a:spcAft>
-              <a:buNone/>
-            </a:pPr>
-            <a:r>
-              <a:rPr lang="en-US" sz="2000" dirty="0"/>
-              <a:t>Shivas and Rashmi</a:t>
-            </a:r>
-            <a:endParaRPr sz="2000" dirty="0"/>
-          </a:p>
-        </p:txBody>
-      </p:sp>
-      <p:sp>
-        <p:nvSpPr>
-          <p:cNvPr id="24" name="Google Shape;70;p14">
-            <a:extLst>
-              <a:ext uri="{FF2B5EF4-FFF2-40B4-BE49-F238E27FC236}">
-                <a16:creationId xmlns:a16="http://schemas.microsoft.com/office/drawing/2014/main" id="{E4433389-D2BC-4045-8ABC-A4D7591E5110}"/>
-              </a:ext>
-            </a:extLst>
-          </p:cNvPr>
-          <p:cNvSpPr/>
-          <p:nvPr/>
-        </p:nvSpPr>
-        <p:spPr>
-          <a:xfrm>
-            <a:off x="4554679" y="1014674"/>
-            <a:ext cx="2839048" cy="1361589"/>
-          </a:xfrm>
-          <a:prstGeom prst="rect">
-            <a:avLst/>
-          </a:prstGeom>
-          <a:solidFill>
-            <a:srgbClr val="D9D2E9"/>
-          </a:solidFill>
-          <a:ln w="9525" cap="flat" cmpd="sng">
-            <a:solidFill>
-              <a:srgbClr val="FFFFFF"/>
-            </a:solidFill>
-            <a:prstDash val="solid"/>
-            <a:round/>
-            <a:headEnd type="none" w="sm" len="sm"/>
-            <a:tailEnd type="none" w="sm" len="sm"/>
-          </a:ln>
-        </p:spPr>
-        <p:txBody>
-          <a:bodyPr spcFirstLastPara="1" wrap="square" lIns="91425" tIns="91425" rIns="91425" bIns="91425" anchor="ctr" anchorCtr="0">
-            <a:noAutofit/>
-          </a:bodyPr>
-          <a:lstStyle/>
-          <a:p>
-            <a:pPr lvl="0" algn="ctr"/>
-            <a:r>
-              <a:rPr lang="en-US" sz="2000" dirty="0"/>
-              <a:t>Intro to Kubernetes</a:t>
-            </a:r>
-          </a:p>
-          <a:p>
-            <a:pPr lvl="0" algn="ctr"/>
-            <a:r>
-              <a:rPr lang="en-US" sz="2000" dirty="0"/>
-              <a:t>11:30 - 12:00</a:t>
-            </a:r>
-          </a:p>
-          <a:p>
-            <a:pPr lvl="0" algn="ctr"/>
-            <a:r>
-              <a:rPr lang="en-US" sz="2000" dirty="0" err="1"/>
-              <a:t>Pavlos</a:t>
-            </a:r>
-            <a:endParaRPr lang="en-US" sz="2000" dirty="0"/>
-          </a:p>
-        </p:txBody>
-      </p:sp>
-    </p:spTree>
-    <p:extLst>
-      <p:ext uri="{BB962C8B-B14F-4D97-AF65-F5344CB8AC3E}">
-        <p14:creationId xmlns:p14="http://schemas.microsoft.com/office/powerpoint/2010/main" val="2959793463"/>
       </p:ext>
     </p:extLst>
   </p:cSld>
@@ -11736,6 +11649,1797 @@
     <p:extLst>
       <p:ext uri="{BB962C8B-B14F-4D97-AF65-F5344CB8AC3E}">
         <p14:creationId xmlns:p14="http://schemas.microsoft.com/office/powerpoint/2010/main" val="720024407"/>
+      </p:ext>
+    </p:extLst>
+  </p:cSld>
+  <p:clrMapOvr>
+    <a:masterClrMapping/>
+  </p:clrMapOvr>
+</p:sld>
+</file>
+
+<file path=ppt/slides/slide20.xml><?xml version="1.0" encoding="utf-8"?>
+<p:sld xmlns:a="http://schemas.openxmlformats.org/drawingml/2006/main" xmlns:r="http://schemas.openxmlformats.org/officeDocument/2006/relationships" xmlns:p="http://schemas.openxmlformats.org/presentationml/2006/main">
+  <p:cSld>
+    <p:spTree>
+      <p:nvGrpSpPr>
+        <p:cNvPr id="1" name=""/>
+        <p:cNvGrpSpPr/>
+        <p:nvPr/>
+      </p:nvGrpSpPr>
+      <p:grpSpPr>
+        <a:xfrm>
+          <a:off x="0" y="0"/>
+          <a:ext cx="0" cy="0"/>
+          <a:chOff x="0" y="0"/>
+          <a:chExt cx="0" cy="0"/>
+        </a:xfrm>
+      </p:grpSpPr>
+      <p:sp>
+        <p:nvSpPr>
+          <p:cNvPr id="3" name="Text Placeholder 2">
+            <a:extLst>
+              <a:ext uri="{FF2B5EF4-FFF2-40B4-BE49-F238E27FC236}">
+                <a16:creationId xmlns:a16="http://schemas.microsoft.com/office/drawing/2014/main" id="{C7652C82-BE66-4418-8AD5-980274E47728}"/>
+              </a:ext>
+            </a:extLst>
+          </p:cNvPr>
+          <p:cNvSpPr>
+            <a:spLocks noGrp="1"/>
+          </p:cNvSpPr>
+          <p:nvPr>
+            <p:ph type="body" sz="quarter" idx="13"/>
+          </p:nvPr>
+        </p:nvSpPr>
+        <p:spPr>
+          <a:xfrm>
+            <a:off x="1162050" y="315280"/>
+            <a:ext cx="10039350" cy="647700"/>
+          </a:xfrm>
+        </p:spPr>
+        <p:txBody>
+          <a:bodyPr>
+            <a:noAutofit/>
+          </a:bodyPr>
+          <a:lstStyle/>
+          <a:p>
+            <a:pPr>
+              <a:spcAft>
+                <a:spcPts val="1800"/>
+              </a:spcAft>
+            </a:pPr>
+            <a:r>
+              <a:rPr lang="en-US" sz="4000" b="1" dirty="0"/>
+              <a:t>Common </a:t>
+            </a:r>
+            <a:r>
+              <a:rPr lang="en-US" sz="4000" b="1" dirty="0" err="1"/>
+              <a:t>kubectl</a:t>
+            </a:r>
+            <a:r>
+              <a:rPr lang="en-US" sz="4000" b="1" dirty="0"/>
+              <a:t> Commands</a:t>
+            </a:r>
+            <a:endParaRPr lang="en-US" sz="3800" b="1" dirty="0"/>
+          </a:p>
+        </p:txBody>
+      </p:sp>
+      <p:sp>
+        <p:nvSpPr>
+          <p:cNvPr id="7" name="Rectangle 6">
+            <a:extLst>
+              <a:ext uri="{FF2B5EF4-FFF2-40B4-BE49-F238E27FC236}">
+                <a16:creationId xmlns:a16="http://schemas.microsoft.com/office/drawing/2014/main" id="{AB8233D0-0895-4FB1-AB54-08D2E9F5AEA0}"/>
+              </a:ext>
+            </a:extLst>
+          </p:cNvPr>
+          <p:cNvSpPr/>
+          <p:nvPr/>
+        </p:nvSpPr>
+        <p:spPr>
+          <a:xfrm>
+            <a:off x="630195" y="1197758"/>
+            <a:ext cx="10972800" cy="4893647"/>
+          </a:xfrm>
+          <a:prstGeom prst="rect">
+            <a:avLst/>
+          </a:prstGeom>
+        </p:spPr>
+        <p:txBody>
+          <a:bodyPr wrap="square">
+            <a:spAutoFit/>
+          </a:bodyPr>
+          <a:lstStyle/>
+          <a:p>
+            <a:pPr marL="342900" indent="-342900">
+              <a:buFont typeface="Arial" panose="020B0604020202020204" pitchFamily="34" charset="0"/>
+              <a:buChar char="•"/>
+            </a:pPr>
+            <a:r>
+              <a:rPr lang="en-US" sz="2400" dirty="0">
+                <a:latin typeface="Karla" pitchFamily="2" charset="0"/>
+              </a:rPr>
+              <a:t>Useful commands to complete </a:t>
+            </a:r>
+            <a:r>
+              <a:rPr lang="en-US" sz="2400">
+                <a:latin typeface="Karla" pitchFamily="2" charset="0"/>
+              </a:rPr>
+              <a:t>the exercise:</a:t>
+            </a:r>
+            <a:endParaRPr lang="en-US" sz="2400" dirty="0">
+              <a:latin typeface="Karla" pitchFamily="2" charset="0"/>
+            </a:endParaRPr>
+          </a:p>
+          <a:p>
+            <a:pPr lvl="1"/>
+            <a:r>
+              <a:rPr lang="en-US" sz="2400" dirty="0">
+                <a:latin typeface="Courier New" panose="02070309020205020404" pitchFamily="49" charset="0"/>
+                <a:cs typeface="Courier New" panose="02070309020205020404" pitchFamily="49" charset="0"/>
+              </a:rPr>
+              <a:t>$ </a:t>
+            </a:r>
+            <a:r>
+              <a:rPr lang="en-US" sz="2400" dirty="0" err="1">
+                <a:latin typeface="Courier New" panose="02070309020205020404" pitchFamily="49" charset="0"/>
+                <a:cs typeface="Courier New" panose="02070309020205020404" pitchFamily="49" charset="0"/>
+              </a:rPr>
+              <a:t>kubectl</a:t>
+            </a:r>
+            <a:r>
+              <a:rPr lang="en-US" sz="2400" dirty="0">
+                <a:latin typeface="Courier New" panose="02070309020205020404" pitchFamily="49" charset="0"/>
+                <a:cs typeface="Courier New" panose="02070309020205020404" pitchFamily="49" charset="0"/>
+              </a:rPr>
+              <a:t> create -f app-</a:t>
+            </a:r>
+            <a:r>
+              <a:rPr lang="en-US" sz="2400" dirty="0" err="1">
+                <a:latin typeface="Courier New" panose="02070309020205020404" pitchFamily="49" charset="0"/>
+                <a:cs typeface="Courier New" panose="02070309020205020404" pitchFamily="49" charset="0"/>
+              </a:rPr>
+              <a:t>db</a:t>
+            </a:r>
+            <a:r>
+              <a:rPr lang="en-US" sz="2400" dirty="0">
+                <a:latin typeface="Courier New" panose="02070309020205020404" pitchFamily="49" charset="0"/>
+                <a:cs typeface="Courier New" panose="02070309020205020404" pitchFamily="49" charset="0"/>
+              </a:rPr>
+              <a:t>-</a:t>
+            </a:r>
+            <a:r>
+              <a:rPr lang="en-US" sz="2400" dirty="0" err="1">
+                <a:latin typeface="Courier New" panose="02070309020205020404" pitchFamily="49" charset="0"/>
+                <a:cs typeface="Courier New" panose="02070309020205020404" pitchFamily="49" charset="0"/>
+              </a:rPr>
+              <a:t>deploymnet.yaml</a:t>
+            </a:r>
+            <a:endParaRPr lang="en-US" sz="2400" dirty="0">
+              <a:latin typeface="Courier New" panose="02070309020205020404" pitchFamily="49" charset="0"/>
+              <a:cs typeface="Courier New" panose="02070309020205020404" pitchFamily="49" charset="0"/>
+            </a:endParaRPr>
+          </a:p>
+          <a:p>
+            <a:pPr lvl="1"/>
+            <a:r>
+              <a:rPr lang="en-US" sz="2400" dirty="0">
+                <a:latin typeface="Courier New" panose="02070309020205020404" pitchFamily="49" charset="0"/>
+                <a:cs typeface="Courier New" panose="02070309020205020404" pitchFamily="49" charset="0"/>
+              </a:rPr>
+              <a:t>$ </a:t>
+            </a:r>
+            <a:r>
+              <a:rPr lang="en-US" sz="2400" dirty="0" err="1">
+                <a:latin typeface="Courier New" panose="02070309020205020404" pitchFamily="49" charset="0"/>
+                <a:cs typeface="Courier New" panose="02070309020205020404" pitchFamily="49" charset="0"/>
+              </a:rPr>
+              <a:t>kubectl</a:t>
+            </a:r>
+            <a:r>
+              <a:rPr lang="en-US" sz="2400" dirty="0">
+                <a:latin typeface="Courier New" panose="02070309020205020404" pitchFamily="49" charset="0"/>
+                <a:cs typeface="Courier New" panose="02070309020205020404" pitchFamily="49" charset="0"/>
+              </a:rPr>
+              <a:t> get deployment</a:t>
+            </a:r>
+          </a:p>
+          <a:p>
+            <a:pPr lvl="1"/>
+            <a:r>
+              <a:rPr lang="en-US" sz="2400" dirty="0">
+                <a:latin typeface="Courier New" panose="02070309020205020404" pitchFamily="49" charset="0"/>
+                <a:cs typeface="Courier New" panose="02070309020205020404" pitchFamily="49" charset="0"/>
+              </a:rPr>
+              <a:t>$ </a:t>
+            </a:r>
+            <a:r>
+              <a:rPr lang="en-US" sz="2400" dirty="0" err="1">
+                <a:latin typeface="Courier New" panose="02070309020205020404" pitchFamily="49" charset="0"/>
+                <a:cs typeface="Courier New" panose="02070309020205020404" pitchFamily="49" charset="0"/>
+              </a:rPr>
+              <a:t>kubectl</a:t>
+            </a:r>
+            <a:r>
+              <a:rPr lang="en-US" sz="2400" dirty="0">
+                <a:latin typeface="Courier New" panose="02070309020205020404" pitchFamily="49" charset="0"/>
+                <a:cs typeface="Courier New" panose="02070309020205020404" pitchFamily="49" charset="0"/>
+              </a:rPr>
+              <a:t> get pods</a:t>
+            </a:r>
+          </a:p>
+          <a:p>
+            <a:pPr lvl="1"/>
+            <a:r>
+              <a:rPr lang="en-US" sz="2400" dirty="0">
+                <a:latin typeface="Courier New" panose="02070309020205020404" pitchFamily="49" charset="0"/>
+                <a:cs typeface="Courier New" panose="02070309020205020404" pitchFamily="49" charset="0"/>
+              </a:rPr>
+              <a:t>$ </a:t>
+            </a:r>
+            <a:r>
+              <a:rPr lang="en-US" sz="2400" dirty="0" err="1">
+                <a:latin typeface="Courier New" panose="02070309020205020404" pitchFamily="49" charset="0"/>
+                <a:cs typeface="Courier New" panose="02070309020205020404" pitchFamily="49" charset="0"/>
+              </a:rPr>
+              <a:t>kubectl</a:t>
+            </a:r>
+            <a:r>
+              <a:rPr lang="en-US" sz="2400" dirty="0">
+                <a:latin typeface="Courier New" panose="02070309020205020404" pitchFamily="49" charset="0"/>
+                <a:cs typeface="Courier New" panose="02070309020205020404" pitchFamily="49" charset="0"/>
+              </a:rPr>
+              <a:t> get pods /</a:t>
+            </a:r>
+          </a:p>
+          <a:p>
+            <a:pPr lvl="1"/>
+            <a:r>
+              <a:rPr lang="en-US" sz="2400" dirty="0">
+                <a:latin typeface="Courier New" panose="02070309020205020404" pitchFamily="49" charset="0"/>
+                <a:cs typeface="Courier New" panose="02070309020205020404" pitchFamily="49" charset="0"/>
+              </a:rPr>
+              <a:t>  -o=custom-columns=NAME:.metadata.name,IP:.</a:t>
+            </a:r>
+            <a:r>
+              <a:rPr lang="en-US" sz="2400" dirty="0" err="1">
+                <a:latin typeface="Courier New" panose="02070309020205020404" pitchFamily="49" charset="0"/>
+                <a:cs typeface="Courier New" panose="02070309020205020404" pitchFamily="49" charset="0"/>
+              </a:rPr>
+              <a:t>status.podIP</a:t>
+            </a:r>
+            <a:endParaRPr lang="en-US" sz="2400" dirty="0">
+              <a:latin typeface="Courier New" panose="02070309020205020404" pitchFamily="49" charset="0"/>
+              <a:cs typeface="Courier New" panose="02070309020205020404" pitchFamily="49" charset="0"/>
+            </a:endParaRPr>
+          </a:p>
+          <a:p>
+            <a:pPr lvl="1"/>
+            <a:r>
+              <a:rPr lang="en-US" sz="2400" dirty="0">
+                <a:latin typeface="Courier New" panose="02070309020205020404" pitchFamily="49" charset="0"/>
+                <a:cs typeface="Courier New" panose="02070309020205020404" pitchFamily="49" charset="0"/>
+              </a:rPr>
+              <a:t>$ </a:t>
+            </a:r>
+            <a:r>
+              <a:rPr lang="en-US" sz="2400" dirty="0" err="1">
+                <a:latin typeface="Courier New" panose="02070309020205020404" pitchFamily="49" charset="0"/>
+                <a:cs typeface="Courier New" panose="02070309020205020404" pitchFamily="49" charset="0"/>
+              </a:rPr>
+              <a:t>kubectl</a:t>
+            </a:r>
+            <a:r>
+              <a:rPr lang="en-US" sz="2400" dirty="0">
+                <a:latin typeface="Courier New" panose="02070309020205020404" pitchFamily="49" charset="0"/>
+                <a:cs typeface="Courier New" panose="02070309020205020404" pitchFamily="49" charset="0"/>
+              </a:rPr>
+              <a:t> create -f app-server-</a:t>
+            </a:r>
+            <a:r>
+              <a:rPr lang="en-US" sz="2400" dirty="0" err="1">
+                <a:latin typeface="Courier New" panose="02070309020205020404" pitchFamily="49" charset="0"/>
+                <a:cs typeface="Courier New" panose="02070309020205020404" pitchFamily="49" charset="0"/>
+              </a:rPr>
+              <a:t>deploymnet.yaml</a:t>
+            </a:r>
+            <a:endParaRPr lang="en-US" sz="2400" dirty="0">
+              <a:latin typeface="Courier New" panose="02070309020205020404" pitchFamily="49" charset="0"/>
+              <a:cs typeface="Courier New" panose="02070309020205020404" pitchFamily="49" charset="0"/>
+            </a:endParaRPr>
+          </a:p>
+          <a:p>
+            <a:pPr lvl="1"/>
+            <a:r>
+              <a:rPr lang="en-US" sz="2400" dirty="0">
+                <a:latin typeface="Courier New" panose="02070309020205020404" pitchFamily="49" charset="0"/>
+                <a:cs typeface="Courier New" panose="02070309020205020404" pitchFamily="49" charset="0"/>
+              </a:rPr>
+              <a:t>$ </a:t>
+            </a:r>
+            <a:r>
+              <a:rPr lang="en-US" altLang="en-US" sz="2400" dirty="0" err="1">
+                <a:latin typeface="Courier New" panose="02070309020205020404" pitchFamily="49" charset="0"/>
+                <a:cs typeface="Courier New" panose="02070309020205020404" pitchFamily="49" charset="0"/>
+              </a:rPr>
+              <a:t>kubectl</a:t>
+            </a:r>
+            <a:r>
+              <a:rPr lang="en-US" altLang="en-US" sz="2400" dirty="0">
+                <a:latin typeface="Courier New" panose="02070309020205020404" pitchFamily="49" charset="0"/>
+                <a:cs typeface="Courier New" panose="02070309020205020404" pitchFamily="49" charset="0"/>
+              </a:rPr>
+              <a:t> expose deployment / </a:t>
+            </a:r>
+          </a:p>
+          <a:p>
+            <a:pPr lvl="1"/>
+            <a:r>
+              <a:rPr lang="en-US" altLang="en-US" sz="2400" dirty="0">
+                <a:latin typeface="Courier New" panose="02070309020205020404" pitchFamily="49" charset="0"/>
+                <a:cs typeface="Courier New" panose="02070309020205020404" pitchFamily="49" charset="0"/>
+              </a:rPr>
+              <a:t>app-deployment --type=</a:t>
+            </a:r>
+            <a:r>
+              <a:rPr lang="en-US" altLang="en-US" sz="2400" dirty="0" err="1">
+                <a:latin typeface="Courier New" panose="02070309020205020404" pitchFamily="49" charset="0"/>
+                <a:cs typeface="Courier New" panose="02070309020205020404" pitchFamily="49" charset="0"/>
+              </a:rPr>
+              <a:t>LoadBalancer</a:t>
+            </a:r>
+            <a:r>
+              <a:rPr lang="en-US" altLang="en-US" sz="2400" dirty="0">
+                <a:latin typeface="Courier New" panose="02070309020205020404" pitchFamily="49" charset="0"/>
+                <a:cs typeface="Courier New" panose="02070309020205020404" pitchFamily="49" charset="0"/>
+              </a:rPr>
+              <a:t> --port=8080</a:t>
+            </a:r>
+          </a:p>
+          <a:p>
+            <a:pPr lvl="1"/>
+            <a:r>
+              <a:rPr lang="en-US" sz="2400" dirty="0">
+                <a:latin typeface="Courier New" panose="02070309020205020404" pitchFamily="49" charset="0"/>
+                <a:cs typeface="Courier New" panose="02070309020205020404" pitchFamily="49" charset="0"/>
+              </a:rPr>
+              <a:t>$ </a:t>
+            </a:r>
+            <a:r>
+              <a:rPr lang="en-US" altLang="en-US" sz="2400" dirty="0" err="1">
+                <a:latin typeface="Courier New" panose="02070309020205020404" pitchFamily="49" charset="0"/>
+                <a:cs typeface="Courier New" panose="02070309020205020404" pitchFamily="49" charset="0"/>
+              </a:rPr>
+              <a:t>kubectl</a:t>
+            </a:r>
+            <a:r>
+              <a:rPr lang="en-US" altLang="en-US" sz="2400" dirty="0">
+                <a:latin typeface="Courier New" panose="02070309020205020404" pitchFamily="49" charset="0"/>
+                <a:cs typeface="Courier New" panose="02070309020205020404" pitchFamily="49" charset="0"/>
+              </a:rPr>
+              <a:t> get services</a:t>
+            </a:r>
+          </a:p>
+          <a:p>
+            <a:pPr lvl="1" fontAlgn="base">
+              <a:spcBef>
+                <a:spcPct val="0"/>
+              </a:spcBef>
+              <a:spcAft>
+                <a:spcPct val="0"/>
+              </a:spcAft>
+            </a:pPr>
+            <a:r>
+              <a:rPr lang="en-US" sz="2400" dirty="0">
+                <a:latin typeface="Courier New" panose="02070309020205020404" pitchFamily="49" charset="0"/>
+                <a:cs typeface="Courier New" panose="02070309020205020404" pitchFamily="49" charset="0"/>
+              </a:rPr>
+              <a:t>$ </a:t>
+            </a:r>
+            <a:r>
+              <a:rPr lang="en-US" altLang="en-US" sz="2400" dirty="0" err="1">
+                <a:latin typeface="Courier New" panose="02070309020205020404" pitchFamily="49" charset="0"/>
+                <a:cs typeface="Courier New" panose="02070309020205020404" pitchFamily="49" charset="0"/>
+              </a:rPr>
+              <a:t>kubectl</a:t>
+            </a:r>
+            <a:r>
+              <a:rPr lang="en-US" altLang="en-US" sz="2400" dirty="0">
+                <a:latin typeface="Courier New" panose="02070309020205020404" pitchFamily="49" charset="0"/>
+                <a:cs typeface="Courier New" panose="02070309020205020404" pitchFamily="49" charset="0"/>
+              </a:rPr>
+              <a:t> delete service app-deployment</a:t>
+            </a:r>
+          </a:p>
+          <a:p>
+            <a:pPr lvl="1" fontAlgn="base">
+              <a:spcBef>
+                <a:spcPct val="0"/>
+              </a:spcBef>
+              <a:spcAft>
+                <a:spcPct val="0"/>
+              </a:spcAft>
+            </a:pPr>
+            <a:r>
+              <a:rPr lang="en-US" sz="2400" dirty="0">
+                <a:latin typeface="Courier New" panose="02070309020205020404" pitchFamily="49" charset="0"/>
+                <a:cs typeface="Courier New" panose="02070309020205020404" pitchFamily="49" charset="0"/>
+              </a:rPr>
+              <a:t>$ </a:t>
+            </a:r>
+            <a:r>
+              <a:rPr lang="en-US" altLang="en-US" sz="2400" dirty="0" err="1">
+                <a:latin typeface="Courier New" panose="02070309020205020404" pitchFamily="49" charset="0"/>
+                <a:cs typeface="Courier New" panose="02070309020205020404" pitchFamily="49" charset="0"/>
+              </a:rPr>
+              <a:t>kubectl</a:t>
+            </a:r>
+            <a:r>
+              <a:rPr lang="en-US" altLang="en-US" sz="2400" dirty="0">
+                <a:latin typeface="Courier New" panose="02070309020205020404" pitchFamily="49" charset="0"/>
+                <a:cs typeface="Courier New" panose="02070309020205020404" pitchFamily="49" charset="0"/>
+              </a:rPr>
+              <a:t> delete deployment app-server-deployment</a:t>
+            </a:r>
+          </a:p>
+          <a:p>
+            <a:pPr lvl="1" fontAlgn="base">
+              <a:spcBef>
+                <a:spcPct val="0"/>
+              </a:spcBef>
+              <a:spcAft>
+                <a:spcPct val="0"/>
+              </a:spcAft>
+            </a:pPr>
+            <a:r>
+              <a:rPr lang="en-US" sz="2400" dirty="0">
+                <a:latin typeface="Courier New" panose="02070309020205020404" pitchFamily="49" charset="0"/>
+                <a:cs typeface="Courier New" panose="02070309020205020404" pitchFamily="49" charset="0"/>
+              </a:rPr>
+              <a:t>$ </a:t>
+            </a:r>
+            <a:r>
+              <a:rPr lang="en-US" altLang="en-US" sz="2400" dirty="0" err="1">
+                <a:latin typeface="Courier New" panose="02070309020205020404" pitchFamily="49" charset="0"/>
+                <a:cs typeface="Courier New" panose="02070309020205020404" pitchFamily="49" charset="0"/>
+              </a:rPr>
+              <a:t>kubectl</a:t>
+            </a:r>
+            <a:r>
+              <a:rPr lang="en-US" altLang="en-US" sz="2400" dirty="0">
+                <a:latin typeface="Courier New" panose="02070309020205020404" pitchFamily="49" charset="0"/>
+                <a:cs typeface="Courier New" panose="02070309020205020404" pitchFamily="49" charset="0"/>
+              </a:rPr>
+              <a:t> delete deployment app-</a:t>
+            </a:r>
+            <a:r>
+              <a:rPr lang="en-US" altLang="en-US" sz="2400" dirty="0" err="1">
+                <a:latin typeface="Courier New" panose="02070309020205020404" pitchFamily="49" charset="0"/>
+                <a:cs typeface="Courier New" panose="02070309020205020404" pitchFamily="49" charset="0"/>
+              </a:rPr>
+              <a:t>db</a:t>
+            </a:r>
+            <a:r>
+              <a:rPr lang="en-US" altLang="en-US" sz="2400" dirty="0">
+                <a:latin typeface="Courier New" panose="02070309020205020404" pitchFamily="49" charset="0"/>
+                <a:cs typeface="Courier New" panose="02070309020205020404" pitchFamily="49" charset="0"/>
+              </a:rPr>
+              <a:t>-deployment</a:t>
+            </a:r>
+            <a:endParaRPr lang="en-US" sz="2400" dirty="0">
+              <a:latin typeface="Karla" pitchFamily="2" charset="0"/>
+            </a:endParaRPr>
+          </a:p>
+        </p:txBody>
+      </p:sp>
+      <p:sp>
+        <p:nvSpPr>
+          <p:cNvPr id="10" name="Rectangle 7">
+            <a:extLst>
+              <a:ext uri="{FF2B5EF4-FFF2-40B4-BE49-F238E27FC236}">
+                <a16:creationId xmlns:a16="http://schemas.microsoft.com/office/drawing/2014/main" id="{E5F614C9-580D-4226-949F-552B2668982F}"/>
+              </a:ext>
+            </a:extLst>
+          </p:cNvPr>
+          <p:cNvSpPr>
+            <a:spLocks noChangeArrowheads="1"/>
+          </p:cNvSpPr>
+          <p:nvPr/>
+        </p:nvSpPr>
+        <p:spPr bwMode="auto">
+          <a:xfrm>
+            <a:off x="0" y="-184666"/>
+            <a:ext cx="184731" cy="369332"/>
+          </a:xfrm>
+          <a:prstGeom prst="rect">
+            <a:avLst/>
+          </a:prstGeom>
+          <a:solidFill>
+            <a:srgbClr val="FFFFFF"/>
+          </a:solidFill>
+          <a:ln>
+            <a:noFill/>
+          </a:ln>
+          <a:effectLst/>
+          <a:extLst>
+            <a:ext uri="{91240B29-F687-4F45-9708-019B960494DF}">
+              <a14:hiddenLine xmlns:a14="http://schemas.microsoft.com/office/drawing/2010/main" w="9525">
+                <a:solidFill>
+                  <a:schemeClr val="tx1"/>
+                </a:solidFill>
+                <a:miter lim="800000"/>
+                <a:headEnd/>
+                <a:tailEnd/>
+              </a14:hiddenLine>
+            </a:ext>
+            <a:ext uri="{AF507438-7753-43E0-B8FC-AC1667EBCBE1}">
+              <a14:hiddenEffects xmlns:a14="http://schemas.microsoft.com/office/drawing/2010/main">
+                <a:effectLst>
+                  <a:outerShdw dist="35921" dir="2700000" algn="ctr" rotWithShape="0">
+                    <a:schemeClr val="bg2"/>
+                  </a:outerShdw>
+                </a:effectLst>
+              </a14:hiddenEffects>
+            </a:ext>
+          </a:extLst>
+        </p:spPr>
+        <p:txBody>
+          <a:bodyPr vert="horz" wrap="none" lIns="91440" tIns="45720" rIns="91440" bIns="45720" numCol="1" anchor="ctr" anchorCtr="0" compatLnSpc="1">
+            <a:prstTxWarp prst="textNoShape">
+              <a:avLst/>
+            </a:prstTxWarp>
+            <a:spAutoFit/>
+          </a:bodyPr>
+          <a:lstStyle/>
+          <a:p>
+            <a:pPr marL="0" marR="0" lvl="0" indent="0" algn="l" defTabSz="914400" rtl="0" eaLnBrk="0" fontAlgn="base" latinLnBrk="0" hangingPunct="0">
+              <a:lnSpc>
+                <a:spcPct val="100000"/>
+              </a:lnSpc>
+              <a:spcBef>
+                <a:spcPct val="0"/>
+              </a:spcBef>
+              <a:spcAft>
+                <a:spcPct val="0"/>
+              </a:spcAft>
+              <a:buClrTx/>
+              <a:buSzTx/>
+              <a:buFontTx/>
+              <a:buNone/>
+              <a:tabLst/>
+            </a:pPr>
+            <a:endParaRPr kumimoji="0" lang="en-US" altLang="en-US" sz="1800" b="0" i="0" u="none" strike="noStrike" cap="none" normalizeH="0" baseline="0" dirty="0">
+              <a:ln>
+                <a:noFill/>
+              </a:ln>
+              <a:solidFill>
+                <a:schemeClr val="tx1"/>
+              </a:solidFill>
+              <a:effectLst/>
+              <a:latin typeface="Arial" panose="020B0604020202020204" pitchFamily="34" charset="0"/>
+            </a:endParaRPr>
+          </a:p>
+        </p:txBody>
+      </p:sp>
+      <p:sp>
+        <p:nvSpPr>
+          <p:cNvPr id="11" name="Rectangle 8">
+            <a:extLst>
+              <a:ext uri="{FF2B5EF4-FFF2-40B4-BE49-F238E27FC236}">
+                <a16:creationId xmlns:a16="http://schemas.microsoft.com/office/drawing/2014/main" id="{27FEA53C-50CF-4743-A2EC-978205D7ACEA}"/>
+              </a:ext>
+            </a:extLst>
+          </p:cNvPr>
+          <p:cNvSpPr>
+            <a:spLocks noChangeArrowheads="1"/>
+          </p:cNvSpPr>
+          <p:nvPr/>
+        </p:nvSpPr>
+        <p:spPr bwMode="auto">
+          <a:xfrm>
+            <a:off x="0" y="-138499"/>
+            <a:ext cx="184731" cy="276999"/>
+          </a:xfrm>
+          <a:prstGeom prst="rect">
+            <a:avLst/>
+          </a:prstGeom>
+          <a:solidFill>
+            <a:srgbClr val="FFFFFF"/>
+          </a:solidFill>
+          <a:ln>
+            <a:noFill/>
+          </a:ln>
+          <a:effectLst/>
+          <a:extLst>
+            <a:ext uri="{91240B29-F687-4F45-9708-019B960494DF}">
+              <a14:hiddenLine xmlns:a14="http://schemas.microsoft.com/office/drawing/2010/main" w="9525">
+                <a:solidFill>
+                  <a:schemeClr val="tx1"/>
+                </a:solidFill>
+                <a:miter lim="800000"/>
+                <a:headEnd/>
+                <a:tailEnd/>
+              </a14:hiddenLine>
+            </a:ext>
+            <a:ext uri="{AF507438-7753-43E0-B8FC-AC1667EBCBE1}">
+              <a14:hiddenEffects xmlns:a14="http://schemas.microsoft.com/office/drawing/2010/main">
+                <a:effectLst>
+                  <a:outerShdw dist="35921" dir="2700000" algn="ctr" rotWithShape="0">
+                    <a:schemeClr val="bg2"/>
+                  </a:outerShdw>
+                </a:effectLst>
+              </a14:hiddenEffects>
+            </a:ext>
+          </a:extLst>
+        </p:spPr>
+        <p:txBody>
+          <a:bodyPr vert="horz" wrap="none" lIns="91440" tIns="0" rIns="91440" bIns="0" numCol="1" anchor="ctr" anchorCtr="0" compatLnSpc="1">
+            <a:prstTxWarp prst="textNoShape">
+              <a:avLst/>
+            </a:prstTxWarp>
+            <a:spAutoFit/>
+          </a:bodyPr>
+          <a:lstStyle/>
+          <a:p>
+            <a:pPr marL="0" marR="0" lvl="0" indent="0" algn="l" defTabSz="914400" rtl="0" eaLnBrk="0" fontAlgn="base" latinLnBrk="0" hangingPunct="0">
+              <a:lnSpc>
+                <a:spcPct val="100000"/>
+              </a:lnSpc>
+              <a:spcBef>
+                <a:spcPct val="0"/>
+              </a:spcBef>
+              <a:spcAft>
+                <a:spcPct val="0"/>
+              </a:spcAft>
+              <a:buClrTx/>
+              <a:buSzTx/>
+              <a:buFontTx/>
+              <a:buNone/>
+              <a:tabLst/>
+            </a:pPr>
+            <a:endParaRPr kumimoji="0" lang="en-US" altLang="en-US" sz="1800" b="0" i="0" u="none" strike="noStrike" cap="none" normalizeH="0" baseline="0" dirty="0">
+              <a:ln>
+                <a:noFill/>
+              </a:ln>
+              <a:solidFill>
+                <a:schemeClr val="tx1"/>
+              </a:solidFill>
+              <a:effectLst/>
+              <a:latin typeface="Arial" panose="020B0604020202020204" pitchFamily="34" charset="0"/>
+            </a:endParaRPr>
+          </a:p>
+        </p:txBody>
+      </p:sp>
+    </p:spTree>
+    <p:extLst>
+      <p:ext uri="{BB962C8B-B14F-4D97-AF65-F5344CB8AC3E}">
+        <p14:creationId xmlns:p14="http://schemas.microsoft.com/office/powerpoint/2010/main" val="3744582512"/>
+      </p:ext>
+    </p:extLst>
+  </p:cSld>
+  <p:clrMapOvr>
+    <a:masterClrMapping/>
+  </p:clrMapOvr>
+</p:sld>
+</file>
+
+<file path=ppt/slides/slide21.xml><?xml version="1.0" encoding="utf-8"?>
+<p:sld xmlns:a="http://schemas.openxmlformats.org/drawingml/2006/main" xmlns:r="http://schemas.openxmlformats.org/officeDocument/2006/relationships" xmlns:p="http://schemas.openxmlformats.org/presentationml/2006/main">
+  <p:cSld>
+    <p:spTree>
+      <p:nvGrpSpPr>
+        <p:cNvPr id="1" name=""/>
+        <p:cNvGrpSpPr/>
+        <p:nvPr/>
+      </p:nvGrpSpPr>
+      <p:grpSpPr>
+        <a:xfrm>
+          <a:off x="0" y="0"/>
+          <a:ext cx="0" cy="0"/>
+          <a:chOff x="0" y="0"/>
+          <a:chExt cx="0" cy="0"/>
+        </a:xfrm>
+      </p:grpSpPr>
+      <p:sp>
+        <p:nvSpPr>
+          <p:cNvPr id="3" name="Text Placeholder 2">
+            <a:extLst>
+              <a:ext uri="{FF2B5EF4-FFF2-40B4-BE49-F238E27FC236}">
+                <a16:creationId xmlns:a16="http://schemas.microsoft.com/office/drawing/2014/main" id="{C7652C82-BE66-4418-8AD5-980274E47728}"/>
+              </a:ext>
+            </a:extLst>
+          </p:cNvPr>
+          <p:cNvSpPr>
+            <a:spLocks noGrp="1"/>
+          </p:cNvSpPr>
+          <p:nvPr>
+            <p:ph type="body" sz="quarter" idx="13"/>
+          </p:nvPr>
+        </p:nvSpPr>
+        <p:spPr>
+          <a:xfrm>
+            <a:off x="1162050" y="315280"/>
+            <a:ext cx="10039350" cy="647700"/>
+          </a:xfrm>
+        </p:spPr>
+        <p:txBody>
+          <a:bodyPr>
+            <a:noAutofit/>
+          </a:bodyPr>
+          <a:lstStyle/>
+          <a:p>
+            <a:pPr>
+              <a:spcAft>
+                <a:spcPts val="1800"/>
+              </a:spcAft>
+            </a:pPr>
+            <a:r>
+              <a:rPr lang="en-US" sz="4000" b="1" dirty="0"/>
+              <a:t>Common </a:t>
+            </a:r>
+            <a:r>
+              <a:rPr lang="en-US" sz="4000" b="1" dirty="0" err="1"/>
+              <a:t>kubectl</a:t>
+            </a:r>
+            <a:r>
+              <a:rPr lang="en-US" sz="4000" b="1" dirty="0"/>
+              <a:t> Commands</a:t>
+            </a:r>
+            <a:endParaRPr lang="en-US" sz="3800" b="1" dirty="0"/>
+          </a:p>
+        </p:txBody>
+      </p:sp>
+      <p:sp>
+        <p:nvSpPr>
+          <p:cNvPr id="7" name="Rectangle 6">
+            <a:extLst>
+              <a:ext uri="{FF2B5EF4-FFF2-40B4-BE49-F238E27FC236}">
+                <a16:creationId xmlns:a16="http://schemas.microsoft.com/office/drawing/2014/main" id="{AB8233D0-0895-4FB1-AB54-08D2E9F5AEA0}"/>
+              </a:ext>
+            </a:extLst>
+          </p:cNvPr>
+          <p:cNvSpPr/>
+          <p:nvPr/>
+        </p:nvSpPr>
+        <p:spPr>
+          <a:xfrm>
+            <a:off x="1560769" y="1413515"/>
+            <a:ext cx="9640631" cy="461665"/>
+          </a:xfrm>
+          <a:prstGeom prst="rect">
+            <a:avLst/>
+          </a:prstGeom>
+        </p:spPr>
+        <p:txBody>
+          <a:bodyPr wrap="square">
+            <a:spAutoFit/>
+          </a:bodyPr>
+          <a:lstStyle/>
+          <a:p>
+            <a:r>
+              <a:rPr lang="en-US" sz="2400" dirty="0">
+                <a:latin typeface="Karla" pitchFamily="2" charset="0"/>
+              </a:rPr>
+              <a:t>Practice Kubernetes! Access the exercise using the link below:</a:t>
+            </a:r>
+          </a:p>
+        </p:txBody>
+      </p:sp>
+      <p:sp>
+        <p:nvSpPr>
+          <p:cNvPr id="10" name="Rectangle 7">
+            <a:extLst>
+              <a:ext uri="{FF2B5EF4-FFF2-40B4-BE49-F238E27FC236}">
+                <a16:creationId xmlns:a16="http://schemas.microsoft.com/office/drawing/2014/main" id="{E5F614C9-580D-4226-949F-552B2668982F}"/>
+              </a:ext>
+            </a:extLst>
+          </p:cNvPr>
+          <p:cNvSpPr>
+            <a:spLocks noChangeArrowheads="1"/>
+          </p:cNvSpPr>
+          <p:nvPr/>
+        </p:nvSpPr>
+        <p:spPr bwMode="auto">
+          <a:xfrm>
+            <a:off x="0" y="-184666"/>
+            <a:ext cx="184731" cy="369332"/>
+          </a:xfrm>
+          <a:prstGeom prst="rect">
+            <a:avLst/>
+          </a:prstGeom>
+          <a:solidFill>
+            <a:srgbClr val="FFFFFF"/>
+          </a:solidFill>
+          <a:ln>
+            <a:noFill/>
+          </a:ln>
+          <a:effectLst/>
+          <a:extLst>
+            <a:ext uri="{91240B29-F687-4F45-9708-019B960494DF}">
+              <a14:hiddenLine xmlns:a14="http://schemas.microsoft.com/office/drawing/2010/main" w="9525">
+                <a:solidFill>
+                  <a:schemeClr val="tx1"/>
+                </a:solidFill>
+                <a:miter lim="800000"/>
+                <a:headEnd/>
+                <a:tailEnd/>
+              </a14:hiddenLine>
+            </a:ext>
+            <a:ext uri="{AF507438-7753-43E0-B8FC-AC1667EBCBE1}">
+              <a14:hiddenEffects xmlns:a14="http://schemas.microsoft.com/office/drawing/2010/main">
+                <a:effectLst>
+                  <a:outerShdw dist="35921" dir="2700000" algn="ctr" rotWithShape="0">
+                    <a:schemeClr val="bg2"/>
+                  </a:outerShdw>
+                </a:effectLst>
+              </a14:hiddenEffects>
+            </a:ext>
+          </a:extLst>
+        </p:spPr>
+        <p:txBody>
+          <a:bodyPr vert="horz" wrap="none" lIns="91440" tIns="45720" rIns="91440" bIns="45720" numCol="1" anchor="ctr" anchorCtr="0" compatLnSpc="1">
+            <a:prstTxWarp prst="textNoShape">
+              <a:avLst/>
+            </a:prstTxWarp>
+            <a:spAutoFit/>
+          </a:bodyPr>
+          <a:lstStyle/>
+          <a:p>
+            <a:pPr marL="0" marR="0" lvl="0" indent="0" algn="l" defTabSz="914400" rtl="0" eaLnBrk="0" fontAlgn="base" latinLnBrk="0" hangingPunct="0">
+              <a:lnSpc>
+                <a:spcPct val="100000"/>
+              </a:lnSpc>
+              <a:spcBef>
+                <a:spcPct val="0"/>
+              </a:spcBef>
+              <a:spcAft>
+                <a:spcPct val="0"/>
+              </a:spcAft>
+              <a:buClrTx/>
+              <a:buSzTx/>
+              <a:buFontTx/>
+              <a:buNone/>
+              <a:tabLst/>
+            </a:pPr>
+            <a:endParaRPr kumimoji="0" lang="en-US" altLang="en-US" sz="1800" b="0" i="0" u="none" strike="noStrike" cap="none" normalizeH="0" baseline="0" dirty="0">
+              <a:ln>
+                <a:noFill/>
+              </a:ln>
+              <a:solidFill>
+                <a:schemeClr val="tx1"/>
+              </a:solidFill>
+              <a:effectLst/>
+              <a:latin typeface="Arial" panose="020B0604020202020204" pitchFamily="34" charset="0"/>
+            </a:endParaRPr>
+          </a:p>
+        </p:txBody>
+      </p:sp>
+      <p:sp>
+        <p:nvSpPr>
+          <p:cNvPr id="11" name="Rectangle 8">
+            <a:extLst>
+              <a:ext uri="{FF2B5EF4-FFF2-40B4-BE49-F238E27FC236}">
+                <a16:creationId xmlns:a16="http://schemas.microsoft.com/office/drawing/2014/main" id="{27FEA53C-50CF-4743-A2EC-978205D7ACEA}"/>
+              </a:ext>
+            </a:extLst>
+          </p:cNvPr>
+          <p:cNvSpPr>
+            <a:spLocks noChangeArrowheads="1"/>
+          </p:cNvSpPr>
+          <p:nvPr/>
+        </p:nvSpPr>
+        <p:spPr bwMode="auto">
+          <a:xfrm>
+            <a:off x="0" y="-138499"/>
+            <a:ext cx="184731" cy="276999"/>
+          </a:xfrm>
+          <a:prstGeom prst="rect">
+            <a:avLst/>
+          </a:prstGeom>
+          <a:solidFill>
+            <a:srgbClr val="FFFFFF"/>
+          </a:solidFill>
+          <a:ln>
+            <a:noFill/>
+          </a:ln>
+          <a:effectLst/>
+          <a:extLst>
+            <a:ext uri="{91240B29-F687-4F45-9708-019B960494DF}">
+              <a14:hiddenLine xmlns:a14="http://schemas.microsoft.com/office/drawing/2010/main" w="9525">
+                <a:solidFill>
+                  <a:schemeClr val="tx1"/>
+                </a:solidFill>
+                <a:miter lim="800000"/>
+                <a:headEnd/>
+                <a:tailEnd/>
+              </a14:hiddenLine>
+            </a:ext>
+            <a:ext uri="{AF507438-7753-43E0-B8FC-AC1667EBCBE1}">
+              <a14:hiddenEffects xmlns:a14="http://schemas.microsoft.com/office/drawing/2010/main">
+                <a:effectLst>
+                  <a:outerShdw dist="35921" dir="2700000" algn="ctr" rotWithShape="0">
+                    <a:schemeClr val="bg2"/>
+                  </a:outerShdw>
+                </a:effectLst>
+              </a14:hiddenEffects>
+            </a:ext>
+          </a:extLst>
+        </p:spPr>
+        <p:txBody>
+          <a:bodyPr vert="horz" wrap="none" lIns="91440" tIns="0" rIns="91440" bIns="0" numCol="1" anchor="ctr" anchorCtr="0" compatLnSpc="1">
+            <a:prstTxWarp prst="textNoShape">
+              <a:avLst/>
+            </a:prstTxWarp>
+            <a:spAutoFit/>
+          </a:bodyPr>
+          <a:lstStyle/>
+          <a:p>
+            <a:pPr marL="0" marR="0" lvl="0" indent="0" algn="l" defTabSz="914400" rtl="0" eaLnBrk="0" fontAlgn="base" latinLnBrk="0" hangingPunct="0">
+              <a:lnSpc>
+                <a:spcPct val="100000"/>
+              </a:lnSpc>
+              <a:spcBef>
+                <a:spcPct val="0"/>
+              </a:spcBef>
+              <a:spcAft>
+                <a:spcPct val="0"/>
+              </a:spcAft>
+              <a:buClrTx/>
+              <a:buSzTx/>
+              <a:buFontTx/>
+              <a:buNone/>
+              <a:tabLst/>
+            </a:pPr>
+            <a:endParaRPr kumimoji="0" lang="en-US" altLang="en-US" sz="1800" b="0" i="0" u="none" strike="noStrike" cap="none" normalizeH="0" baseline="0" dirty="0">
+              <a:ln>
+                <a:noFill/>
+              </a:ln>
+              <a:solidFill>
+                <a:schemeClr val="tx1"/>
+              </a:solidFill>
+              <a:effectLst/>
+              <a:latin typeface="Arial" panose="020B0604020202020204" pitchFamily="34" charset="0"/>
+            </a:endParaRPr>
+          </a:p>
+        </p:txBody>
+      </p:sp>
+      <p:sp>
+        <p:nvSpPr>
+          <p:cNvPr id="2" name="Rectangle 1">
+            <a:extLst>
+              <a:ext uri="{FF2B5EF4-FFF2-40B4-BE49-F238E27FC236}">
+                <a16:creationId xmlns:a16="http://schemas.microsoft.com/office/drawing/2014/main" id="{BA44942D-9D00-4949-B64E-8786B04E87C5}"/>
+              </a:ext>
+            </a:extLst>
+          </p:cNvPr>
+          <p:cNvSpPr/>
+          <p:nvPr/>
+        </p:nvSpPr>
+        <p:spPr>
+          <a:xfrm>
+            <a:off x="4614665" y="3244334"/>
+            <a:ext cx="3108543" cy="461665"/>
+          </a:xfrm>
+          <a:prstGeom prst="rect">
+            <a:avLst/>
+          </a:prstGeom>
+        </p:spPr>
+        <p:txBody>
+          <a:bodyPr wrap="none">
+            <a:spAutoFit/>
+          </a:bodyPr>
+          <a:lstStyle/>
+          <a:p>
+            <a:pPr algn="r"/>
+            <a:r>
+              <a:rPr lang="en-US" sz="2400" dirty="0">
+                <a:latin typeface="Karla" pitchFamily="2" charset="0"/>
+              </a:rPr>
+              <a:t>&gt; </a:t>
+            </a:r>
+            <a:r>
+              <a:rPr lang="en-US" sz="2400" dirty="0">
+                <a:latin typeface="Karla" pitchFamily="2" charset="0"/>
+                <a:hlinkClick r:id="rId2"/>
+              </a:rPr>
+              <a:t>LINK TO EXERCISE</a:t>
+            </a:r>
+            <a:r>
+              <a:rPr lang="en-US" sz="2400" dirty="0">
+                <a:latin typeface="Karla" pitchFamily="2" charset="0"/>
+              </a:rPr>
+              <a:t> &lt;</a:t>
+            </a:r>
+          </a:p>
+        </p:txBody>
+      </p:sp>
+      <p:sp>
+        <p:nvSpPr>
+          <p:cNvPr id="8" name="Rectangle 7">
+            <a:extLst>
+              <a:ext uri="{FF2B5EF4-FFF2-40B4-BE49-F238E27FC236}">
+                <a16:creationId xmlns:a16="http://schemas.microsoft.com/office/drawing/2014/main" id="{27CD0A71-AB65-40BA-B3B3-4303EA3A0BA7}"/>
+              </a:ext>
+            </a:extLst>
+          </p:cNvPr>
+          <p:cNvSpPr/>
+          <p:nvPr/>
+        </p:nvSpPr>
+        <p:spPr>
+          <a:xfrm>
+            <a:off x="4438333" y="3869346"/>
+            <a:ext cx="3501280" cy="461665"/>
+          </a:xfrm>
+          <a:prstGeom prst="rect">
+            <a:avLst/>
+          </a:prstGeom>
+        </p:spPr>
+        <p:txBody>
+          <a:bodyPr wrap="none">
+            <a:spAutoFit/>
+          </a:bodyPr>
+          <a:lstStyle/>
+          <a:p>
+            <a:pPr algn="r"/>
+            <a:r>
+              <a:rPr lang="en-US" sz="2400" dirty="0">
+                <a:latin typeface="Karla" pitchFamily="2" charset="0"/>
+              </a:rPr>
+              <a:t>&gt; </a:t>
+            </a:r>
+            <a:r>
+              <a:rPr lang="en-US" sz="2400" dirty="0">
+                <a:latin typeface="Karla" pitchFamily="2" charset="0"/>
+                <a:hlinkClick r:id="rId2"/>
+              </a:rPr>
+              <a:t>LINK TO </a:t>
+            </a:r>
+            <a:r>
+              <a:rPr lang="en-US" sz="2400" dirty="0">
+                <a:latin typeface="Karla" pitchFamily="2" charset="0"/>
+                <a:hlinkClick r:id="rId3"/>
+              </a:rPr>
+              <a:t>RESOURCES</a:t>
+            </a:r>
+            <a:r>
+              <a:rPr lang="en-US" sz="2400" dirty="0">
+                <a:latin typeface="Karla" pitchFamily="2" charset="0"/>
+                <a:hlinkClick r:id="rId2"/>
+              </a:rPr>
+              <a:t> </a:t>
+            </a:r>
+            <a:r>
+              <a:rPr lang="en-US" sz="2400" dirty="0">
+                <a:latin typeface="Karla" pitchFamily="2" charset="0"/>
+              </a:rPr>
+              <a:t> &lt;</a:t>
+            </a:r>
+          </a:p>
+        </p:txBody>
+      </p:sp>
+    </p:spTree>
+    <p:extLst>
+      <p:ext uri="{BB962C8B-B14F-4D97-AF65-F5344CB8AC3E}">
+        <p14:creationId xmlns:p14="http://schemas.microsoft.com/office/powerpoint/2010/main" val="700535882"/>
+      </p:ext>
+    </p:extLst>
+  </p:cSld>
+  <p:clrMapOvr>
+    <a:masterClrMapping/>
+  </p:clrMapOvr>
+</p:sld>
+</file>
+
+<file path=ppt/slides/slide22.xml><?xml version="1.0" encoding="utf-8"?>
+<p:sld xmlns:a="http://schemas.openxmlformats.org/drawingml/2006/main" xmlns:r="http://schemas.openxmlformats.org/officeDocument/2006/relationships" xmlns:p="http://schemas.openxmlformats.org/presentationml/2006/main">
+  <p:cSld>
+    <p:spTree>
+      <p:nvGrpSpPr>
+        <p:cNvPr id="1" name=""/>
+        <p:cNvGrpSpPr/>
+        <p:nvPr/>
+      </p:nvGrpSpPr>
+      <p:grpSpPr>
+        <a:xfrm>
+          <a:off x="0" y="0"/>
+          <a:ext cx="0" cy="0"/>
+          <a:chOff x="0" y="0"/>
+          <a:chExt cx="0" cy="0"/>
+        </a:xfrm>
+      </p:grpSpPr>
+      <p:sp>
+        <p:nvSpPr>
+          <p:cNvPr id="2" name="Title 1"/>
+          <p:cNvSpPr>
+            <a:spLocks noGrp="1"/>
+          </p:cNvSpPr>
+          <p:nvPr>
+            <p:ph type="title"/>
+          </p:nvPr>
+        </p:nvSpPr>
+        <p:spPr>
+          <a:xfrm>
+            <a:off x="609600" y="135004"/>
+            <a:ext cx="10972800" cy="767276"/>
+          </a:xfrm>
+        </p:spPr>
+        <p:txBody>
+          <a:bodyPr/>
+          <a:lstStyle/>
+          <a:p>
+            <a:pPr algn="l"/>
+            <a:r>
+              <a:rPr lang="en-US" dirty="0"/>
+              <a:t>Workshop Overview for Day 1</a:t>
+            </a:r>
+          </a:p>
+        </p:txBody>
+      </p:sp>
+      <p:sp>
+        <p:nvSpPr>
+          <p:cNvPr id="11" name="Google Shape;68;p14"/>
+          <p:cNvSpPr/>
+          <p:nvPr/>
+        </p:nvSpPr>
+        <p:spPr>
+          <a:xfrm>
+            <a:off x="681353" y="1051744"/>
+            <a:ext cx="2735782" cy="1361589"/>
+          </a:xfrm>
+          <a:prstGeom prst="rect">
+            <a:avLst/>
+          </a:prstGeom>
+          <a:solidFill>
+            <a:srgbClr val="D9EAD3"/>
+          </a:solidFill>
+          <a:ln w="9525" cap="flat" cmpd="sng">
+            <a:solidFill>
+              <a:srgbClr val="FFFFFF"/>
+            </a:solidFill>
+            <a:prstDash val="solid"/>
+            <a:round/>
+            <a:headEnd type="none" w="sm" len="sm"/>
+            <a:tailEnd type="none" w="sm" len="sm"/>
+          </a:ln>
+        </p:spPr>
+        <p:txBody>
+          <a:bodyPr spcFirstLastPara="1" wrap="square" lIns="91425" tIns="91425" rIns="91425" bIns="91425" anchor="ctr" anchorCtr="0">
+            <a:noAutofit/>
+          </a:bodyPr>
+          <a:lstStyle/>
+          <a:p>
+            <a:pPr marL="0" lvl="0" indent="0" algn="ctr" rtl="0">
+              <a:spcBef>
+                <a:spcPts val="0"/>
+              </a:spcBef>
+              <a:spcAft>
+                <a:spcPts val="0"/>
+              </a:spcAft>
+              <a:buNone/>
+            </a:pPr>
+            <a:r>
+              <a:rPr lang="en" sz="2000" dirty="0"/>
+              <a:t>Complete App on Local Machine Demo</a:t>
+            </a:r>
+            <a:endParaRPr sz="2000" dirty="0"/>
+          </a:p>
+          <a:p>
+            <a:pPr marL="0" lvl="0" indent="0" algn="ctr" rtl="0">
+              <a:spcBef>
+                <a:spcPts val="0"/>
+              </a:spcBef>
+              <a:spcAft>
+                <a:spcPts val="0"/>
+              </a:spcAft>
+              <a:buNone/>
+            </a:pPr>
+            <a:r>
+              <a:rPr lang="en-US" sz="2000" dirty="0"/>
+              <a:t>10:00</a:t>
+            </a:r>
+            <a:r>
+              <a:rPr lang="en" sz="2000" dirty="0"/>
+              <a:t> - 11:</a:t>
+            </a:r>
+            <a:r>
+              <a:rPr lang="en-US" sz="2000" dirty="0"/>
+              <a:t>30</a:t>
+            </a:r>
+            <a:endParaRPr sz="2000" dirty="0"/>
+          </a:p>
+          <a:p>
+            <a:pPr marL="0" lvl="0" indent="0" algn="ctr" rtl="0">
+              <a:spcBef>
+                <a:spcPts val="0"/>
+              </a:spcBef>
+              <a:spcAft>
+                <a:spcPts val="0"/>
+              </a:spcAft>
+              <a:buNone/>
+            </a:pPr>
+            <a:r>
+              <a:rPr lang="en-US" sz="2000" dirty="0" err="1"/>
+              <a:t>Pavlos</a:t>
+            </a:r>
+            <a:r>
+              <a:rPr lang="en-US" sz="2000" dirty="0"/>
+              <a:t> Shivas</a:t>
+            </a:r>
+            <a:endParaRPr sz="2000" dirty="0"/>
+          </a:p>
+        </p:txBody>
+      </p:sp>
+      <p:sp>
+        <p:nvSpPr>
+          <p:cNvPr id="13" name="Google Shape;70;p14"/>
+          <p:cNvSpPr/>
+          <p:nvPr/>
+        </p:nvSpPr>
+        <p:spPr>
+          <a:xfrm>
+            <a:off x="8433491" y="1028514"/>
+            <a:ext cx="3162356" cy="1361589"/>
+          </a:xfrm>
+          <a:prstGeom prst="rect">
+            <a:avLst/>
+          </a:prstGeom>
+          <a:solidFill>
+            <a:schemeClr val="accent5">
+              <a:lumMod val="40000"/>
+              <a:lumOff val="60000"/>
+            </a:schemeClr>
+          </a:solidFill>
+          <a:ln w="9525" cap="flat" cmpd="sng">
+            <a:solidFill>
+              <a:srgbClr val="FFFFFF"/>
+            </a:solidFill>
+            <a:prstDash val="solid"/>
+            <a:round/>
+            <a:headEnd type="none" w="sm" len="sm"/>
+            <a:tailEnd type="none" w="sm" len="sm"/>
+          </a:ln>
+        </p:spPr>
+        <p:txBody>
+          <a:bodyPr spcFirstLastPara="1" wrap="square" lIns="91425" tIns="91425" rIns="91425" bIns="91425" anchor="ctr" anchorCtr="0">
+            <a:noAutofit/>
+          </a:bodyPr>
+          <a:lstStyle/>
+          <a:p>
+            <a:pPr algn="ctr" fontAlgn="base"/>
+            <a:r>
+              <a:rPr lang="en-US" sz="2000" dirty="0"/>
+              <a:t>AWS </a:t>
+            </a:r>
+          </a:p>
+          <a:p>
+            <a:pPr algn="ctr" fontAlgn="base"/>
+            <a:r>
+              <a:rPr lang="en-US" sz="2000" dirty="0"/>
+              <a:t>Instructions/Demo</a:t>
+            </a:r>
+          </a:p>
+          <a:p>
+            <a:pPr fontAlgn="base"/>
+            <a:r>
+              <a:rPr lang="en-US" sz="2000" dirty="0"/>
+              <a:t>		12:00-12:30</a:t>
+            </a:r>
+          </a:p>
+          <a:p>
+            <a:pPr lvl="0" algn="ctr"/>
+            <a:r>
+              <a:rPr lang="en-US" sz="2000" dirty="0"/>
+              <a:t>Rashmi</a:t>
+            </a:r>
+          </a:p>
+        </p:txBody>
+      </p:sp>
+      <p:sp>
+        <p:nvSpPr>
+          <p:cNvPr id="15" name="Google Shape;72;p14"/>
+          <p:cNvSpPr/>
+          <p:nvPr/>
+        </p:nvSpPr>
+        <p:spPr>
+          <a:xfrm>
+            <a:off x="8552329" y="3235500"/>
+            <a:ext cx="3043518" cy="831564"/>
+          </a:xfrm>
+          <a:prstGeom prst="rect">
+            <a:avLst/>
+          </a:prstGeom>
+          <a:solidFill>
+            <a:srgbClr val="FFFFFF"/>
+          </a:solidFill>
+          <a:ln w="19050" cap="flat" cmpd="sng">
+            <a:solidFill>
+              <a:srgbClr val="990000"/>
+            </a:solidFill>
+            <a:prstDash val="solid"/>
+            <a:round/>
+            <a:headEnd type="none" w="sm" len="sm"/>
+            <a:tailEnd type="none" w="sm" len="sm"/>
+          </a:ln>
+        </p:spPr>
+        <p:txBody>
+          <a:bodyPr spcFirstLastPara="1" wrap="square" lIns="91425" tIns="91425" rIns="91425" bIns="91425" anchor="ctr" anchorCtr="0">
+            <a:noAutofit/>
+          </a:bodyPr>
+          <a:lstStyle/>
+          <a:p>
+            <a:pPr algn="ctr"/>
+            <a:r>
+              <a:rPr lang="en-US" sz="2000" dirty="0" err="1"/>
+              <a:t>Sophya</a:t>
+            </a:r>
+            <a:endParaRPr sz="2000" dirty="0"/>
+          </a:p>
+          <a:p>
+            <a:pPr marL="0" lvl="0" indent="0" algn="ctr" rtl="0">
+              <a:spcBef>
+                <a:spcPts val="0"/>
+              </a:spcBef>
+              <a:spcAft>
+                <a:spcPts val="0"/>
+              </a:spcAft>
+              <a:buNone/>
+            </a:pPr>
+            <a:r>
+              <a:rPr lang="en" sz="2000" dirty="0"/>
+              <a:t>12:</a:t>
+            </a:r>
+            <a:r>
+              <a:rPr lang="en-US" sz="2000" dirty="0"/>
+              <a:t>30</a:t>
+            </a:r>
+            <a:r>
+              <a:rPr lang="en" sz="2000" dirty="0"/>
+              <a:t> - 1:</a:t>
+            </a:r>
+            <a:r>
+              <a:rPr lang="en-US" sz="2000" dirty="0"/>
+              <a:t>30</a:t>
+            </a:r>
+          </a:p>
+        </p:txBody>
+      </p:sp>
+      <p:sp>
+        <p:nvSpPr>
+          <p:cNvPr id="16" name="Google Shape;73;p14"/>
+          <p:cNvSpPr/>
+          <p:nvPr/>
+        </p:nvSpPr>
+        <p:spPr>
+          <a:xfrm>
+            <a:off x="4606312" y="4900363"/>
+            <a:ext cx="2735782" cy="1380159"/>
+          </a:xfrm>
+          <a:prstGeom prst="rect">
+            <a:avLst/>
+          </a:prstGeom>
+          <a:solidFill>
+            <a:srgbClr val="FFF2CC"/>
+          </a:solidFill>
+          <a:ln w="9525" cap="flat" cmpd="sng">
+            <a:solidFill>
+              <a:srgbClr val="FFFFFF"/>
+            </a:solidFill>
+            <a:prstDash val="solid"/>
+            <a:round/>
+            <a:headEnd type="none" w="sm" len="sm"/>
+            <a:tailEnd type="none" w="sm" len="sm"/>
+          </a:ln>
+        </p:spPr>
+        <p:txBody>
+          <a:bodyPr spcFirstLastPara="1" wrap="square" lIns="91425" tIns="91425" rIns="91425" bIns="91425" anchor="ctr" anchorCtr="0">
+            <a:noAutofit/>
+          </a:bodyPr>
+          <a:lstStyle/>
+          <a:p>
+            <a:pPr marL="0" lvl="0" indent="0" algn="ctr" rtl="0">
+              <a:spcBef>
+                <a:spcPts val="0"/>
+              </a:spcBef>
+              <a:spcAft>
+                <a:spcPts val="0"/>
+              </a:spcAft>
+              <a:buNone/>
+            </a:pPr>
+            <a:r>
+              <a:rPr lang="en-US" sz="2000" dirty="0"/>
+              <a:t>Final Thoughts</a:t>
+            </a:r>
+            <a:endParaRPr sz="2000" dirty="0"/>
+          </a:p>
+          <a:p>
+            <a:pPr marL="0" lvl="0" indent="0" algn="ctr" rtl="0">
+              <a:spcBef>
+                <a:spcPts val="0"/>
+              </a:spcBef>
+              <a:spcAft>
+                <a:spcPts val="0"/>
+              </a:spcAft>
+              <a:buNone/>
+            </a:pPr>
+            <a:r>
+              <a:rPr lang="en-US" sz="2000" dirty="0"/>
+              <a:t>3</a:t>
+            </a:r>
+            <a:r>
+              <a:rPr lang="en" sz="2000" dirty="0"/>
+              <a:t>:</a:t>
+            </a:r>
+            <a:r>
+              <a:rPr lang="en-US" sz="2000" dirty="0"/>
+              <a:t>00</a:t>
+            </a:r>
+            <a:r>
+              <a:rPr lang="en" sz="2000" dirty="0"/>
+              <a:t> - </a:t>
+            </a:r>
+            <a:r>
+              <a:rPr lang="en-US" sz="2000" dirty="0"/>
+              <a:t>4</a:t>
+            </a:r>
+            <a:r>
+              <a:rPr lang="en" sz="2000" dirty="0"/>
+              <a:t>:00</a:t>
+            </a:r>
+            <a:endParaRPr lang="en-US" sz="2000" dirty="0"/>
+          </a:p>
+          <a:p>
+            <a:pPr lvl="0" algn="ctr"/>
+            <a:r>
+              <a:rPr lang="en-US" sz="2000" dirty="0" err="1"/>
+              <a:t>Sophya</a:t>
+            </a:r>
+            <a:endParaRPr sz="2000" dirty="0"/>
+          </a:p>
+        </p:txBody>
+      </p:sp>
+      <p:pic>
+        <p:nvPicPr>
+          <p:cNvPr id="17" name="Google Shape;74;p14"/>
+          <p:cNvPicPr preferRelativeResize="0"/>
+          <p:nvPr/>
+        </p:nvPicPr>
+        <p:blipFill>
+          <a:blip r:embed="rId2">
+            <a:alphaModFix/>
+          </a:blip>
+          <a:stretch>
+            <a:fillRect/>
+          </a:stretch>
+        </p:blipFill>
+        <p:spPr>
+          <a:xfrm flipH="1">
+            <a:off x="3650311" y="1446189"/>
+            <a:ext cx="757538" cy="572700"/>
+          </a:xfrm>
+          <a:prstGeom prst="rect">
+            <a:avLst/>
+          </a:prstGeom>
+          <a:noFill/>
+          <a:ln>
+            <a:noFill/>
+          </a:ln>
+        </p:spPr>
+      </p:pic>
+      <p:pic>
+        <p:nvPicPr>
+          <p:cNvPr id="19" name="Google Shape;76;p14"/>
+          <p:cNvPicPr preferRelativeResize="0"/>
+          <p:nvPr/>
+        </p:nvPicPr>
+        <p:blipFill>
+          <a:blip r:embed="rId2">
+            <a:alphaModFix/>
+          </a:blip>
+          <a:stretch>
+            <a:fillRect/>
+          </a:stretch>
+        </p:blipFill>
+        <p:spPr>
+          <a:xfrm>
+            <a:off x="7516913" y="5304093"/>
+            <a:ext cx="757538" cy="572700"/>
+          </a:xfrm>
+          <a:prstGeom prst="rect">
+            <a:avLst/>
+          </a:prstGeom>
+          <a:noFill/>
+          <a:ln>
+            <a:noFill/>
+          </a:ln>
+        </p:spPr>
+      </p:pic>
+      <p:pic>
+        <p:nvPicPr>
+          <p:cNvPr id="20" name="Google Shape;77;p14"/>
+          <p:cNvPicPr preferRelativeResize="0"/>
+          <p:nvPr/>
+        </p:nvPicPr>
+        <p:blipFill>
+          <a:blip r:embed="rId2">
+            <a:alphaModFix/>
+          </a:blip>
+          <a:stretch>
+            <a:fillRect/>
+          </a:stretch>
+        </p:blipFill>
+        <p:spPr>
+          <a:xfrm flipH="1">
+            <a:off x="7568891" y="1409119"/>
+            <a:ext cx="757538" cy="572700"/>
+          </a:xfrm>
+          <a:prstGeom prst="rect">
+            <a:avLst/>
+          </a:prstGeom>
+          <a:noFill/>
+          <a:ln>
+            <a:noFill/>
+          </a:ln>
+        </p:spPr>
+      </p:pic>
+      <p:pic>
+        <p:nvPicPr>
+          <p:cNvPr id="21" name="Google Shape;78;p14"/>
+          <p:cNvPicPr preferRelativeResize="0"/>
+          <p:nvPr/>
+        </p:nvPicPr>
+        <p:blipFill>
+          <a:blip r:embed="rId2">
+            <a:alphaModFix/>
+          </a:blip>
+          <a:stretch>
+            <a:fillRect/>
+          </a:stretch>
+        </p:blipFill>
+        <p:spPr>
+          <a:xfrm rot="-5400000">
+            <a:off x="9635900" y="2551165"/>
+            <a:ext cx="757538" cy="572700"/>
+          </a:xfrm>
+          <a:prstGeom prst="rect">
+            <a:avLst/>
+          </a:prstGeom>
+          <a:noFill/>
+          <a:ln>
+            <a:noFill/>
+          </a:ln>
+        </p:spPr>
+      </p:pic>
+      <p:sp>
+        <p:nvSpPr>
+          <p:cNvPr id="4" name="Slide Number Placeholder 3">
+            <a:extLst>
+              <a:ext uri="{FF2B5EF4-FFF2-40B4-BE49-F238E27FC236}">
+                <a16:creationId xmlns:a16="http://schemas.microsoft.com/office/drawing/2014/main" id="{9EBF1FFB-A351-F543-B5DF-CEF4BB54B201}"/>
+              </a:ext>
+            </a:extLst>
+          </p:cNvPr>
+          <p:cNvSpPr>
+            <a:spLocks noGrp="1"/>
+          </p:cNvSpPr>
+          <p:nvPr>
+            <p:ph type="sldNum" sz="quarter" idx="12"/>
+          </p:nvPr>
+        </p:nvSpPr>
+        <p:spPr/>
+        <p:txBody>
+          <a:bodyPr/>
+          <a:lstStyle/>
+          <a:p>
+            <a:fld id="{A13833A1-46C9-FB45-812F-A8AC7B5136EB}" type="slidenum">
+              <a:rPr lang="en-US" smtClean="0"/>
+              <a:t>22</a:t>
+            </a:fld>
+            <a:endParaRPr lang="en-US"/>
+          </a:p>
+        </p:txBody>
+      </p:sp>
+      <p:pic>
+        <p:nvPicPr>
+          <p:cNvPr id="22" name="Google Shape;78;p14">
+            <a:extLst>
+              <a:ext uri="{FF2B5EF4-FFF2-40B4-BE49-F238E27FC236}">
+                <a16:creationId xmlns:a16="http://schemas.microsoft.com/office/drawing/2014/main" id="{20E20595-ACB5-E847-95EC-440A5B27F656}"/>
+              </a:ext>
+            </a:extLst>
+          </p:cNvPr>
+          <p:cNvPicPr preferRelativeResize="0"/>
+          <p:nvPr/>
+        </p:nvPicPr>
+        <p:blipFill>
+          <a:blip r:embed="rId2">
+            <a:alphaModFix/>
+          </a:blip>
+          <a:stretch>
+            <a:fillRect/>
+          </a:stretch>
+        </p:blipFill>
+        <p:spPr>
+          <a:xfrm rot="-5400000">
+            <a:off x="9695319" y="4259699"/>
+            <a:ext cx="757538" cy="572700"/>
+          </a:xfrm>
+          <a:prstGeom prst="rect">
+            <a:avLst/>
+          </a:prstGeom>
+          <a:noFill/>
+          <a:ln>
+            <a:noFill/>
+          </a:ln>
+        </p:spPr>
+      </p:pic>
+      <p:sp>
+        <p:nvSpPr>
+          <p:cNvPr id="23" name="Google Shape;71;p14">
+            <a:extLst>
+              <a:ext uri="{FF2B5EF4-FFF2-40B4-BE49-F238E27FC236}">
+                <a16:creationId xmlns:a16="http://schemas.microsoft.com/office/drawing/2014/main" id="{251624C0-9F07-274B-9C01-62FC25059DA9}"/>
+              </a:ext>
+            </a:extLst>
+          </p:cNvPr>
+          <p:cNvSpPr/>
+          <p:nvPr/>
+        </p:nvSpPr>
+        <p:spPr>
+          <a:xfrm>
+            <a:off x="8706197" y="4912461"/>
+            <a:ext cx="2735782" cy="1380159"/>
+          </a:xfrm>
+          <a:prstGeom prst="rect">
+            <a:avLst/>
+          </a:prstGeom>
+          <a:solidFill>
+            <a:srgbClr val="C9DAF8"/>
+          </a:solidFill>
+          <a:ln w="9525" cap="flat" cmpd="sng">
+            <a:solidFill>
+              <a:srgbClr val="FFFFFF"/>
+            </a:solidFill>
+            <a:prstDash val="solid"/>
+            <a:round/>
+            <a:headEnd type="none" w="sm" len="sm"/>
+            <a:tailEnd type="none" w="sm" len="sm"/>
+          </a:ln>
+        </p:spPr>
+        <p:txBody>
+          <a:bodyPr spcFirstLastPara="1" wrap="square" lIns="91425" tIns="91425" rIns="91425" bIns="91425" anchor="ctr" anchorCtr="0">
+            <a:noAutofit/>
+          </a:bodyPr>
+          <a:lstStyle/>
+          <a:p>
+            <a:pPr marL="0" lvl="0" indent="0" algn="ctr" rtl="0">
+              <a:spcBef>
+                <a:spcPts val="0"/>
+              </a:spcBef>
+              <a:spcAft>
+                <a:spcPts val="0"/>
+              </a:spcAft>
+              <a:buNone/>
+            </a:pPr>
+            <a:r>
+              <a:rPr lang="en-US" sz="2000" dirty="0"/>
+              <a:t>Deployment</a:t>
+            </a:r>
+          </a:p>
+          <a:p>
+            <a:pPr marL="0" lvl="0" indent="0" algn="ctr" rtl="0">
+              <a:spcBef>
+                <a:spcPts val="0"/>
+              </a:spcBef>
+              <a:spcAft>
+                <a:spcPts val="0"/>
+              </a:spcAft>
+              <a:buNone/>
+            </a:pPr>
+            <a:r>
+              <a:rPr lang="en-US" sz="2000" dirty="0"/>
+              <a:t>1</a:t>
+            </a:r>
+            <a:r>
+              <a:rPr lang="en" sz="2000" dirty="0"/>
+              <a:t>:</a:t>
+            </a:r>
+            <a:r>
+              <a:rPr lang="en-US" sz="2000" dirty="0"/>
+              <a:t>30</a:t>
+            </a:r>
+            <a:r>
+              <a:rPr lang="en" sz="2000" dirty="0"/>
+              <a:t> – </a:t>
+            </a:r>
+            <a:r>
+              <a:rPr lang="en-US" sz="2000" dirty="0"/>
+              <a:t>3:00</a:t>
+            </a:r>
+          </a:p>
+          <a:p>
+            <a:pPr marL="0" lvl="0" indent="0" algn="ctr" rtl="0">
+              <a:spcBef>
+                <a:spcPts val="0"/>
+              </a:spcBef>
+              <a:spcAft>
+                <a:spcPts val="0"/>
+              </a:spcAft>
+              <a:buNone/>
+            </a:pPr>
+            <a:r>
+              <a:rPr lang="en-US" sz="2000" dirty="0"/>
+              <a:t>Shivas Rashmi</a:t>
+            </a:r>
+            <a:endParaRPr sz="2000" dirty="0"/>
+          </a:p>
+        </p:txBody>
+      </p:sp>
+      <p:sp>
+        <p:nvSpPr>
+          <p:cNvPr id="24" name="Google Shape;70;p14">
+            <a:extLst>
+              <a:ext uri="{FF2B5EF4-FFF2-40B4-BE49-F238E27FC236}">
+                <a16:creationId xmlns:a16="http://schemas.microsoft.com/office/drawing/2014/main" id="{E4433389-D2BC-4045-8ABC-A4D7591E5110}"/>
+              </a:ext>
+            </a:extLst>
+          </p:cNvPr>
+          <p:cNvSpPr/>
+          <p:nvPr/>
+        </p:nvSpPr>
+        <p:spPr>
+          <a:xfrm>
+            <a:off x="4554679" y="1014674"/>
+            <a:ext cx="2839048" cy="1361589"/>
+          </a:xfrm>
+          <a:prstGeom prst="rect">
+            <a:avLst/>
+          </a:prstGeom>
+          <a:solidFill>
+            <a:srgbClr val="D9D2E9"/>
+          </a:solidFill>
+          <a:ln w="9525" cap="flat" cmpd="sng">
+            <a:solidFill>
+              <a:srgbClr val="FFFFFF"/>
+            </a:solidFill>
+            <a:prstDash val="solid"/>
+            <a:round/>
+            <a:headEnd type="none" w="sm" len="sm"/>
+            <a:tailEnd type="none" w="sm" len="sm"/>
+          </a:ln>
+        </p:spPr>
+        <p:txBody>
+          <a:bodyPr spcFirstLastPara="1" wrap="square" lIns="91425" tIns="91425" rIns="91425" bIns="91425" anchor="ctr" anchorCtr="0">
+            <a:noAutofit/>
+          </a:bodyPr>
+          <a:lstStyle/>
+          <a:p>
+            <a:pPr lvl="0" algn="ctr"/>
+            <a:r>
+              <a:rPr lang="en-US" sz="2000" dirty="0"/>
+              <a:t>Intro to Kubernetes</a:t>
+            </a:r>
+          </a:p>
+          <a:p>
+            <a:pPr lvl="0" algn="ctr"/>
+            <a:r>
+              <a:rPr lang="en-US" sz="2000" dirty="0"/>
+              <a:t>11:30 - 12:00</a:t>
+            </a:r>
+          </a:p>
+          <a:p>
+            <a:pPr lvl="0" algn="ctr"/>
+            <a:r>
+              <a:rPr lang="en-US" sz="2000" dirty="0" err="1"/>
+              <a:t>Pavlos</a:t>
+            </a:r>
+            <a:endParaRPr lang="en-US" sz="2000" dirty="0"/>
+          </a:p>
+        </p:txBody>
+      </p:sp>
+    </p:spTree>
+    <p:extLst>
+      <p:ext uri="{BB962C8B-B14F-4D97-AF65-F5344CB8AC3E}">
+        <p14:creationId xmlns:p14="http://schemas.microsoft.com/office/powerpoint/2010/main" val="2959793463"/>
       </p:ext>
     </p:extLst>
   </p:cSld>
@@ -12118,6 +13822,190 @@
       </p:grpSpPr>
       <p:sp>
         <p:nvSpPr>
+          <p:cNvPr id="3" name="Text Placeholder 2">
+            <a:extLst>
+              <a:ext uri="{FF2B5EF4-FFF2-40B4-BE49-F238E27FC236}">
+                <a16:creationId xmlns:a16="http://schemas.microsoft.com/office/drawing/2014/main" id="{6DA12FB9-5FAE-4342-BE2F-559B191D9485}"/>
+              </a:ext>
+            </a:extLst>
+          </p:cNvPr>
+          <p:cNvSpPr>
+            <a:spLocks noGrp="1"/>
+          </p:cNvSpPr>
+          <p:nvPr>
+            <p:ph type="body" sz="quarter" idx="14"/>
+          </p:nvPr>
+        </p:nvSpPr>
+        <p:spPr>
+          <a:xfrm>
+            <a:off x="1023968" y="294031"/>
+            <a:ext cx="10357954" cy="677519"/>
+          </a:xfrm>
+        </p:spPr>
+        <p:txBody>
+          <a:bodyPr/>
+          <a:lstStyle/>
+          <a:p>
+            <a:pPr marL="0" indent="0" algn="ctr">
+              <a:buNone/>
+            </a:pPr>
+            <a:r>
+              <a:rPr lang="en-US" b="1" dirty="0">
+                <a:latin typeface="Karla" charset="0"/>
+                <a:ea typeface="Karla" charset="0"/>
+                <a:cs typeface="Karla" charset="0"/>
+              </a:rPr>
+              <a:t>Outline</a:t>
+            </a:r>
+          </a:p>
+        </p:txBody>
+      </p:sp>
+      <p:sp>
+        <p:nvSpPr>
+          <p:cNvPr id="4" name="Slide Number Placeholder 3">
+            <a:extLst>
+              <a:ext uri="{FF2B5EF4-FFF2-40B4-BE49-F238E27FC236}">
+                <a16:creationId xmlns:a16="http://schemas.microsoft.com/office/drawing/2014/main" id="{CE982439-117C-544B-A664-BA870ADBE431}"/>
+              </a:ext>
+            </a:extLst>
+          </p:cNvPr>
+          <p:cNvSpPr>
+            <a:spLocks noGrp="1"/>
+          </p:cNvSpPr>
+          <p:nvPr>
+            <p:ph type="sldNum" sz="quarter" idx="12"/>
+          </p:nvPr>
+        </p:nvSpPr>
+        <p:spPr/>
+        <p:txBody>
+          <a:bodyPr/>
+          <a:lstStyle/>
+          <a:p>
+            <a:fld id="{A13833A1-46C9-FB45-812F-A8AC7B5136EB}" type="slidenum">
+              <a:rPr lang="en-US" smtClean="0"/>
+              <a:t>4</a:t>
+            </a:fld>
+            <a:endParaRPr lang="en-US"/>
+          </a:p>
+        </p:txBody>
+      </p:sp>
+      <p:pic>
+        <p:nvPicPr>
+          <p:cNvPr id="1026" name="Picture 2">
+            <a:extLst>
+              <a:ext uri="{FF2B5EF4-FFF2-40B4-BE49-F238E27FC236}">
+                <a16:creationId xmlns:a16="http://schemas.microsoft.com/office/drawing/2014/main" id="{8F00A5CB-4E17-2940-9FD5-1D7869B1980D}"/>
+              </a:ext>
+            </a:extLst>
+          </p:cNvPr>
+          <p:cNvPicPr>
+            <a:picLocks noChangeAspect="1" noChangeArrowheads="1"/>
+          </p:cNvPicPr>
+          <p:nvPr/>
+        </p:nvPicPr>
+        <p:blipFill>
+          <a:blip r:embed="rId3">
+            <a:extLst>
+              <a:ext uri="{28A0092B-C50C-407E-A947-70E740481C1C}">
+                <a14:useLocalDpi xmlns:a14="http://schemas.microsoft.com/office/drawing/2010/main" val="0"/>
+              </a:ext>
+            </a:extLst>
+          </a:blip>
+          <a:srcRect/>
+          <a:stretch>
+            <a:fillRect/>
+          </a:stretch>
+        </p:blipFill>
+        <p:spPr bwMode="auto">
+          <a:xfrm>
+            <a:off x="0" y="1021236"/>
+            <a:ext cx="12192000" cy="5260975"/>
+          </a:xfrm>
+          <a:prstGeom prst="rect">
+            <a:avLst/>
+          </a:prstGeom>
+          <a:noFill/>
+          <a:extLst>
+            <a:ext uri="{909E8E84-426E-40DD-AFC4-6F175D3DCCD1}">
+              <a14:hiddenFill xmlns:a14="http://schemas.microsoft.com/office/drawing/2010/main">
+                <a:solidFill>
+                  <a:srgbClr val="FFFFFF"/>
+                </a:solidFill>
+              </a14:hiddenFill>
+            </a:ext>
+          </a:extLst>
+        </p:spPr>
+      </p:pic>
+      <p:cxnSp>
+        <p:nvCxnSpPr>
+          <p:cNvPr id="8" name="Straight Connector 7">
+            <a:extLst>
+              <a:ext uri="{FF2B5EF4-FFF2-40B4-BE49-F238E27FC236}">
+                <a16:creationId xmlns:a16="http://schemas.microsoft.com/office/drawing/2014/main" id="{17DE5A78-4BB0-F648-99CD-E4163C3E41B5}"/>
+              </a:ext>
+            </a:extLst>
+          </p:cNvPr>
+          <p:cNvCxnSpPr>
+            <a:cxnSpLocks/>
+          </p:cNvCxnSpPr>
+          <p:nvPr/>
+        </p:nvCxnSpPr>
+        <p:spPr>
+          <a:xfrm>
+            <a:off x="8993093" y="1091769"/>
+            <a:ext cx="0" cy="910025"/>
+          </a:xfrm>
+          <a:prstGeom prst="line">
+            <a:avLst/>
+          </a:prstGeom>
+        </p:spPr>
+        <p:style>
+          <a:lnRef idx="2">
+            <a:schemeClr val="accent1"/>
+          </a:lnRef>
+          <a:fillRef idx="0">
+            <a:schemeClr val="accent1"/>
+          </a:fillRef>
+          <a:effectRef idx="1">
+            <a:schemeClr val="accent1"/>
+          </a:effectRef>
+          <a:fontRef idx="minor">
+            <a:schemeClr val="tx1"/>
+          </a:fontRef>
+        </p:style>
+      </p:cxnSp>
+    </p:spTree>
+    <p:extLst>
+      <p:ext uri="{BB962C8B-B14F-4D97-AF65-F5344CB8AC3E}">
+        <p14:creationId xmlns:p14="http://schemas.microsoft.com/office/powerpoint/2010/main" val="3850546843"/>
+      </p:ext>
+    </p:extLst>
+  </p:cSld>
+  <p:clrMapOvr>
+    <a:masterClrMapping/>
+  </p:clrMapOvr>
+</p:sld>
+</file>
+
+<file path=ppt/slides/slide5.xml><?xml version="1.0" encoding="utf-8"?>
+<p:sld xmlns:a="http://schemas.openxmlformats.org/drawingml/2006/main" xmlns:r="http://schemas.openxmlformats.org/officeDocument/2006/relationships" xmlns:p="http://schemas.openxmlformats.org/presentationml/2006/main">
+  <p:cSld>
+    <p:spTree>
+      <p:nvGrpSpPr>
+        <p:cNvPr id="1" name=""/>
+        <p:cNvGrpSpPr/>
+        <p:nvPr/>
+      </p:nvGrpSpPr>
+      <p:grpSpPr>
+        <a:xfrm>
+          <a:off x="0" y="0"/>
+          <a:ext cx="0" cy="0"/>
+          <a:chOff x="0" y="0"/>
+          <a:chExt cx="0" cy="0"/>
+        </a:xfrm>
+      </p:grpSpPr>
+      <p:sp>
+        <p:nvSpPr>
           <p:cNvPr id="3" name="Slide Number Placeholder 2">
             <a:extLst>
               <a:ext uri="{FF2B5EF4-FFF2-40B4-BE49-F238E27FC236}">
@@ -12139,7 +14027,7 @@
           <a:p>
             <a:fld id="{A13833A1-46C9-FB45-812F-A8AC7B5136EB}" type="slidenum">
               <a:rPr lang="en-US" smtClean="0"/>
-              <a:t>4</a:t>
+              <a:t>5</a:t>
             </a:fld>
             <a:endParaRPr lang="en-US"/>
           </a:p>
@@ -13992,384 +15880,6 @@
 </p:sld>
 </file>
 
-<file path=ppt/slides/slide5.xml><?xml version="1.0" encoding="utf-8"?>
-<p:sld xmlns:a="http://schemas.openxmlformats.org/drawingml/2006/main" xmlns:r="http://schemas.openxmlformats.org/officeDocument/2006/relationships" xmlns:p="http://schemas.openxmlformats.org/presentationml/2006/main">
-  <p:cSld>
-    <p:spTree>
-      <p:nvGrpSpPr>
-        <p:cNvPr id="1" name=""/>
-        <p:cNvGrpSpPr/>
-        <p:nvPr/>
-      </p:nvGrpSpPr>
-      <p:grpSpPr>
-        <a:xfrm>
-          <a:off x="0" y="0"/>
-          <a:ext cx="0" cy="0"/>
-          <a:chOff x="0" y="0"/>
-          <a:chExt cx="0" cy="0"/>
-        </a:xfrm>
-      </p:grpSpPr>
-      <p:sp>
-        <p:nvSpPr>
-          <p:cNvPr id="3" name="Text Placeholder 2">
-            <a:extLst>
-              <a:ext uri="{FF2B5EF4-FFF2-40B4-BE49-F238E27FC236}">
-                <a16:creationId xmlns:a16="http://schemas.microsoft.com/office/drawing/2014/main" id="{C7652C82-BE66-4418-8AD5-980274E47728}"/>
-              </a:ext>
-            </a:extLst>
-          </p:cNvPr>
-          <p:cNvSpPr>
-            <a:spLocks noGrp="1"/>
-          </p:cNvSpPr>
-          <p:nvPr>
-            <p:ph type="body" sz="quarter" idx="13"/>
-          </p:nvPr>
-        </p:nvSpPr>
-        <p:spPr>
-          <a:xfrm>
-            <a:off x="1162050" y="315280"/>
-            <a:ext cx="10039350" cy="647700"/>
-          </a:xfrm>
-        </p:spPr>
-        <p:txBody>
-          <a:bodyPr>
-            <a:noAutofit/>
-          </a:bodyPr>
-          <a:lstStyle/>
-          <a:p>
-            <a:pPr>
-              <a:spcAft>
-                <a:spcPts val="1800"/>
-              </a:spcAft>
-            </a:pPr>
-            <a:r>
-              <a:rPr lang="en-US" sz="3800" b="1" dirty="0"/>
-              <a:t>Recap</a:t>
-            </a:r>
-          </a:p>
-        </p:txBody>
-      </p:sp>
-      <p:sp>
-        <p:nvSpPr>
-          <p:cNvPr id="10" name="Rectangle 9">
-            <a:extLst>
-              <a:ext uri="{FF2B5EF4-FFF2-40B4-BE49-F238E27FC236}">
-                <a16:creationId xmlns:a16="http://schemas.microsoft.com/office/drawing/2014/main" id="{2640D9DE-ACA1-40C5-9770-2BD1B3232BBF}"/>
-              </a:ext>
-            </a:extLst>
-          </p:cNvPr>
-          <p:cNvSpPr/>
-          <p:nvPr/>
-        </p:nvSpPr>
-        <p:spPr>
-          <a:xfrm>
-            <a:off x="639041" y="1237222"/>
-            <a:ext cx="11200658" cy="4154984"/>
-          </a:xfrm>
-          <a:prstGeom prst="rect">
-            <a:avLst/>
-          </a:prstGeom>
-        </p:spPr>
-        <p:txBody>
-          <a:bodyPr wrap="square">
-            <a:spAutoFit/>
-          </a:bodyPr>
-          <a:lstStyle/>
-          <a:p>
-            <a:r>
-              <a:rPr lang="en-US" sz="2400" dirty="0">
-                <a:latin typeface="Karla" pitchFamily="2" charset="0"/>
-              </a:rPr>
-              <a:t>We talked about pros/cons of </a:t>
-            </a:r>
-          </a:p>
-          <a:p>
-            <a:endParaRPr lang="en-US" sz="2400" dirty="0">
-              <a:latin typeface="Karla" pitchFamily="2" charset="0"/>
-            </a:endParaRPr>
-          </a:p>
-          <a:p>
-            <a:r>
-              <a:rPr lang="en-US" sz="2400" b="1" dirty="0">
-                <a:latin typeface="Karla" pitchFamily="2" charset="0"/>
-              </a:rPr>
-              <a:t>	</a:t>
-            </a:r>
-            <a:r>
-              <a:rPr lang="en-US" sz="2400" b="1" u="sng" dirty="0">
-                <a:solidFill>
-                  <a:schemeClr val="tx1">
-                    <a:lumMod val="75000"/>
-                    <a:lumOff val="25000"/>
-                  </a:schemeClr>
-                </a:solidFill>
-                <a:latin typeface="Karla" pitchFamily="2" charset="0"/>
-              </a:rPr>
-              <a:t>environments</a:t>
-            </a:r>
-            <a:r>
-              <a:rPr lang="en-US" sz="2400" b="1" dirty="0">
-                <a:solidFill>
-                  <a:schemeClr val="tx2">
-                    <a:lumMod val="60000"/>
-                    <a:lumOff val="40000"/>
-                  </a:schemeClr>
-                </a:solidFill>
-                <a:latin typeface="Karla" pitchFamily="2" charset="0"/>
-              </a:rPr>
-              <a:t>:</a:t>
-            </a:r>
-          </a:p>
-          <a:p>
-            <a:r>
-              <a:rPr lang="en-US" sz="2400" b="1" dirty="0">
-                <a:latin typeface="Karla" pitchFamily="2" charset="0"/>
-              </a:rPr>
-              <a:t>		</a:t>
-            </a:r>
-            <a:r>
-              <a:rPr lang="en-US" sz="2400" dirty="0">
-                <a:solidFill>
-                  <a:schemeClr val="tx2">
-                    <a:lumMod val="60000"/>
-                    <a:lumOff val="40000"/>
-                  </a:schemeClr>
-                </a:solidFill>
-                <a:latin typeface="Karla" pitchFamily="2" charset="0"/>
-              </a:rPr>
-              <a:t>remove</a:t>
-            </a:r>
-            <a:r>
-              <a:rPr lang="en-US" sz="2400" dirty="0">
-                <a:latin typeface="Karla" pitchFamily="2" charset="0"/>
-              </a:rPr>
-              <a:t> complexity but does </a:t>
-            </a:r>
-            <a:r>
-              <a:rPr lang="en-US" sz="2400" dirty="0">
-                <a:solidFill>
-                  <a:schemeClr val="tx2">
-                    <a:lumMod val="60000"/>
-                    <a:lumOff val="40000"/>
-                  </a:schemeClr>
-                </a:solidFill>
-                <a:latin typeface="Karla" pitchFamily="2" charset="0"/>
-              </a:rPr>
-              <a:t>not isolate </a:t>
-            </a:r>
-            <a:r>
-              <a:rPr lang="en-US" sz="2400" dirty="0">
-                <a:latin typeface="Karla" pitchFamily="2" charset="0"/>
-              </a:rPr>
-              <a:t>from OS </a:t>
-            </a:r>
-          </a:p>
-          <a:p>
-            <a:endParaRPr lang="en-US" sz="2400" b="1" dirty="0">
-              <a:latin typeface="Karla" pitchFamily="2" charset="0"/>
-            </a:endParaRPr>
-          </a:p>
-          <a:p>
-            <a:r>
-              <a:rPr lang="en-US" sz="2400" b="1" dirty="0">
-                <a:latin typeface="Karla" pitchFamily="2" charset="0"/>
-              </a:rPr>
-              <a:t>	</a:t>
-            </a:r>
-            <a:r>
-              <a:rPr lang="en-US" sz="2400" b="1" u="sng" dirty="0">
-                <a:solidFill>
-                  <a:schemeClr val="tx1">
-                    <a:lumMod val="75000"/>
-                    <a:lumOff val="25000"/>
-                  </a:schemeClr>
-                </a:solidFill>
-                <a:latin typeface="Karla" pitchFamily="2" charset="0"/>
-              </a:rPr>
-              <a:t>virtual machines:</a:t>
-            </a:r>
-          </a:p>
-          <a:p>
-            <a:r>
-              <a:rPr lang="en-US" sz="2400" b="1" dirty="0">
-                <a:latin typeface="Karla" pitchFamily="2" charset="0"/>
-              </a:rPr>
-              <a:t>		</a:t>
-            </a:r>
-            <a:r>
-              <a:rPr lang="en-US" sz="2400" dirty="0">
-                <a:solidFill>
-                  <a:schemeClr val="tx2">
-                    <a:lumMod val="60000"/>
-                    <a:lumOff val="40000"/>
-                  </a:schemeClr>
-                </a:solidFill>
-                <a:latin typeface="Karla" pitchFamily="2" charset="0"/>
-              </a:rPr>
-              <a:t>isolate</a:t>
-            </a:r>
-            <a:r>
-              <a:rPr lang="en-US" sz="2400" dirty="0">
-                <a:latin typeface="Karla" pitchFamily="2" charset="0"/>
-              </a:rPr>
-              <a:t> OS guest from host but </a:t>
-            </a:r>
-            <a:r>
-              <a:rPr lang="en-US" sz="2400" dirty="0">
-                <a:solidFill>
-                  <a:schemeClr val="tx2">
-                    <a:lumMod val="60000"/>
-                    <a:lumOff val="40000"/>
-                  </a:schemeClr>
-                </a:solidFill>
-                <a:latin typeface="Karla" pitchFamily="2" charset="0"/>
-              </a:rPr>
-              <a:t>intensive</a:t>
-            </a:r>
-            <a:r>
-              <a:rPr lang="en-US" sz="2400" dirty="0">
-                <a:latin typeface="Karla" pitchFamily="2" charset="0"/>
-              </a:rPr>
-              <a:t> use of the hardware </a:t>
-            </a:r>
-          </a:p>
-          <a:p>
-            <a:endParaRPr lang="en-US" sz="2400" b="1" dirty="0">
-              <a:latin typeface="Karla" pitchFamily="2" charset="0"/>
-            </a:endParaRPr>
-          </a:p>
-          <a:p>
-            <a:r>
-              <a:rPr lang="en-US" sz="2400" b="1" dirty="0">
-                <a:latin typeface="Karla" pitchFamily="2" charset="0"/>
-              </a:rPr>
-              <a:t>	</a:t>
-            </a:r>
-            <a:r>
-              <a:rPr lang="en-US" sz="2400" b="1" dirty="0">
-                <a:solidFill>
-                  <a:schemeClr val="tx1">
-                    <a:lumMod val="75000"/>
-                    <a:lumOff val="25000"/>
-                  </a:schemeClr>
-                </a:solidFill>
-                <a:latin typeface="Karla" pitchFamily="2" charset="0"/>
-              </a:rPr>
-              <a:t>containers</a:t>
-            </a:r>
-          </a:p>
-          <a:p>
-            <a:r>
-              <a:rPr lang="en-US" sz="2400" b="1" dirty="0">
-                <a:solidFill>
-                  <a:schemeClr val="tx1">
-                    <a:lumMod val="75000"/>
-                    <a:lumOff val="25000"/>
-                  </a:schemeClr>
-                </a:solidFill>
-                <a:latin typeface="Karla" pitchFamily="2" charset="0"/>
-              </a:rPr>
-              <a:t>		</a:t>
-            </a:r>
-            <a:r>
-              <a:rPr lang="en-US" sz="2400" b="1" dirty="0">
-                <a:solidFill>
-                  <a:schemeClr val="tx2">
-                    <a:lumMod val="60000"/>
-                    <a:lumOff val="40000"/>
-                  </a:schemeClr>
-                </a:solidFill>
-                <a:latin typeface="Karla" pitchFamily="2" charset="0"/>
-              </a:rPr>
-              <a:t>l</a:t>
-            </a:r>
-            <a:r>
-              <a:rPr lang="en-US" sz="2400" dirty="0">
-                <a:solidFill>
-                  <a:schemeClr val="tx2">
-                    <a:lumMod val="60000"/>
-                    <a:lumOff val="40000"/>
-                  </a:schemeClr>
-                </a:solidFill>
-                <a:latin typeface="Karla" pitchFamily="2" charset="0"/>
-              </a:rPr>
-              <a:t>ightweight</a:t>
-            </a:r>
-            <a:r>
-              <a:rPr lang="en-US" sz="2400" dirty="0">
-                <a:latin typeface="Karla" pitchFamily="2" charset="0"/>
-              </a:rPr>
-              <a:t> but issue with </a:t>
-            </a:r>
-            <a:r>
-              <a:rPr lang="en-US" sz="2400" dirty="0">
-                <a:solidFill>
-                  <a:schemeClr val="tx2">
-                    <a:lumMod val="60000"/>
-                    <a:lumOff val="40000"/>
-                  </a:schemeClr>
-                </a:solidFill>
-                <a:latin typeface="Karla" pitchFamily="2" charset="0"/>
-              </a:rPr>
-              <a:t>security</a:t>
-            </a:r>
-            <a:r>
-              <a:rPr lang="en-US" sz="2400" dirty="0">
-                <a:latin typeface="Karla" pitchFamily="2" charset="0"/>
-              </a:rPr>
-              <a:t>, </a:t>
-            </a:r>
-            <a:r>
-              <a:rPr lang="en-US" sz="2400" dirty="0">
-                <a:solidFill>
-                  <a:schemeClr val="tx2">
-                    <a:lumMod val="60000"/>
-                    <a:lumOff val="40000"/>
-                  </a:schemeClr>
-                </a:solidFill>
-                <a:latin typeface="Karla" pitchFamily="2" charset="0"/>
-              </a:rPr>
-              <a:t>scalability</a:t>
-            </a:r>
-            <a:r>
-              <a:rPr lang="en-US" sz="2400" dirty="0">
-                <a:latin typeface="Karla" pitchFamily="2" charset="0"/>
-              </a:rPr>
-              <a:t>, and </a:t>
-            </a:r>
-            <a:r>
-              <a:rPr lang="en-US" sz="2400" dirty="0">
-                <a:solidFill>
-                  <a:schemeClr val="tx2">
-                    <a:lumMod val="60000"/>
-                    <a:lumOff val="40000"/>
-                  </a:schemeClr>
-                </a:solidFill>
-                <a:latin typeface="Karla" pitchFamily="2" charset="0"/>
-              </a:rPr>
-              <a:t>control</a:t>
-            </a:r>
-          </a:p>
-          <a:p>
-            <a:endParaRPr lang="en-US" sz="2400" dirty="0">
-              <a:latin typeface="Karla" pitchFamily="2" charset="0"/>
-            </a:endParaRPr>
-          </a:p>
-        </p:txBody>
-      </p:sp>
-    </p:spTree>
-    <p:extLst>
-      <p:ext uri="{BB962C8B-B14F-4D97-AF65-F5344CB8AC3E}">
-        <p14:creationId xmlns:p14="http://schemas.microsoft.com/office/powerpoint/2010/main" val="1261888756"/>
-      </p:ext>
-    </p:extLst>
-  </p:cSld>
-  <p:clrMapOvr>
-    <a:masterClrMapping/>
-  </p:clrMapOvr>
-</p:sld>
-</file>
-
 <file path=ppt/slides/slide6.xml><?xml version="1.0" encoding="utf-8"?>
 <p:sld xmlns:a="http://schemas.openxmlformats.org/drawingml/2006/main" xmlns:r="http://schemas.openxmlformats.org/officeDocument/2006/relationships" xmlns:p="http://schemas.openxmlformats.org/presentationml/2006/main">
   <p:cSld>
@@ -14442,7 +15952,7 @@
         <p:spPr>
           <a:xfrm>
             <a:off x="639041" y="1237222"/>
-            <a:ext cx="11200658" cy="3416320"/>
+            <a:ext cx="11200658" cy="4154984"/>
           </a:xfrm>
           <a:prstGeom prst="rect">
             <a:avLst/>
@@ -14458,60 +15968,10 @@
               <a:rPr lang="en-US" sz="2400" dirty="0">
                 <a:latin typeface="Karla" pitchFamily="2" charset="0"/>
               </a:rPr>
-              <a:t>Goal: </a:t>
-            </a:r>
-          </a:p>
-          <a:p>
-            <a:r>
-              <a:rPr lang="en-US" sz="2400" b="1" dirty="0">
-                <a:latin typeface="Karla" pitchFamily="2" charset="0"/>
-              </a:rPr>
-              <a:t>	find effective ways to deploy our apps </a:t>
-            </a:r>
-          </a:p>
-          <a:p>
-            <a:r>
-              <a:rPr lang="en-US" sz="2400" b="1" dirty="0">
-                <a:latin typeface="Karla" pitchFamily="2" charset="0"/>
-              </a:rPr>
-              <a:t>	</a:t>
-            </a:r>
-            <a:r>
-              <a:rPr lang="en-US" sz="2400" dirty="0">
-                <a:latin typeface="Karla" pitchFamily="2" charset="0"/>
-              </a:rPr>
-              <a:t>and to </a:t>
-            </a:r>
-            <a:r>
-              <a:rPr lang="en-US" sz="2400" b="1" dirty="0">
-                <a:latin typeface="Karla" pitchFamily="2" charset="0"/>
-              </a:rPr>
-              <a:t>break down a complex application </a:t>
-            </a:r>
-            <a:r>
-              <a:rPr lang="en-US" sz="2400" dirty="0">
-                <a:latin typeface="Karla" pitchFamily="2" charset="0"/>
-              </a:rPr>
-              <a:t>into smaller ones (</a:t>
-            </a:r>
-            <a:r>
-              <a:rPr lang="en-US" sz="2400" i="1" dirty="0">
-                <a:latin typeface="Karla" pitchFamily="2" charset="0"/>
-              </a:rPr>
-              <a:t>i.e. microservices</a:t>
-            </a:r>
-            <a:r>
-              <a:rPr lang="en-US" sz="2400" dirty="0">
-                <a:latin typeface="Karla" pitchFamily="2" charset="0"/>
-              </a:rPr>
-              <a:t>)</a:t>
-            </a:r>
-          </a:p>
-          <a:p>
-            <a:pPr marL="342900" indent="-342900">
-              <a:buFont typeface="Arial" panose="020B0604020202020204" pitchFamily="34" charset="0"/>
-              <a:buChar char="•"/>
-            </a:pPr>
+              <a:t>We talked about pros/cons of </a:t>
+            </a:r>
+          </a:p>
+          <a:p>
             <a:endParaRPr lang="en-US" sz="2400" dirty="0">
               <a:latin typeface="Karla" pitchFamily="2" charset="0"/>
             </a:endParaRPr>
@@ -14521,51 +15981,265 @@
               <a:rPr lang="en-US" sz="2400" b="1" dirty="0">
                 <a:latin typeface="Karla" pitchFamily="2" charset="0"/>
               </a:rPr>
-              <a:t>Issues we have fixed so far</a:t>
+              <a:t>	</a:t>
+            </a:r>
+            <a:r>
+              <a:rPr lang="en-US" sz="2400" b="1" u="sng" dirty="0">
+                <a:solidFill>
+                  <a:schemeClr val="tx1">
+                    <a:lumMod val="75000"/>
+                    <a:lumOff val="25000"/>
+                  </a:schemeClr>
+                </a:solidFill>
+                <a:latin typeface="Karla" pitchFamily="2" charset="0"/>
+              </a:rPr>
+              <a:t>environments</a:t>
+            </a:r>
+            <a:r>
+              <a:rPr lang="en-US" sz="2400" b="1" dirty="0">
+                <a:solidFill>
+                  <a:schemeClr val="tx2">
+                    <a:lumMod val="60000"/>
+                    <a:lumOff val="40000"/>
+                  </a:schemeClr>
+                </a:solidFill>
+                <a:latin typeface="Karla" pitchFamily="2" charset="0"/>
+              </a:rPr>
+              <a:t>:</a:t>
+            </a:r>
+          </a:p>
+          <a:p>
+            <a:r>
+              <a:rPr lang="en-US" sz="2400" b="1" dirty="0">
+                <a:latin typeface="Karla" pitchFamily="2" charset="0"/>
+              </a:rPr>
+              <a:t>		</a:t>
+            </a:r>
+            <a:r>
+              <a:rPr lang="en-US" sz="2400" dirty="0">
+                <a:solidFill>
+                  <a:schemeClr val="tx2">
+                    <a:lumMod val="60000"/>
+                    <a:lumOff val="40000"/>
+                  </a:schemeClr>
+                </a:solidFill>
+                <a:latin typeface="Karla" pitchFamily="2" charset="0"/>
+              </a:rPr>
+              <a:t>remove</a:t>
             </a:r>
             <a:r>
               <a:rPr lang="en-US" sz="2400" dirty="0">
                 <a:latin typeface="Karla" pitchFamily="2" charset="0"/>
               </a:rPr>
-              <a:t>:</a:t>
-            </a:r>
-          </a:p>
-          <a:p>
-            <a:pPr marL="800100" lvl="1" indent="-342900">
-              <a:buFont typeface="Arial" panose="020B0604020202020204" pitchFamily="34" charset="0"/>
-              <a:buChar char="•"/>
-            </a:pPr>
+              <a:t> complexity but does </a:t>
+            </a:r>
+            <a:r>
+              <a:rPr lang="en-US" sz="2400" dirty="0">
+                <a:solidFill>
+                  <a:schemeClr val="tx2">
+                    <a:lumMod val="60000"/>
+                    <a:lumOff val="40000"/>
+                  </a:schemeClr>
+                </a:solidFill>
+                <a:latin typeface="Karla" pitchFamily="2" charset="0"/>
+              </a:rPr>
+              <a:t>not isolate </a:t>
+            </a:r>
             <a:r>
               <a:rPr lang="en-US" sz="2400" dirty="0">
                 <a:latin typeface="Karla" pitchFamily="2" charset="0"/>
               </a:rPr>
-              <a:t>Conflicting of different operating system</a:t>
-            </a:r>
-          </a:p>
-          <a:p>
-            <a:pPr marL="800100" lvl="1" indent="-342900">
-              <a:buFont typeface="Arial" panose="020B0604020202020204" pitchFamily="34" charset="0"/>
-              <a:buChar char="•"/>
-            </a:pPr>
+              <a:t>from OS </a:t>
+            </a:r>
+          </a:p>
+          <a:p>
+            <a:endParaRPr lang="en-US" sz="2400" b="1" dirty="0">
+              <a:latin typeface="Karla" pitchFamily="2" charset="0"/>
+            </a:endParaRPr>
+          </a:p>
+          <a:p>
+            <a:r>
+              <a:rPr lang="en-US" sz="2400" b="1" dirty="0">
+                <a:latin typeface="Karla" pitchFamily="2" charset="0"/>
+              </a:rPr>
+              <a:t>	</a:t>
+            </a:r>
+            <a:r>
+              <a:rPr lang="en-US" sz="2400" b="1" u="sng" dirty="0">
+                <a:solidFill>
+                  <a:schemeClr val="tx1">
+                    <a:lumMod val="75000"/>
+                    <a:lumOff val="25000"/>
+                  </a:schemeClr>
+                </a:solidFill>
+                <a:latin typeface="Karla" pitchFamily="2" charset="0"/>
+              </a:rPr>
+              <a:t>virtual machines:</a:t>
+            </a:r>
+          </a:p>
+          <a:p>
+            <a:r>
+              <a:rPr lang="en-US" sz="2400" b="1" dirty="0">
+                <a:latin typeface="Karla" pitchFamily="2" charset="0"/>
+              </a:rPr>
+              <a:t>		</a:t>
+            </a:r>
+            <a:r>
+              <a:rPr lang="en-US" sz="2400" dirty="0">
+                <a:solidFill>
+                  <a:schemeClr val="tx2">
+                    <a:lumMod val="60000"/>
+                    <a:lumOff val="40000"/>
+                  </a:schemeClr>
+                </a:solidFill>
+                <a:latin typeface="Karla" pitchFamily="2" charset="0"/>
+              </a:rPr>
+              <a:t>isolate</a:t>
+            </a:r>
             <a:r>
               <a:rPr lang="en-US" sz="2400" dirty="0">
                 <a:latin typeface="Karla" pitchFamily="2" charset="0"/>
               </a:rPr>
-              <a:t>different dependencies</a:t>
-            </a:r>
-          </a:p>
-          <a:p>
-            <a:pPr marL="800100" lvl="1" indent="-342900">
-              <a:buFont typeface="Arial" panose="020B0604020202020204" pitchFamily="34" charset="0"/>
-              <a:buChar char="•"/>
-            </a:pPr>
+              <a:t> OS guest from host but </a:t>
+            </a:r>
+            <a:r>
+              <a:rPr lang="en-US" sz="2400" dirty="0">
+                <a:solidFill>
+                  <a:schemeClr val="tx2">
+                    <a:lumMod val="60000"/>
+                    <a:lumOff val="40000"/>
+                  </a:schemeClr>
+                </a:solidFill>
+                <a:latin typeface="Karla" pitchFamily="2" charset="0"/>
+              </a:rPr>
+              <a:t>intensive</a:t>
+            </a:r>
             <a:r>
               <a:rPr lang="en-US" sz="2400" dirty="0">
                 <a:latin typeface="Karla" pitchFamily="2" charset="0"/>
               </a:rPr>
-              <a:t>"inexplicable" strange behavior </a:t>
-            </a:r>
-            <a:endParaRPr lang="en-US" sz="2000" dirty="0">
+              <a:t> use of the hardware </a:t>
+            </a:r>
+          </a:p>
+          <a:p>
+            <a:endParaRPr lang="en-US" sz="2400" b="1" dirty="0">
+              <a:latin typeface="Karla" pitchFamily="2" charset="0"/>
+            </a:endParaRPr>
+          </a:p>
+          <a:p>
+            <a:r>
+              <a:rPr lang="en-US" sz="2400" b="1" dirty="0">
+                <a:latin typeface="Karla" pitchFamily="2" charset="0"/>
+              </a:rPr>
+              <a:t>	</a:t>
+            </a:r>
+            <a:r>
+              <a:rPr lang="en-US" sz="2400" b="1" dirty="0">
+                <a:solidFill>
+                  <a:schemeClr val="tx1">
+                    <a:lumMod val="75000"/>
+                    <a:lumOff val="25000"/>
+                  </a:schemeClr>
+                </a:solidFill>
+                <a:latin typeface="Karla" pitchFamily="2" charset="0"/>
+              </a:rPr>
+              <a:t>containers</a:t>
+            </a:r>
+          </a:p>
+          <a:p>
+            <a:r>
+              <a:rPr lang="en-US" sz="2400" b="1" dirty="0">
+                <a:solidFill>
+                  <a:schemeClr val="tx1">
+                    <a:lumMod val="75000"/>
+                    <a:lumOff val="25000"/>
+                  </a:schemeClr>
+                </a:solidFill>
+                <a:latin typeface="Karla" pitchFamily="2" charset="0"/>
+              </a:rPr>
+              <a:t>		</a:t>
+            </a:r>
+            <a:r>
+              <a:rPr lang="en-US" sz="2400" b="1" dirty="0">
+                <a:solidFill>
+                  <a:schemeClr val="tx2">
+                    <a:lumMod val="60000"/>
+                    <a:lumOff val="40000"/>
+                  </a:schemeClr>
+                </a:solidFill>
+                <a:latin typeface="Karla" pitchFamily="2" charset="0"/>
+              </a:rPr>
+              <a:t>l</a:t>
+            </a:r>
+            <a:r>
+              <a:rPr lang="en-US" sz="2400" dirty="0">
+                <a:solidFill>
+                  <a:schemeClr val="tx2">
+                    <a:lumMod val="60000"/>
+                    <a:lumOff val="40000"/>
+                  </a:schemeClr>
+                </a:solidFill>
+                <a:latin typeface="Karla" pitchFamily="2" charset="0"/>
+              </a:rPr>
+              <a:t>ightweight</a:t>
+            </a:r>
+            <a:r>
+              <a:rPr lang="en-US" sz="2400" dirty="0">
+                <a:latin typeface="Karla" pitchFamily="2" charset="0"/>
+              </a:rPr>
+              <a:t> but issue with </a:t>
+            </a:r>
+            <a:r>
+              <a:rPr lang="en-US" sz="2400" dirty="0">
+                <a:solidFill>
+                  <a:schemeClr val="tx2">
+                    <a:lumMod val="60000"/>
+                    <a:lumOff val="40000"/>
+                  </a:schemeClr>
+                </a:solidFill>
+                <a:latin typeface="Karla" pitchFamily="2" charset="0"/>
+              </a:rPr>
+              <a:t>security</a:t>
+            </a:r>
+            <a:r>
+              <a:rPr lang="en-US" sz="2400" dirty="0">
+                <a:latin typeface="Karla" pitchFamily="2" charset="0"/>
+              </a:rPr>
+              <a:t>, </a:t>
+            </a:r>
+            <a:r>
+              <a:rPr lang="en-US" sz="2400" dirty="0">
+                <a:solidFill>
+                  <a:schemeClr val="tx2">
+                    <a:lumMod val="60000"/>
+                    <a:lumOff val="40000"/>
+                  </a:schemeClr>
+                </a:solidFill>
+                <a:latin typeface="Karla" pitchFamily="2" charset="0"/>
+              </a:rPr>
+              <a:t>scalability</a:t>
+            </a:r>
+            <a:r>
+              <a:rPr lang="en-US" sz="2400" dirty="0">
+                <a:latin typeface="Karla" pitchFamily="2" charset="0"/>
+              </a:rPr>
+              <a:t>, and </a:t>
+            </a:r>
+            <a:r>
+              <a:rPr lang="en-US" sz="2400" dirty="0">
+                <a:solidFill>
+                  <a:schemeClr val="tx2">
+                    <a:lumMod val="60000"/>
+                    <a:lumOff val="40000"/>
+                  </a:schemeClr>
+                </a:solidFill>
+                <a:latin typeface="Karla" pitchFamily="2" charset="0"/>
+              </a:rPr>
+              <a:t>control</a:t>
+            </a:r>
+          </a:p>
+          <a:p>
+            <a:endParaRPr lang="en-US" sz="2400" dirty="0">
               <a:latin typeface="Karla" pitchFamily="2" charset="0"/>
             </a:endParaRPr>
           </a:p>
@@ -14574,7 +16248,7 @@
     </p:spTree>
     <p:extLst>
       <p:ext uri="{BB962C8B-B14F-4D97-AF65-F5344CB8AC3E}">
-        <p14:creationId xmlns:p14="http://schemas.microsoft.com/office/powerpoint/2010/main" val="2484498934"/>
+        <p14:creationId xmlns:p14="http://schemas.microsoft.com/office/powerpoint/2010/main" val="1261888756"/>
       </p:ext>
     </p:extLst>
   </p:cSld>
@@ -14606,6 +16280,220 @@
           <p:cNvPr id="3" name="Text Placeholder 2">
             <a:extLst>
               <a:ext uri="{FF2B5EF4-FFF2-40B4-BE49-F238E27FC236}">
+                <a16:creationId xmlns:a16="http://schemas.microsoft.com/office/drawing/2014/main" id="{C7652C82-BE66-4418-8AD5-980274E47728}"/>
+              </a:ext>
+            </a:extLst>
+          </p:cNvPr>
+          <p:cNvSpPr>
+            <a:spLocks noGrp="1"/>
+          </p:cNvSpPr>
+          <p:nvPr>
+            <p:ph type="body" sz="quarter" idx="13"/>
+          </p:nvPr>
+        </p:nvSpPr>
+        <p:spPr>
+          <a:xfrm>
+            <a:off x="1162050" y="315280"/>
+            <a:ext cx="10039350" cy="647700"/>
+          </a:xfrm>
+        </p:spPr>
+        <p:txBody>
+          <a:bodyPr>
+            <a:noAutofit/>
+          </a:bodyPr>
+          <a:lstStyle/>
+          <a:p>
+            <a:pPr>
+              <a:spcAft>
+                <a:spcPts val="1800"/>
+              </a:spcAft>
+            </a:pPr>
+            <a:r>
+              <a:rPr lang="en-US" sz="3800" b="1" dirty="0"/>
+              <a:t>Recap</a:t>
+            </a:r>
+          </a:p>
+        </p:txBody>
+      </p:sp>
+      <p:sp>
+        <p:nvSpPr>
+          <p:cNvPr id="10" name="Rectangle 9">
+            <a:extLst>
+              <a:ext uri="{FF2B5EF4-FFF2-40B4-BE49-F238E27FC236}">
+                <a16:creationId xmlns:a16="http://schemas.microsoft.com/office/drawing/2014/main" id="{2640D9DE-ACA1-40C5-9770-2BD1B3232BBF}"/>
+              </a:ext>
+            </a:extLst>
+          </p:cNvPr>
+          <p:cNvSpPr/>
+          <p:nvPr/>
+        </p:nvSpPr>
+        <p:spPr>
+          <a:xfrm>
+            <a:off x="639041" y="1237222"/>
+            <a:ext cx="11200658" cy="3416320"/>
+          </a:xfrm>
+          <a:prstGeom prst="rect">
+            <a:avLst/>
+          </a:prstGeom>
+        </p:spPr>
+        <p:txBody>
+          <a:bodyPr wrap="square">
+            <a:spAutoFit/>
+          </a:bodyPr>
+          <a:lstStyle/>
+          <a:p>
+            <a:r>
+              <a:rPr lang="en-US" sz="2400" dirty="0">
+                <a:latin typeface="Karla" pitchFamily="2" charset="0"/>
+              </a:rPr>
+              <a:t>Goal: </a:t>
+            </a:r>
+          </a:p>
+          <a:p>
+            <a:r>
+              <a:rPr lang="en-US" sz="2400" b="1" dirty="0">
+                <a:latin typeface="Karla" pitchFamily="2" charset="0"/>
+              </a:rPr>
+              <a:t>	find effective ways to deploy our apps </a:t>
+            </a:r>
+          </a:p>
+          <a:p>
+            <a:r>
+              <a:rPr lang="en-US" sz="2400" b="1" dirty="0">
+                <a:latin typeface="Karla" pitchFamily="2" charset="0"/>
+              </a:rPr>
+              <a:t>	</a:t>
+            </a:r>
+            <a:r>
+              <a:rPr lang="en-US" sz="2400" dirty="0">
+                <a:latin typeface="Karla" pitchFamily="2" charset="0"/>
+              </a:rPr>
+              <a:t>and to </a:t>
+            </a:r>
+            <a:r>
+              <a:rPr lang="en-US" sz="2400" b="1" dirty="0">
+                <a:latin typeface="Karla" pitchFamily="2" charset="0"/>
+              </a:rPr>
+              <a:t>break down a complex application </a:t>
+            </a:r>
+            <a:r>
+              <a:rPr lang="en-US" sz="2400" dirty="0">
+                <a:latin typeface="Karla" pitchFamily="2" charset="0"/>
+              </a:rPr>
+              <a:t>into smaller ones (</a:t>
+            </a:r>
+            <a:r>
+              <a:rPr lang="en-US" sz="2400" i="1" dirty="0">
+                <a:latin typeface="Karla" pitchFamily="2" charset="0"/>
+              </a:rPr>
+              <a:t>i.e. microservices</a:t>
+            </a:r>
+            <a:r>
+              <a:rPr lang="en-US" sz="2400" dirty="0">
+                <a:latin typeface="Karla" pitchFamily="2" charset="0"/>
+              </a:rPr>
+              <a:t>)</a:t>
+            </a:r>
+          </a:p>
+          <a:p>
+            <a:pPr marL="342900" indent="-342900">
+              <a:buFont typeface="Arial" panose="020B0604020202020204" pitchFamily="34" charset="0"/>
+              <a:buChar char="•"/>
+            </a:pPr>
+            <a:endParaRPr lang="en-US" sz="2400" dirty="0">
+              <a:latin typeface="Karla" pitchFamily="2" charset="0"/>
+            </a:endParaRPr>
+          </a:p>
+          <a:p>
+            <a:r>
+              <a:rPr lang="en-US" sz="2400" b="1" dirty="0">
+                <a:latin typeface="Karla" pitchFamily="2" charset="0"/>
+              </a:rPr>
+              <a:t>Issues we have fixed so far</a:t>
+            </a:r>
+            <a:r>
+              <a:rPr lang="en-US" sz="2400" dirty="0">
+                <a:latin typeface="Karla" pitchFamily="2" charset="0"/>
+              </a:rPr>
+              <a:t>:</a:t>
+            </a:r>
+          </a:p>
+          <a:p>
+            <a:pPr marL="800100" lvl="1" indent="-342900">
+              <a:buFont typeface="Arial" panose="020B0604020202020204" pitchFamily="34" charset="0"/>
+              <a:buChar char="•"/>
+            </a:pPr>
+            <a:r>
+              <a:rPr lang="en-US" sz="2400" dirty="0">
+                <a:latin typeface="Karla" pitchFamily="2" charset="0"/>
+              </a:rPr>
+              <a:t>Conflicting of different operating system</a:t>
+            </a:r>
+          </a:p>
+          <a:p>
+            <a:pPr marL="800100" lvl="1" indent="-342900">
+              <a:buFont typeface="Arial" panose="020B0604020202020204" pitchFamily="34" charset="0"/>
+              <a:buChar char="•"/>
+            </a:pPr>
+            <a:r>
+              <a:rPr lang="en-US" sz="2400" dirty="0">
+                <a:latin typeface="Karla" pitchFamily="2" charset="0"/>
+              </a:rPr>
+              <a:t>different dependencies</a:t>
+            </a:r>
+          </a:p>
+          <a:p>
+            <a:pPr marL="800100" lvl="1" indent="-342900">
+              <a:buFont typeface="Arial" panose="020B0604020202020204" pitchFamily="34" charset="0"/>
+              <a:buChar char="•"/>
+            </a:pPr>
+            <a:r>
+              <a:rPr lang="en-US" sz="2400" dirty="0">
+                <a:latin typeface="Karla" pitchFamily="2" charset="0"/>
+              </a:rPr>
+              <a:t>"inexplicable" strange behavior </a:t>
+            </a:r>
+            <a:endParaRPr lang="en-US" sz="2000" dirty="0">
+              <a:latin typeface="Karla" pitchFamily="2" charset="0"/>
+            </a:endParaRPr>
+          </a:p>
+        </p:txBody>
+      </p:sp>
+    </p:spTree>
+    <p:extLst>
+      <p:ext uri="{BB962C8B-B14F-4D97-AF65-F5344CB8AC3E}">
+        <p14:creationId xmlns:p14="http://schemas.microsoft.com/office/powerpoint/2010/main" val="2484498934"/>
+      </p:ext>
+    </p:extLst>
+  </p:cSld>
+  <p:clrMapOvr>
+    <a:masterClrMapping/>
+  </p:clrMapOvr>
+</p:sld>
+</file>
+
+<file path=ppt/slides/slide8.xml><?xml version="1.0" encoding="utf-8"?>
+<p:sld xmlns:a="http://schemas.openxmlformats.org/drawingml/2006/main" xmlns:r="http://schemas.openxmlformats.org/officeDocument/2006/relationships" xmlns:p="http://schemas.openxmlformats.org/presentationml/2006/main">
+  <p:cSld>
+    <p:spTree>
+      <p:nvGrpSpPr>
+        <p:cNvPr id="1" name=""/>
+        <p:cNvGrpSpPr/>
+        <p:nvPr/>
+      </p:nvGrpSpPr>
+      <p:grpSpPr>
+        <a:xfrm>
+          <a:off x="0" y="0"/>
+          <a:ext cx="0" cy="0"/>
+          <a:chOff x="0" y="0"/>
+          <a:chExt cx="0" cy="0"/>
+        </a:xfrm>
+      </p:grpSpPr>
+      <p:sp>
+        <p:nvSpPr>
+          <p:cNvPr id="3" name="Text Placeholder 2">
+            <a:extLst>
+              <a:ext uri="{FF2B5EF4-FFF2-40B4-BE49-F238E27FC236}">
                 <a16:creationId xmlns:a16="http://schemas.microsoft.com/office/drawing/2014/main" id="{6DA12FB9-5FAE-4342-BE2F-559B191D9485}"/>
               </a:ext>
             </a:extLst>
@@ -14664,7 +16552,7 @@
           <a:p>
             <a:fld id="{A13833A1-46C9-FB45-812F-A8AC7B5136EB}" type="slidenum">
               <a:rPr lang="en-US" smtClean="0"/>
-              <a:t>7</a:t>
+              <a:t>8</a:t>
             </a:fld>
             <a:endParaRPr lang="en-US"/>
           </a:p>
@@ -14938,95 +16826,6 @@
 </p:sld>
 </file>
 
-<file path=ppt/slides/slide8.xml><?xml version="1.0" encoding="utf-8"?>
-<p:sld xmlns:a="http://schemas.openxmlformats.org/drawingml/2006/main" xmlns:r="http://schemas.openxmlformats.org/officeDocument/2006/relationships" xmlns:p="http://schemas.openxmlformats.org/presentationml/2006/main">
-  <p:cSld>
-    <p:spTree>
-      <p:nvGrpSpPr>
-        <p:cNvPr id="1" name=""/>
-        <p:cNvGrpSpPr/>
-        <p:nvPr/>
-      </p:nvGrpSpPr>
-      <p:grpSpPr>
-        <a:xfrm>
-          <a:off x="0" y="0"/>
-          <a:ext cx="0" cy="0"/>
-          <a:chOff x="0" y="0"/>
-          <a:chExt cx="0" cy="0"/>
-        </a:xfrm>
-      </p:grpSpPr>
-      <p:sp>
-        <p:nvSpPr>
-          <p:cNvPr id="2" name="Slide Number Placeholder 1">
-            <a:extLst>
-              <a:ext uri="{FF2B5EF4-FFF2-40B4-BE49-F238E27FC236}">
-                <a16:creationId xmlns:a16="http://schemas.microsoft.com/office/drawing/2014/main" id="{C0B2838F-197E-D24A-B814-28DB800AEF2F}"/>
-              </a:ext>
-            </a:extLst>
-          </p:cNvPr>
-          <p:cNvSpPr>
-            <a:spLocks noGrp="1"/>
-          </p:cNvSpPr>
-          <p:nvPr>
-            <p:ph type="sldNum" sz="quarter" idx="12"/>
-          </p:nvPr>
-        </p:nvSpPr>
-        <p:spPr/>
-        <p:txBody>
-          <a:bodyPr/>
-          <a:lstStyle/>
-          <a:p>
-            <a:fld id="{A13833A1-46C9-FB45-812F-A8AC7B5136EB}" type="slidenum">
-              <a:rPr lang="en-US" smtClean="0"/>
-              <a:t>8</a:t>
-            </a:fld>
-            <a:endParaRPr lang="en-US"/>
-          </a:p>
-        </p:txBody>
-      </p:sp>
-      <p:pic>
-        <p:nvPicPr>
-          <p:cNvPr id="4" name="Picture 3" descr="Graphical user interface, application&#10;&#10;Description automatically generated">
-            <a:extLst>
-              <a:ext uri="{FF2B5EF4-FFF2-40B4-BE49-F238E27FC236}">
-                <a16:creationId xmlns:a16="http://schemas.microsoft.com/office/drawing/2014/main" id="{89CF9675-2A00-974D-AFF4-40EF98F89619}"/>
-              </a:ext>
-            </a:extLst>
-          </p:cNvPr>
-          <p:cNvPicPr>
-            <a:picLocks noChangeAspect="1"/>
-          </p:cNvPicPr>
-          <p:nvPr/>
-        </p:nvPicPr>
-        <p:blipFill>
-          <a:blip r:embed="rId2"/>
-          <a:stretch>
-            <a:fillRect/>
-          </a:stretch>
-        </p:blipFill>
-        <p:spPr>
-          <a:xfrm>
-            <a:off x="2032000" y="463550"/>
-            <a:ext cx="8132873" cy="5934456"/>
-          </a:xfrm>
-          <a:prstGeom prst="rect">
-            <a:avLst/>
-          </a:prstGeom>
-        </p:spPr>
-      </p:pic>
-    </p:spTree>
-    <p:extLst>
-      <p:ext uri="{BB962C8B-B14F-4D97-AF65-F5344CB8AC3E}">
-        <p14:creationId xmlns:p14="http://schemas.microsoft.com/office/powerpoint/2010/main" val="2653072986"/>
-      </p:ext>
-    </p:extLst>
-  </p:cSld>
-  <p:clrMapOvr>
-    <a:masterClrMapping/>
-  </p:clrMapOvr>
-</p:sld>
-</file>
-
 <file path=ppt/slides/slide9.xml><?xml version="1.0" encoding="utf-8"?>
 <p:sld xmlns:a="http://schemas.openxmlformats.org/drawingml/2006/main" xmlns:r="http://schemas.openxmlformats.org/officeDocument/2006/relationships" xmlns:p="http://schemas.openxmlformats.org/presentationml/2006/main">
   <p:cSld>
@@ -15044,12 +16843,41 @@
           <a:chExt cx="0" cy="0"/>
         </a:xfrm>
       </p:grpSpPr>
+      <p:sp>
+        <p:nvSpPr>
+          <p:cNvPr id="2" name="Slide Number Placeholder 1">
+            <a:extLst>
+              <a:ext uri="{FF2B5EF4-FFF2-40B4-BE49-F238E27FC236}">
+                <a16:creationId xmlns:a16="http://schemas.microsoft.com/office/drawing/2014/main" id="{C0B2838F-197E-D24A-B814-28DB800AEF2F}"/>
+              </a:ext>
+            </a:extLst>
+          </p:cNvPr>
+          <p:cNvSpPr>
+            <a:spLocks noGrp="1"/>
+          </p:cNvSpPr>
+          <p:nvPr>
+            <p:ph type="sldNum" sz="quarter" idx="12"/>
+          </p:nvPr>
+        </p:nvSpPr>
+        <p:spPr/>
+        <p:txBody>
+          <a:bodyPr/>
+          <a:lstStyle/>
+          <a:p>
+            <a:fld id="{A13833A1-46C9-FB45-812F-A8AC7B5136EB}" type="slidenum">
+              <a:rPr lang="en-US" smtClean="0"/>
+              <a:t>9</a:t>
+            </a:fld>
+            <a:endParaRPr lang="en-US"/>
+          </a:p>
+        </p:txBody>
+      </p:sp>
       <p:pic>
         <p:nvPicPr>
-          <p:cNvPr id="4" name="Picture 3" descr="A close up of a logo&#10;&#10;Description automatically generated">
+          <p:cNvPr id="10" name="Picture 9" descr="Graphical user interface, text, application, chat or text message&#10;&#10;Description automatically generated">
             <a:extLst>
               <a:ext uri="{FF2B5EF4-FFF2-40B4-BE49-F238E27FC236}">
-                <a16:creationId xmlns:a16="http://schemas.microsoft.com/office/drawing/2014/main" id="{39EC4DA4-C5C0-4F06-8992-FE59D4905CC4}"/>
+                <a16:creationId xmlns:a16="http://schemas.microsoft.com/office/drawing/2014/main" id="{AB44A3D4-1412-AD41-B793-6B615CC37BC2}"/>
               </a:ext>
             </a:extLst>
           </p:cNvPr>
@@ -15059,245 +16887,25 @@
           <p:nvPr/>
         </p:nvPicPr>
         <p:blipFill>
-          <a:blip r:embed="rId2">
-            <a:extLst>
-              <a:ext uri="{BEBA8EAE-BF5A-486C-A8C5-ECC9F3942E4B}">
-                <a14:imgProps xmlns:a14="http://schemas.microsoft.com/office/drawing/2010/main">
-                  <a14:imgLayer r:embed="rId3">
-                    <a14:imgEffect>
-                      <a14:backgroundRemoval t="2425" b="91045" l="9877" r="89815">
-                        <a14:foregroundMark x1="40586" y1="35634" x2="40586" y2="35634"/>
-                        <a14:foregroundMark x1="41667" y1="19776" x2="24074" y2="37127"/>
-                        <a14:foregroundMark x1="24074" y1="37127" x2="21451" y2="68470"/>
-                        <a14:foregroundMark x1="21451" y1="68470" x2="38889" y2="91231"/>
-                        <a14:foregroundMark x1="38889" y1="91231" x2="61574" y2="89552"/>
-                        <a14:foregroundMark x1="61574" y1="89552" x2="79167" y2="71455"/>
-                        <a14:foregroundMark x1="79167" y1="71455" x2="86728" y2="41231"/>
-                        <a14:foregroundMark x1="86728" y1="41231" x2="66975" y2="20336"/>
-                        <a14:foregroundMark x1="66975" y1="20336" x2="41975" y2="19216"/>
-                        <a14:foregroundMark x1="41975" y1="19216" x2="40586" y2="22388"/>
-                        <a14:foregroundMark x1="51389" y1="26679" x2="47377" y2="53731"/>
-                        <a14:foregroundMark x1="47377" y1="53731" x2="66512" y2="36194"/>
-                        <a14:foregroundMark x1="66512" y1="36194" x2="48611" y2="23881"/>
-                        <a14:foregroundMark x1="41667" y1="26679" x2="33333" y2="57276"/>
-                        <a14:foregroundMark x1="33333" y1="57276" x2="50309" y2="77425"/>
-                        <a14:foregroundMark x1="50309" y1="77425" x2="54630" y2="38246"/>
-                        <a14:foregroundMark x1="54630" y1="38246" x2="38272" y2="29291"/>
-                        <a14:foregroundMark x1="63426" y1="33582" x2="46296" y2="54104"/>
-                        <a14:foregroundMark x1="46296" y1="54104" x2="53549" y2="79664"/>
-                        <a14:foregroundMark x1="53549" y1="79664" x2="76389" y2="68097"/>
-                        <a14:foregroundMark x1="76389" y1="68097" x2="79167" y2="40485"/>
-                        <a14:foregroundMark x1="79167" y1="40485" x2="52469" y2="34515"/>
-                        <a14:foregroundMark x1="52469" y1="34515" x2="50772" y2="36940"/>
-                        <a14:foregroundMark x1="71296" y1="38993" x2="53395" y2="55224"/>
-                        <a14:foregroundMark x1="53395" y1="55224" x2="55401" y2="81716"/>
-                        <a14:foregroundMark x1="55401" y1="81716" x2="77006" y2="69590"/>
-                        <a14:foregroundMark x1="77006" y1="69590" x2="77006" y2="39366"/>
-                        <a14:foregroundMark x1="77006" y1="39366" x2="66204" y2="38246"/>
-                        <a14:foregroundMark x1="66204" y1="40485" x2="52160" y2="62687"/>
-                        <a14:foregroundMark x1="52160" y1="62687" x2="65432" y2="86567"/>
-                        <a14:foregroundMark x1="65432" y1="86567" x2="81019" y2="64739"/>
-                        <a14:foregroundMark x1="81019" y1="64739" x2="75154" y2="34515"/>
-                        <a14:foregroundMark x1="75154" y1="34515" x2="65586" y2="33582"/>
-                        <a14:foregroundMark x1="67901" y1="41045" x2="53086" y2="63060"/>
-                        <a14:foregroundMark x1="53086" y1="63060" x2="75617" y2="70149"/>
-                        <a14:foregroundMark x1="75617" y1="70149" x2="74846" y2="43284"/>
-                        <a14:foregroundMark x1="74846" y1="43284" x2="66821" y2="38993"/>
-                        <a14:foregroundMark x1="66821" y1="45149" x2="59259" y2="71082"/>
-                        <a14:foregroundMark x1="59259" y1="71082" x2="75154" y2="49627"/>
-                        <a14:foregroundMark x1="75154" y1="49627" x2="58796" y2="48694"/>
-                        <a14:foregroundMark x1="28549" y1="30784" x2="25772" y2="57836"/>
-                        <a14:foregroundMark x1="25772" y1="57836" x2="43673" y2="37500"/>
-                        <a14:foregroundMark x1="43673" y1="37500" x2="24537" y2="35634"/>
-                        <a14:foregroundMark x1="33179" y1="40485" x2="17130" y2="59888"/>
-                        <a14:foregroundMark x1="17130" y1="59888" x2="30864" y2="81903"/>
-                        <a14:foregroundMark x1="30864" y1="81903" x2="52623" y2="71455"/>
-                        <a14:foregroundMark x1="52623" y1="71455" x2="51698" y2="38060"/>
-                        <a14:foregroundMark x1="51698" y1="38060" x2="28395" y2="43657"/>
-                        <a14:foregroundMark x1="28395" y1="43657" x2="27469" y2="44590"/>
-                        <a14:foregroundMark x1="34877" y1="42537" x2="22377" y2="65299"/>
-                        <a14:foregroundMark x1="22377" y1="65299" x2="46296" y2="79104"/>
-                        <a14:foregroundMark x1="46296" y1="79104" x2="55247" y2="52612"/>
-                        <a14:foregroundMark x1="55247" y1="52612" x2="33642" y2="41978"/>
-                        <a14:foregroundMark x1="33642" y1="41978" x2="29784" y2="46642"/>
-                        <a14:foregroundMark x1="30247" y1="54104" x2="27469" y2="80970"/>
-                        <a14:foregroundMark x1="27469" y1="80970" x2="53241" y2="72015"/>
-                        <a14:foregroundMark x1="53241" y1="72015" x2="48148" y2="42724"/>
-                        <a14:foregroundMark x1="48148" y1="42724" x2="25926" y2="51119"/>
-                        <a14:foregroundMark x1="25926" y1="51119" x2="25772" y2="52799"/>
-                        <a14:foregroundMark x1="34259" y1="52799" x2="23457" y2="77425"/>
-                        <a14:foregroundMark x1="23457" y1="77425" x2="47531" y2="81903"/>
-                        <a14:foregroundMark x1="47531" y1="81903" x2="48611" y2="54104"/>
-                        <a14:foregroundMark x1="48611" y1="54104" x2="29167" y2="54851"/>
-                        <a14:foregroundMark x1="29167" y1="56343" x2="38889" y2="81157"/>
-                        <a14:foregroundMark x1="38889" y1="81157" x2="25309" y2="59515"/>
-                        <a14:foregroundMark x1="25309" y1="59515" x2="24537" y2="60448"/>
-                        <a14:foregroundMark x1="58179" y1="14925" x2="57099" y2="10821"/>
-                        <a14:foregroundMark x1="56019" y1="2425" x2="54784" y2="3918"/>
-                        <a14:foregroundMark x1="83951" y1="29291" x2="86574" y2="57836"/>
-                        <a14:foregroundMark x1="86574" y1="57836" x2="84877" y2="30784"/>
-                        <a14:foregroundMark x1="84877" y1="30784" x2="81019" y2="32836"/>
-                      </a14:backgroundRemoval>
-                    </a14:imgEffect>
-                  </a14:imgLayer>
-                </a14:imgProps>
-              </a:ext>
-              <a:ext uri="{28A0092B-C50C-407E-A947-70E740481C1C}">
-                <a14:useLocalDpi xmlns:a14="http://schemas.microsoft.com/office/drawing/2010/main" val="0"/>
-              </a:ext>
-            </a:extLst>
-          </a:blip>
+          <a:blip r:embed="rId2"/>
           <a:stretch>
             <a:fillRect/>
           </a:stretch>
         </p:blipFill>
         <p:spPr>
           <a:xfrm>
-            <a:off x="5002926" y="1116959"/>
-            <a:ext cx="2167097" cy="1792538"/>
+            <a:off x="2876281" y="0"/>
+            <a:ext cx="6439437" cy="6858000"/>
           </a:xfrm>
           <a:prstGeom prst="rect">
             <a:avLst/>
           </a:prstGeom>
         </p:spPr>
       </p:pic>
-      <p:sp>
-        <p:nvSpPr>
-          <p:cNvPr id="3" name="Text Placeholder 2">
-            <a:extLst>
-              <a:ext uri="{FF2B5EF4-FFF2-40B4-BE49-F238E27FC236}">
-                <a16:creationId xmlns:a16="http://schemas.microsoft.com/office/drawing/2014/main" id="{C7652C82-BE66-4418-8AD5-980274E47728}"/>
-              </a:ext>
-            </a:extLst>
-          </p:cNvPr>
-          <p:cNvSpPr>
-            <a:spLocks noGrp="1"/>
-          </p:cNvSpPr>
-          <p:nvPr>
-            <p:ph type="body" sz="quarter" idx="13"/>
-          </p:nvPr>
-        </p:nvSpPr>
-        <p:spPr>
-          <a:xfrm>
-            <a:off x="1162050" y="315280"/>
-            <a:ext cx="10039350" cy="647700"/>
-          </a:xfrm>
-        </p:spPr>
-        <p:txBody>
-          <a:bodyPr>
-            <a:noAutofit/>
-          </a:bodyPr>
-          <a:lstStyle/>
-          <a:p>
-            <a:pPr>
-              <a:spcAft>
-                <a:spcPts val="1800"/>
-              </a:spcAft>
-            </a:pPr>
-            <a:r>
-              <a:rPr lang="en-US" sz="3800" b="1" dirty="0"/>
-              <a:t>Introduction to Kubernetes &lt;K8s&gt;</a:t>
-            </a:r>
-          </a:p>
-        </p:txBody>
-      </p:sp>
-      <p:sp>
-        <p:nvSpPr>
-          <p:cNvPr id="10" name="Rectangle 9">
-            <a:extLst>
-              <a:ext uri="{FF2B5EF4-FFF2-40B4-BE49-F238E27FC236}">
-                <a16:creationId xmlns:a16="http://schemas.microsoft.com/office/drawing/2014/main" id="{2640D9DE-ACA1-40C5-9770-2BD1B3232BBF}"/>
-              </a:ext>
-            </a:extLst>
-          </p:cNvPr>
-          <p:cNvSpPr/>
-          <p:nvPr/>
-        </p:nvSpPr>
-        <p:spPr>
-          <a:xfrm>
-            <a:off x="1398494" y="2510847"/>
-            <a:ext cx="9612406" cy="4031873"/>
-          </a:xfrm>
-          <a:prstGeom prst="rect">
-            <a:avLst/>
-          </a:prstGeom>
-        </p:spPr>
-        <p:txBody>
-          <a:bodyPr wrap="square">
-            <a:spAutoFit/>
-          </a:bodyPr>
-          <a:lstStyle/>
-          <a:p>
-            <a:r>
-              <a:rPr lang="en-US" sz="2400" dirty="0">
-                <a:latin typeface="Karla" pitchFamily="2" charset="0"/>
-              </a:rPr>
-              <a:t>K8s manages containers</a:t>
-            </a:r>
-          </a:p>
-          <a:p>
-            <a:endParaRPr lang="en-US" sz="2400" dirty="0">
-              <a:latin typeface="Karla" pitchFamily="2" charset="0"/>
-            </a:endParaRPr>
-          </a:p>
-          <a:p>
-            <a:r>
-              <a:rPr lang="en-US" sz="2400" dirty="0">
-                <a:latin typeface="Karla" pitchFamily="2" charset="0"/>
-              </a:rPr>
-              <a:t>K8s is an open-source platform for container management developed by Google and introduced in 2014.  It has become the standard API for building cloud-native applications, present in nearly every public cloud.</a:t>
-            </a:r>
-          </a:p>
-          <a:p>
-            <a:endParaRPr lang="en-US" sz="2400" dirty="0">
-              <a:latin typeface="Karla" pitchFamily="2" charset="0"/>
-            </a:endParaRPr>
-          </a:p>
-          <a:p>
-            <a:r>
-              <a:rPr lang="en-US" sz="2400" dirty="0">
-                <a:latin typeface="Karla" pitchFamily="2" charset="0"/>
-              </a:rPr>
-              <a:t>K8s users define rules for how container management should occur, and then K8s handles the rest!</a:t>
-            </a:r>
-          </a:p>
-          <a:p>
-            <a:pPr algn="r"/>
-            <a:endParaRPr lang="en-US" sz="2000" dirty="0">
-              <a:latin typeface="Karla" pitchFamily="2" charset="0"/>
-            </a:endParaRPr>
-          </a:p>
-          <a:p>
-            <a:pPr algn="r"/>
-            <a:r>
-              <a:rPr lang="en-US" sz="2000" dirty="0">
-                <a:latin typeface="Karla" pitchFamily="2" charset="0"/>
-              </a:rPr>
-              <a:t>&gt; </a:t>
-            </a:r>
-            <a:r>
-              <a:rPr lang="en-US" sz="2000" dirty="0">
-                <a:latin typeface="Karla" pitchFamily="2" charset="0"/>
-                <a:hlinkClick r:id="rId4"/>
-              </a:rPr>
-              <a:t>link to website</a:t>
-            </a:r>
-            <a:r>
-              <a:rPr lang="en-US" sz="2000" dirty="0">
-                <a:latin typeface="Karla" pitchFamily="2" charset="0"/>
-              </a:rPr>
-              <a:t> &lt;</a:t>
-            </a:r>
-            <a:endParaRPr lang="en-US" dirty="0">
-              <a:latin typeface="Karla" pitchFamily="2" charset="0"/>
-            </a:endParaRPr>
-          </a:p>
-        </p:txBody>
-      </p:sp>
     </p:spTree>
     <p:extLst>
       <p:ext uri="{BB962C8B-B14F-4D97-AF65-F5344CB8AC3E}">
-        <p14:creationId xmlns:p14="http://schemas.microsoft.com/office/powerpoint/2010/main" val="1340100358"/>
+        <p14:creationId xmlns:p14="http://schemas.microsoft.com/office/powerpoint/2010/main" val="2653072986"/>
       </p:ext>
     </p:extLst>
   </p:cSld>

--- a/Day 4/ComputeFest2021_Deployment.pptx
+++ b/Day 4/ComputeFest2021_Deployment.pptx
@@ -6,7 +6,7 @@
     <p:sldMasterId id="2147483879" r:id="rId2"/>
   </p:sldMasterIdLst>
   <p:notesMasterIdLst>
-    <p:notesMasterId r:id="rId25"/>
+    <p:notesMasterId r:id="rId26"/>
   </p:notesMasterIdLst>
   <p:sldIdLst>
     <p:sldId id="256" r:id="rId3"/>
@@ -16,21 +16,22 @@
     <p:sldId id="289" r:id="rId7"/>
     <p:sldId id="328" r:id="rId8"/>
     <p:sldId id="902" r:id="rId9"/>
-    <p:sldId id="903" r:id="rId10"/>
-    <p:sldId id="904" r:id="rId11"/>
-    <p:sldId id="907" r:id="rId12"/>
-    <p:sldId id="908" r:id="rId13"/>
-    <p:sldId id="906" r:id="rId14"/>
-    <p:sldId id="299" r:id="rId15"/>
-    <p:sldId id="344" r:id="rId16"/>
-    <p:sldId id="356" r:id="rId17"/>
-    <p:sldId id="363" r:id="rId18"/>
-    <p:sldId id="362" r:id="rId19"/>
-    <p:sldId id="365" r:id="rId20"/>
-    <p:sldId id="366" r:id="rId21"/>
-    <p:sldId id="371" r:id="rId22"/>
-    <p:sldId id="346" r:id="rId23"/>
-    <p:sldId id="905" r:id="rId24"/>
+    <p:sldId id="910" r:id="rId10"/>
+    <p:sldId id="911" r:id="rId11"/>
+    <p:sldId id="904" r:id="rId12"/>
+    <p:sldId id="907" r:id="rId13"/>
+    <p:sldId id="908" r:id="rId14"/>
+    <p:sldId id="906" r:id="rId15"/>
+    <p:sldId id="299" r:id="rId16"/>
+    <p:sldId id="344" r:id="rId17"/>
+    <p:sldId id="356" r:id="rId18"/>
+    <p:sldId id="363" r:id="rId19"/>
+    <p:sldId id="362" r:id="rId20"/>
+    <p:sldId id="365" r:id="rId21"/>
+    <p:sldId id="366" r:id="rId22"/>
+    <p:sldId id="371" r:id="rId23"/>
+    <p:sldId id="346" r:id="rId24"/>
+    <p:sldId id="905" r:id="rId25"/>
   </p:sldIdLst>
   <p:sldSz cx="12192000" cy="6858000"/>
   <p:notesSz cx="6858000" cy="9144000"/>
@@ -745,7 +746,7 @@
     </p:spTree>
     <p:extLst>
       <p:ext uri="{BB962C8B-B14F-4D97-AF65-F5344CB8AC3E}">
-        <p14:creationId xmlns:p14="http://schemas.microsoft.com/office/powerpoint/2010/main" val="3004183967"/>
+        <p14:creationId xmlns:p14="http://schemas.microsoft.com/office/powerpoint/2010/main" val="1269563496"/>
       </p:ext>
     </p:extLst>
   </p:cSld>
@@ -932,7 +933,7 @@
           <a:p>
             <a:fld id="{F320EF01-42B1-6243-84B4-3AEE3B87B250}" type="slidenum">
               <a:rPr lang="en-US" smtClean="0"/>
-              <a:t>16</a:t>
+              <a:t>17</a:t>
             </a:fld>
             <a:endParaRPr lang="en-US"/>
           </a:p>
@@ -1113,7 +1114,7 @@
           <a:p>
             <a:fld id="{F320EF01-42B1-6243-84B4-3AEE3B87B250}" type="slidenum">
               <a:rPr lang="en-US" smtClean="0"/>
-              <a:t>19</a:t>
+              <a:t>20</a:t>
             </a:fld>
             <a:endParaRPr lang="en-US"/>
           </a:p>
@@ -9284,7 +9285,7 @@
           <a:p>
             <a:r>
               <a:rPr lang="en-US" sz="3600" dirty="0"/>
-              <a:t>Day 4: Deployment: Front-end, Kubernetes and AWS</a:t>
+              <a:t>Day 4: Deployment: Front-End, Kubernetes and AWS</a:t>
             </a:r>
           </a:p>
         </p:txBody>
@@ -9350,10 +9351,10 @@
       </p:sp>
       <p:pic>
         <p:nvPicPr>
-          <p:cNvPr id="6" name="Picture 5" descr="A screenshot of a dog&#10;&#10;Description automatically generated with low confidence">
+          <p:cNvPr id="10" name="Picture 9" descr="Graphical user interface, text, application, chat or text message&#10;&#10;Description automatically generated">
             <a:extLst>
               <a:ext uri="{FF2B5EF4-FFF2-40B4-BE49-F238E27FC236}">
-                <a16:creationId xmlns:a16="http://schemas.microsoft.com/office/drawing/2014/main" id="{11D681CA-4876-1F41-A9DB-9E6B28606C42}"/>
+                <a16:creationId xmlns:a16="http://schemas.microsoft.com/office/drawing/2014/main" id="{AB44A3D4-1412-AD41-B793-6B615CC37BC2}"/>
               </a:ext>
             </a:extLst>
           </p:cNvPr>
@@ -9370,8 +9371,8 @@
         </p:blipFill>
         <p:spPr>
           <a:xfrm>
-            <a:off x="3695700" y="0"/>
-            <a:ext cx="4800600" cy="6858000"/>
+            <a:off x="2876281" y="0"/>
+            <a:ext cx="6439437" cy="6858000"/>
           </a:xfrm>
           <a:prstGeom prst="rect">
             <a:avLst/>
@@ -9381,7 +9382,7 @@
     </p:spTree>
     <p:extLst>
       <p:ext uri="{BB962C8B-B14F-4D97-AF65-F5344CB8AC3E}">
-        <p14:creationId xmlns:p14="http://schemas.microsoft.com/office/powerpoint/2010/main" val="2546444363"/>
+        <p14:creationId xmlns:p14="http://schemas.microsoft.com/office/powerpoint/2010/main" val="2653072986"/>
       </p:ext>
     </p:extLst>
   </p:cSld>
@@ -9439,10 +9440,10 @@
       </p:sp>
       <p:pic>
         <p:nvPicPr>
-          <p:cNvPr id="4" name="Picture 3" descr="Graphical user interface, application&#10;&#10;Description automatically generated">
+          <p:cNvPr id="6" name="Picture 5" descr="A screenshot of a dog&#10;&#10;Description automatically generated with low confidence">
             <a:extLst>
               <a:ext uri="{FF2B5EF4-FFF2-40B4-BE49-F238E27FC236}">
-                <a16:creationId xmlns:a16="http://schemas.microsoft.com/office/drawing/2014/main" id="{101B4BCB-EAD3-A94D-9C4D-9C0B84B3D863}"/>
+                <a16:creationId xmlns:a16="http://schemas.microsoft.com/office/drawing/2014/main" id="{11D681CA-4876-1F41-A9DB-9E6B28606C42}"/>
               </a:ext>
             </a:extLst>
           </p:cNvPr>
@@ -9459,8 +9460,8 @@
         </p:blipFill>
         <p:spPr>
           <a:xfrm>
-            <a:off x="3462528" y="0"/>
-            <a:ext cx="5266944" cy="6858000"/>
+            <a:off x="3695700" y="0"/>
+            <a:ext cx="4800600" cy="6858000"/>
           </a:xfrm>
           <a:prstGeom prst="rect">
             <a:avLst/>
@@ -9470,7 +9471,7 @@
     </p:spTree>
     <p:extLst>
       <p:ext uri="{BB962C8B-B14F-4D97-AF65-F5344CB8AC3E}">
-        <p14:creationId xmlns:p14="http://schemas.microsoft.com/office/powerpoint/2010/main" val="2200068719"/>
+        <p14:creationId xmlns:p14="http://schemas.microsoft.com/office/powerpoint/2010/main" val="2546444363"/>
       </p:ext>
     </p:extLst>
   </p:cSld>
@@ -9531,6 +9532,95 @@
           <p:cNvPr id="4" name="Picture 3" descr="Graphical user interface, application&#10;&#10;Description automatically generated">
             <a:extLst>
               <a:ext uri="{FF2B5EF4-FFF2-40B4-BE49-F238E27FC236}">
+                <a16:creationId xmlns:a16="http://schemas.microsoft.com/office/drawing/2014/main" id="{101B4BCB-EAD3-A94D-9C4D-9C0B84B3D863}"/>
+              </a:ext>
+            </a:extLst>
+          </p:cNvPr>
+          <p:cNvPicPr>
+            <a:picLocks noChangeAspect="1"/>
+          </p:cNvPicPr>
+          <p:nvPr/>
+        </p:nvPicPr>
+        <p:blipFill>
+          <a:blip r:embed="rId2"/>
+          <a:stretch>
+            <a:fillRect/>
+          </a:stretch>
+        </p:blipFill>
+        <p:spPr>
+          <a:xfrm>
+            <a:off x="3462528" y="0"/>
+            <a:ext cx="5266944" cy="6858000"/>
+          </a:xfrm>
+          <a:prstGeom prst="rect">
+            <a:avLst/>
+          </a:prstGeom>
+        </p:spPr>
+      </p:pic>
+    </p:spTree>
+    <p:extLst>
+      <p:ext uri="{BB962C8B-B14F-4D97-AF65-F5344CB8AC3E}">
+        <p14:creationId xmlns:p14="http://schemas.microsoft.com/office/powerpoint/2010/main" val="2200068719"/>
+      </p:ext>
+    </p:extLst>
+  </p:cSld>
+  <p:clrMapOvr>
+    <a:masterClrMapping/>
+  </p:clrMapOvr>
+</p:sld>
+</file>
+
+<file path=ppt/slides/slide13.xml><?xml version="1.0" encoding="utf-8"?>
+<p:sld xmlns:a="http://schemas.openxmlformats.org/drawingml/2006/main" xmlns:r="http://schemas.openxmlformats.org/officeDocument/2006/relationships" xmlns:p="http://schemas.openxmlformats.org/presentationml/2006/main">
+  <p:cSld>
+    <p:spTree>
+      <p:nvGrpSpPr>
+        <p:cNvPr id="1" name=""/>
+        <p:cNvGrpSpPr/>
+        <p:nvPr/>
+      </p:nvGrpSpPr>
+      <p:grpSpPr>
+        <a:xfrm>
+          <a:off x="0" y="0"/>
+          <a:ext cx="0" cy="0"/>
+          <a:chOff x="0" y="0"/>
+          <a:chExt cx="0" cy="0"/>
+        </a:xfrm>
+      </p:grpSpPr>
+      <p:sp>
+        <p:nvSpPr>
+          <p:cNvPr id="2" name="Slide Number Placeholder 1">
+            <a:extLst>
+              <a:ext uri="{FF2B5EF4-FFF2-40B4-BE49-F238E27FC236}">
+                <a16:creationId xmlns:a16="http://schemas.microsoft.com/office/drawing/2014/main" id="{C0B2838F-197E-D24A-B814-28DB800AEF2F}"/>
+              </a:ext>
+            </a:extLst>
+          </p:cNvPr>
+          <p:cNvSpPr>
+            <a:spLocks noGrp="1"/>
+          </p:cNvSpPr>
+          <p:nvPr>
+            <p:ph type="sldNum" sz="quarter" idx="12"/>
+          </p:nvPr>
+        </p:nvSpPr>
+        <p:spPr/>
+        <p:txBody>
+          <a:bodyPr/>
+          <a:lstStyle/>
+          <a:p>
+            <a:fld id="{A13833A1-46C9-FB45-812F-A8AC7B5136EB}" type="slidenum">
+              <a:rPr lang="en-US" smtClean="0"/>
+              <a:t>13</a:t>
+            </a:fld>
+            <a:endParaRPr lang="en-US"/>
+          </a:p>
+        </p:txBody>
+      </p:sp>
+      <p:pic>
+        <p:nvPicPr>
+          <p:cNvPr id="4" name="Picture 3" descr="Graphical user interface, application&#10;&#10;Description automatically generated">
+            <a:extLst>
+              <a:ext uri="{FF2B5EF4-FFF2-40B4-BE49-F238E27FC236}">
                 <a16:creationId xmlns:a16="http://schemas.microsoft.com/office/drawing/2014/main" id="{89CF9675-2A00-974D-AFF4-40EF98F89619}"/>
               </a:ext>
             </a:extLst>
@@ -9569,7 +9659,7 @@
 </p:sld>
 </file>
 
-<file path=ppt/slides/slide13.xml><?xml version="1.0" encoding="utf-8"?>
+<file path=ppt/slides/slide14.xml><?xml version="1.0" encoding="utf-8"?>
 <p:sld xmlns:a="http://schemas.openxmlformats.org/drawingml/2006/main" xmlns:r="http://schemas.openxmlformats.org/officeDocument/2006/relationships" xmlns:p="http://schemas.openxmlformats.org/presentationml/2006/main">
   <p:cSld>
     <p:spTree>
@@ -9849,7 +9939,7 @@
 </p:sld>
 </file>
 
-<file path=ppt/slides/slide14.xml><?xml version="1.0" encoding="utf-8"?>
+<file path=ppt/slides/slide15.xml><?xml version="1.0" encoding="utf-8"?>
 <p:sld xmlns:a="http://schemas.openxmlformats.org/drawingml/2006/main" xmlns:r="http://schemas.openxmlformats.org/officeDocument/2006/relationships" xmlns:p="http://schemas.openxmlformats.org/presentationml/2006/main">
   <p:cSld>
     <p:spTree>
@@ -9993,7 +10083,7 @@
 </p:sld>
 </file>
 
-<file path=ppt/slides/slide15.xml><?xml version="1.0" encoding="utf-8"?>
+<file path=ppt/slides/slide16.xml><?xml version="1.0" encoding="utf-8"?>
 <p:sld xmlns:a="http://schemas.openxmlformats.org/drawingml/2006/main" xmlns:r="http://schemas.openxmlformats.org/officeDocument/2006/relationships" xmlns:p="http://schemas.openxmlformats.org/presentationml/2006/main">
   <p:cSld>
     <p:spTree>
@@ -10107,7 +10197,7 @@
 </p:sld>
 </file>
 
-<file path=ppt/slides/slide16.xml><?xml version="1.0" encoding="utf-8"?>
+<file path=ppt/slides/slide17.xml><?xml version="1.0" encoding="utf-8"?>
 <p:sld xmlns:a="http://schemas.openxmlformats.org/drawingml/2006/main" xmlns:r="http://schemas.openxmlformats.org/officeDocument/2006/relationships" xmlns:p="http://schemas.openxmlformats.org/presentationml/2006/main">
   <p:cSld>
     <p:spTree>
@@ -10270,7 +10360,7 @@
 </p:sld>
 </file>
 
-<file path=ppt/slides/slide17.xml><?xml version="1.0" encoding="utf-8"?>
+<file path=ppt/slides/slide18.xml><?xml version="1.0" encoding="utf-8"?>
 <p:sld xmlns:a="http://schemas.openxmlformats.org/drawingml/2006/main" xmlns:r="http://schemas.openxmlformats.org/officeDocument/2006/relationships" xmlns:p="http://schemas.openxmlformats.org/presentationml/2006/main">
   <p:cSld>
     <p:spTree>
@@ -10633,7 +10723,7 @@
 </p:sld>
 </file>
 
-<file path=ppt/slides/slide18.xml><?xml version="1.0" encoding="utf-8"?>
+<file path=ppt/slides/slide19.xml><?xml version="1.0" encoding="utf-8"?>
 <p:sld xmlns:a="http://schemas.openxmlformats.org/drawingml/2006/main" xmlns:r="http://schemas.openxmlformats.org/officeDocument/2006/relationships" xmlns:p="http://schemas.openxmlformats.org/presentationml/2006/main">
   <p:cSld>
     <p:spTree>
@@ -10739,201 +10829,6 @@
 </p:sld>
 </file>
 
-<file path=ppt/slides/slide19.xml><?xml version="1.0" encoding="utf-8"?>
-<p:sld xmlns:a="http://schemas.openxmlformats.org/drawingml/2006/main" xmlns:r="http://schemas.openxmlformats.org/officeDocument/2006/relationships" xmlns:p="http://schemas.openxmlformats.org/presentationml/2006/main">
-  <p:cSld>
-    <p:spTree>
-      <p:nvGrpSpPr>
-        <p:cNvPr id="1" name=""/>
-        <p:cNvGrpSpPr/>
-        <p:nvPr/>
-      </p:nvGrpSpPr>
-      <p:grpSpPr>
-        <a:xfrm>
-          <a:off x="0" y="0"/>
-          <a:ext cx="0" cy="0"/>
-          <a:chOff x="0" y="0"/>
-          <a:chExt cx="0" cy="0"/>
-        </a:xfrm>
-      </p:grpSpPr>
-      <p:sp>
-        <p:nvSpPr>
-          <p:cNvPr id="3" name="Text Placeholder 2">
-            <a:extLst>
-              <a:ext uri="{FF2B5EF4-FFF2-40B4-BE49-F238E27FC236}">
-                <a16:creationId xmlns:a16="http://schemas.microsoft.com/office/drawing/2014/main" id="{C7652C82-BE66-4418-8AD5-980274E47728}"/>
-              </a:ext>
-            </a:extLst>
-          </p:cNvPr>
-          <p:cNvSpPr>
-            <a:spLocks noGrp="1"/>
-          </p:cNvSpPr>
-          <p:nvPr>
-            <p:ph type="body" sz="quarter" idx="13"/>
-          </p:nvPr>
-        </p:nvSpPr>
-        <p:spPr>
-          <a:xfrm>
-            <a:off x="772812" y="315280"/>
-            <a:ext cx="11027891" cy="647700"/>
-          </a:xfrm>
-        </p:spPr>
-        <p:txBody>
-          <a:bodyPr>
-            <a:noAutofit/>
-          </a:bodyPr>
-          <a:lstStyle/>
-          <a:p>
-            <a:pPr>
-              <a:spcAft>
-                <a:spcPts val="1800"/>
-              </a:spcAft>
-            </a:pPr>
-            <a:r>
-              <a:rPr lang="en-US" sz="3800" b="1" dirty="0"/>
-              <a:t>Anatomy of Kubernetes Cluster | Worker Nodes</a:t>
-            </a:r>
-          </a:p>
-        </p:txBody>
-      </p:sp>
-      <p:sp>
-        <p:nvSpPr>
-          <p:cNvPr id="7" name="Rectangle 6">
-            <a:extLst>
-              <a:ext uri="{FF2B5EF4-FFF2-40B4-BE49-F238E27FC236}">
-                <a16:creationId xmlns:a16="http://schemas.microsoft.com/office/drawing/2014/main" id="{AB8233D0-0895-4FB1-AB54-08D2E9F5AEA0}"/>
-              </a:ext>
-            </a:extLst>
-          </p:cNvPr>
-          <p:cNvSpPr/>
-          <p:nvPr/>
-        </p:nvSpPr>
-        <p:spPr>
-          <a:xfrm>
-            <a:off x="772812" y="1440379"/>
-            <a:ext cx="11268847" cy="3785652"/>
-          </a:xfrm>
-          <a:prstGeom prst="rect">
-            <a:avLst/>
-          </a:prstGeom>
-        </p:spPr>
-        <p:txBody>
-          <a:bodyPr wrap="square">
-            <a:spAutoFit/>
-          </a:bodyPr>
-          <a:lstStyle/>
-          <a:p>
-            <a:r>
-              <a:rPr lang="en-US" sz="2400" dirty="0">
-                <a:latin typeface="Karla" pitchFamily="2" charset="0"/>
-              </a:rPr>
-              <a:t>A worker node consists of:</a:t>
-            </a:r>
-          </a:p>
-          <a:p>
-            <a:endParaRPr lang="en-US" sz="2400" dirty="0">
-              <a:latin typeface="Karla" pitchFamily="2" charset="0"/>
-            </a:endParaRPr>
-          </a:p>
-          <a:p>
-            <a:pPr marL="457200" indent="-457200">
-              <a:buAutoNum type="arabicParenR"/>
-            </a:pPr>
-            <a:r>
-              <a:rPr lang="en-US" sz="2400" b="1" dirty="0">
-                <a:latin typeface="Karla" pitchFamily="2" charset="0"/>
-              </a:rPr>
-              <a:t>Container runtime </a:t>
-            </a:r>
-            <a:r>
-              <a:rPr lang="en-US" sz="2400" dirty="0">
-                <a:latin typeface="Karla" pitchFamily="2" charset="0"/>
-              </a:rPr>
-              <a:t>that pulls a specified Docker image and deploys it on a worker node</a:t>
-            </a:r>
-          </a:p>
-          <a:p>
-            <a:endParaRPr lang="en-US" sz="2400" dirty="0">
-              <a:latin typeface="Karla" pitchFamily="2" charset="0"/>
-            </a:endParaRPr>
-          </a:p>
-          <a:p>
-            <a:r>
-              <a:rPr lang="en-US" sz="2400" b="1" dirty="0">
-                <a:latin typeface="Karla" pitchFamily="2" charset="0"/>
-              </a:rPr>
-              <a:t>2) </a:t>
-            </a:r>
-            <a:r>
-              <a:rPr lang="en-US" sz="2400" b="1" dirty="0" err="1">
-                <a:latin typeface="Karla" pitchFamily="2" charset="0"/>
-              </a:rPr>
-              <a:t>Kubelet</a:t>
-            </a:r>
-            <a:r>
-              <a:rPr lang="en-US" sz="2400" b="1" dirty="0">
-                <a:latin typeface="Karla" pitchFamily="2" charset="0"/>
-              </a:rPr>
-              <a:t> </a:t>
-            </a:r>
-            <a:r>
-              <a:rPr lang="en-US" sz="2400" dirty="0">
-                <a:latin typeface="Karla" pitchFamily="2" charset="0"/>
-              </a:rPr>
-              <a:t>talks to the API server and manages containers on its node</a:t>
-            </a:r>
-          </a:p>
-          <a:p>
-            <a:endParaRPr lang="en-US" sz="2400" dirty="0">
-              <a:latin typeface="Karla" pitchFamily="2" charset="0"/>
-            </a:endParaRPr>
-          </a:p>
-          <a:p>
-            <a:r>
-              <a:rPr lang="en-US" sz="2400" b="1" dirty="0">
-                <a:latin typeface="Karla" pitchFamily="2" charset="0"/>
-              </a:rPr>
-              <a:t>3) </a:t>
-            </a:r>
-            <a:r>
-              <a:rPr lang="en-US" sz="2400" b="1" dirty="0" err="1">
-                <a:latin typeface="Karla" pitchFamily="2" charset="0"/>
-              </a:rPr>
-              <a:t>Kube</a:t>
-            </a:r>
-            <a:r>
-              <a:rPr lang="en-US" sz="2400" b="1" dirty="0">
-                <a:latin typeface="Karla" pitchFamily="2" charset="0"/>
-              </a:rPr>
-              <a:t>-proxy </a:t>
-            </a:r>
-            <a:r>
-              <a:rPr lang="en-US" sz="2400" dirty="0">
-                <a:latin typeface="Karla" pitchFamily="2" charset="0"/>
-              </a:rPr>
-              <a:t>load-balances network traffic between application components and the outside world</a:t>
-            </a:r>
-          </a:p>
-          <a:p>
-            <a:endParaRPr lang="en-US" sz="2400" dirty="0">
-              <a:latin typeface="Karla" pitchFamily="2" charset="0"/>
-            </a:endParaRPr>
-          </a:p>
-        </p:txBody>
-      </p:sp>
-    </p:spTree>
-    <p:extLst>
-      <p:ext uri="{BB962C8B-B14F-4D97-AF65-F5344CB8AC3E}">
-        <p14:creationId xmlns:p14="http://schemas.microsoft.com/office/powerpoint/2010/main" val="628776617"/>
-      </p:ext>
-    </p:extLst>
-  </p:cSld>
-  <p:clrMapOvr>
-    <a:masterClrMapping/>
-  </p:clrMapOvr>
-</p:sld>
-</file>
-
 <file path=ppt/slides/slide2.xml><?xml version="1.0" encoding="utf-8"?>
 <p:sld xmlns:a="http://schemas.openxmlformats.org/drawingml/2006/main" xmlns:r="http://schemas.openxmlformats.org/officeDocument/2006/relationships" xmlns:p="http://schemas.openxmlformats.org/presentationml/2006/main">
   <p:cSld>
@@ -11659,6 +11554,201 @@
 </file>
 
 <file path=ppt/slides/slide20.xml><?xml version="1.0" encoding="utf-8"?>
+<p:sld xmlns:a="http://schemas.openxmlformats.org/drawingml/2006/main" xmlns:r="http://schemas.openxmlformats.org/officeDocument/2006/relationships" xmlns:p="http://schemas.openxmlformats.org/presentationml/2006/main">
+  <p:cSld>
+    <p:spTree>
+      <p:nvGrpSpPr>
+        <p:cNvPr id="1" name=""/>
+        <p:cNvGrpSpPr/>
+        <p:nvPr/>
+      </p:nvGrpSpPr>
+      <p:grpSpPr>
+        <a:xfrm>
+          <a:off x="0" y="0"/>
+          <a:ext cx="0" cy="0"/>
+          <a:chOff x="0" y="0"/>
+          <a:chExt cx="0" cy="0"/>
+        </a:xfrm>
+      </p:grpSpPr>
+      <p:sp>
+        <p:nvSpPr>
+          <p:cNvPr id="3" name="Text Placeholder 2">
+            <a:extLst>
+              <a:ext uri="{FF2B5EF4-FFF2-40B4-BE49-F238E27FC236}">
+                <a16:creationId xmlns:a16="http://schemas.microsoft.com/office/drawing/2014/main" id="{C7652C82-BE66-4418-8AD5-980274E47728}"/>
+              </a:ext>
+            </a:extLst>
+          </p:cNvPr>
+          <p:cNvSpPr>
+            <a:spLocks noGrp="1"/>
+          </p:cNvSpPr>
+          <p:nvPr>
+            <p:ph type="body" sz="quarter" idx="13"/>
+          </p:nvPr>
+        </p:nvSpPr>
+        <p:spPr>
+          <a:xfrm>
+            <a:off x="772812" y="315280"/>
+            <a:ext cx="11027891" cy="647700"/>
+          </a:xfrm>
+        </p:spPr>
+        <p:txBody>
+          <a:bodyPr>
+            <a:noAutofit/>
+          </a:bodyPr>
+          <a:lstStyle/>
+          <a:p>
+            <a:pPr>
+              <a:spcAft>
+                <a:spcPts val="1800"/>
+              </a:spcAft>
+            </a:pPr>
+            <a:r>
+              <a:rPr lang="en-US" sz="3800" b="1" dirty="0"/>
+              <a:t>Anatomy of Kubernetes Cluster | Worker Nodes</a:t>
+            </a:r>
+          </a:p>
+        </p:txBody>
+      </p:sp>
+      <p:sp>
+        <p:nvSpPr>
+          <p:cNvPr id="7" name="Rectangle 6">
+            <a:extLst>
+              <a:ext uri="{FF2B5EF4-FFF2-40B4-BE49-F238E27FC236}">
+                <a16:creationId xmlns:a16="http://schemas.microsoft.com/office/drawing/2014/main" id="{AB8233D0-0895-4FB1-AB54-08D2E9F5AEA0}"/>
+              </a:ext>
+            </a:extLst>
+          </p:cNvPr>
+          <p:cNvSpPr/>
+          <p:nvPr/>
+        </p:nvSpPr>
+        <p:spPr>
+          <a:xfrm>
+            <a:off x="772812" y="1440379"/>
+            <a:ext cx="11268847" cy="3785652"/>
+          </a:xfrm>
+          <a:prstGeom prst="rect">
+            <a:avLst/>
+          </a:prstGeom>
+        </p:spPr>
+        <p:txBody>
+          <a:bodyPr wrap="square">
+            <a:spAutoFit/>
+          </a:bodyPr>
+          <a:lstStyle/>
+          <a:p>
+            <a:r>
+              <a:rPr lang="en-US" sz="2400" dirty="0">
+                <a:latin typeface="Karla" pitchFamily="2" charset="0"/>
+              </a:rPr>
+              <a:t>A worker node consists of:</a:t>
+            </a:r>
+          </a:p>
+          <a:p>
+            <a:endParaRPr lang="en-US" sz="2400" dirty="0">
+              <a:latin typeface="Karla" pitchFamily="2" charset="0"/>
+            </a:endParaRPr>
+          </a:p>
+          <a:p>
+            <a:pPr marL="457200" indent="-457200">
+              <a:buAutoNum type="arabicParenR"/>
+            </a:pPr>
+            <a:r>
+              <a:rPr lang="en-US" sz="2400" b="1" dirty="0">
+                <a:latin typeface="Karla" pitchFamily="2" charset="0"/>
+              </a:rPr>
+              <a:t>Container runtime </a:t>
+            </a:r>
+            <a:r>
+              <a:rPr lang="en-US" sz="2400" dirty="0">
+                <a:latin typeface="Karla" pitchFamily="2" charset="0"/>
+              </a:rPr>
+              <a:t>that pulls a specified Docker image and deploys it on a worker node</a:t>
+            </a:r>
+          </a:p>
+          <a:p>
+            <a:endParaRPr lang="en-US" sz="2400" dirty="0">
+              <a:latin typeface="Karla" pitchFamily="2" charset="0"/>
+            </a:endParaRPr>
+          </a:p>
+          <a:p>
+            <a:r>
+              <a:rPr lang="en-US" sz="2400" b="1" dirty="0">
+                <a:latin typeface="Karla" pitchFamily="2" charset="0"/>
+              </a:rPr>
+              <a:t>2) </a:t>
+            </a:r>
+            <a:r>
+              <a:rPr lang="en-US" sz="2400" b="1" dirty="0" err="1">
+                <a:latin typeface="Karla" pitchFamily="2" charset="0"/>
+              </a:rPr>
+              <a:t>Kubelet</a:t>
+            </a:r>
+            <a:r>
+              <a:rPr lang="en-US" sz="2400" b="1" dirty="0">
+                <a:latin typeface="Karla" pitchFamily="2" charset="0"/>
+              </a:rPr>
+              <a:t> </a:t>
+            </a:r>
+            <a:r>
+              <a:rPr lang="en-US" sz="2400" dirty="0">
+                <a:latin typeface="Karla" pitchFamily="2" charset="0"/>
+              </a:rPr>
+              <a:t>talks to the API server and manages containers on its node</a:t>
+            </a:r>
+          </a:p>
+          <a:p>
+            <a:endParaRPr lang="en-US" sz="2400" dirty="0">
+              <a:latin typeface="Karla" pitchFamily="2" charset="0"/>
+            </a:endParaRPr>
+          </a:p>
+          <a:p>
+            <a:r>
+              <a:rPr lang="en-US" sz="2400" b="1" dirty="0">
+                <a:latin typeface="Karla" pitchFamily="2" charset="0"/>
+              </a:rPr>
+              <a:t>3) </a:t>
+            </a:r>
+            <a:r>
+              <a:rPr lang="en-US" sz="2400" b="1" dirty="0" err="1">
+                <a:latin typeface="Karla" pitchFamily="2" charset="0"/>
+              </a:rPr>
+              <a:t>Kube</a:t>
+            </a:r>
+            <a:r>
+              <a:rPr lang="en-US" sz="2400" b="1" dirty="0">
+                <a:latin typeface="Karla" pitchFamily="2" charset="0"/>
+              </a:rPr>
+              <a:t>-proxy </a:t>
+            </a:r>
+            <a:r>
+              <a:rPr lang="en-US" sz="2400" dirty="0">
+                <a:latin typeface="Karla" pitchFamily="2" charset="0"/>
+              </a:rPr>
+              <a:t>load-balances network traffic between application components and the outside world</a:t>
+            </a:r>
+          </a:p>
+          <a:p>
+            <a:endParaRPr lang="en-US" sz="2400" dirty="0">
+              <a:latin typeface="Karla" pitchFamily="2" charset="0"/>
+            </a:endParaRPr>
+          </a:p>
+        </p:txBody>
+      </p:sp>
+    </p:spTree>
+    <p:extLst>
+      <p:ext uri="{BB962C8B-B14F-4D97-AF65-F5344CB8AC3E}">
+        <p14:creationId xmlns:p14="http://schemas.microsoft.com/office/powerpoint/2010/main" val="628776617"/>
+      </p:ext>
+    </p:extLst>
+  </p:cSld>
+  <p:clrMapOvr>
+    <a:masterClrMapping/>
+  </p:clrMapOvr>
+</p:sld>
+</file>
+
+<file path=ppt/slides/slide21.xml><?xml version="1.0" encoding="utf-8"?>
 <p:sld xmlns:a="http://schemas.openxmlformats.org/drawingml/2006/main" xmlns:r="http://schemas.openxmlformats.org/officeDocument/2006/relationships" xmlns:p="http://schemas.openxmlformats.org/presentationml/2006/main">
   <p:cSld>
     <p:spTree>
@@ -12323,7 +12413,7 @@
 </p:sld>
 </file>
 
-<file path=ppt/slides/slide21.xml><?xml version="1.0" encoding="utf-8"?>
+<file path=ppt/slides/slide22.xml><?xml version="1.0" encoding="utf-8"?>
 <p:sld xmlns:a="http://schemas.openxmlformats.org/drawingml/2006/main" xmlns:r="http://schemas.openxmlformats.org/officeDocument/2006/relationships" xmlns:p="http://schemas.openxmlformats.org/presentationml/2006/main">
   <p:cSld>
     <p:spTree>
@@ -12730,7 +12820,7 @@
 </p:sld>
 </file>
 
-<file path=ppt/slides/slide22.xml><?xml version="1.0" encoding="utf-8"?>
+<file path=ppt/slides/slide23.xml><?xml version="1.0" encoding="utf-8"?>
 <p:sld xmlns:a="http://schemas.openxmlformats.org/drawingml/2006/main" xmlns:r="http://schemas.openxmlformats.org/officeDocument/2006/relationships" xmlns:p="http://schemas.openxmlformats.org/presentationml/2006/main">
   <p:cSld>
     <p:spTree>
@@ -13232,7 +13322,7 @@
           <a:p>
             <a:fld id="{A13833A1-46C9-FB45-812F-A8AC7B5136EB}" type="slidenum">
               <a:rPr lang="en-US" smtClean="0"/>
-              <a:t>22</a:t>
+              <a:t>23</a:t>
             </a:fld>
             <a:endParaRPr lang="en-US"/>
           </a:p>
@@ -13597,7 +13687,7 @@
             </a:pPr>
             <a:r>
               <a:rPr lang="en-US" sz="2600" dirty="0"/>
-              <a:t>Front End</a:t>
+              <a:t>Local App with Front-End</a:t>
             </a:r>
           </a:p>
           <a:p>
@@ -13609,6 +13699,17 @@
             <a:r>
               <a:rPr lang="en-US" sz="2600" dirty="0"/>
               <a:t>Motivation for Kubernetes</a:t>
+            </a:r>
+          </a:p>
+          <a:p>
+            <a:pPr marL="514350" indent="-514350">
+              <a:buSzPct val="91000"/>
+              <a:buFont typeface="+mj-lt"/>
+              <a:buAutoNum type="arabicPeriod"/>
+            </a:pPr>
+            <a:r>
+              <a:rPr lang="en-US" sz="2600" dirty="0"/>
+              <a:t>Intro to Kubernetes</a:t>
             </a:r>
           </a:p>
         </p:txBody>
@@ -13778,6 +13879,55 @@
                       </p:childTnLst>
                     </p:cTn>
                   </p:par>
+                  <p:par>
+                    <p:cTn id="15" fill="hold">
+                      <p:stCondLst>
+                        <p:cond delay="indefinite"/>
+                      </p:stCondLst>
+                      <p:childTnLst>
+                        <p:par>
+                          <p:cTn id="16" fill="hold">
+                            <p:stCondLst>
+                              <p:cond delay="0"/>
+                            </p:stCondLst>
+                            <p:childTnLst>
+                              <p:par>
+                                <p:cTn id="17" presetID="1" presetClass="entr" presetSubtype="0" fill="hold" nodeType="clickEffect">
+                                  <p:stCondLst>
+                                    <p:cond delay="0"/>
+                                  </p:stCondLst>
+                                  <p:childTnLst>
+                                    <p:set>
+                                      <p:cBhvr>
+                                        <p:cTn id="18" dur="1" fill="hold">
+                                          <p:stCondLst>
+                                            <p:cond delay="0"/>
+                                          </p:stCondLst>
+                                        </p:cTn>
+                                        <p:tgtEl>
+                                          <p:spTgt spid="7">
+                                            <p:txEl>
+                                              <p:pRg st="4" end="4"/>
+                                            </p:txEl>
+                                          </p:spTgt>
+                                        </p:tgtEl>
+                                        <p:attrNameLst>
+                                          <p:attrName>style.visibility</p:attrName>
+                                        </p:attrNameLst>
+                                      </p:cBhvr>
+                                      <p:to>
+                                        <p:strVal val="visible"/>
+                                      </p:to>
+                                    </p:set>
+                                  </p:childTnLst>
+                                </p:cTn>
+                              </p:par>
+                            </p:childTnLst>
+                          </p:cTn>
+                        </p:par>
+                      </p:childTnLst>
+                    </p:cTn>
+                  </p:par>
                 </p:childTnLst>
               </p:cTn>
               <p:prevCondLst>
@@ -14123,7 +14273,7 @@
               <a:rPr lang="en-US" sz="1600" dirty="0">
                 <a:latin typeface="Karla" pitchFamily="2" charset="0"/>
               </a:rPr>
-              <a:t>does not isolate from OS</a:t>
+              <a:t>do not isolate from OS</a:t>
             </a:r>
           </a:p>
         </p:txBody>
@@ -16134,7 +16284,7 @@
               <a:t>	</a:t>
             </a:r>
             <a:r>
-              <a:rPr lang="en-US" sz="2400" b="1" dirty="0">
+              <a:rPr lang="en-US" sz="2400" b="1" u="sng" dirty="0">
                 <a:solidFill>
                   <a:schemeClr val="tx1">
                     <a:lumMod val="75000"/>
@@ -16143,7 +16293,7 @@
                 </a:solidFill>
                 <a:latin typeface="Karla" pitchFamily="2" charset="0"/>
               </a:rPr>
-              <a:t>containers</a:t>
+              <a:t>containers:</a:t>
             </a:r>
           </a:p>
           <a:p>
@@ -16329,8 +16479,8 @@
         </p:nvSpPr>
         <p:spPr>
           <a:xfrm>
-            <a:off x="639041" y="1237222"/>
-            <a:ext cx="11200658" cy="3416320"/>
+            <a:off x="639040" y="1237222"/>
+            <a:ext cx="11552959" cy="3046988"/>
           </a:xfrm>
           <a:prstGeom prst="rect">
             <a:avLst/>
@@ -16362,19 +16512,7 @@
               <a:rPr lang="en-US" sz="2400" b="1" dirty="0">
                 <a:latin typeface="Karla" pitchFamily="2" charset="0"/>
               </a:rPr>
-              <a:t>	</a:t>
-            </a:r>
-            <a:r>
-              <a:rPr lang="en-US" sz="2400" dirty="0">
-                <a:latin typeface="Karla" pitchFamily="2" charset="0"/>
-              </a:rPr>
-              <a:t>and to </a:t>
-            </a:r>
-            <a:r>
-              <a:rPr lang="en-US" sz="2400" b="1" dirty="0">
-                <a:latin typeface="Karla" pitchFamily="2" charset="0"/>
-              </a:rPr>
-              <a:t>break down a complex application </a:t>
+              <a:t>	break down a complex application </a:t>
             </a:r>
             <a:r>
               <a:rPr lang="en-US" sz="2400" dirty="0">
@@ -16427,7 +16565,7 @@
               <a:rPr lang="en-US" sz="2400" dirty="0">
                 <a:latin typeface="Karla" pitchFamily="2" charset="0"/>
               </a:rPr>
-              <a:t>Conflicting of different operating system</a:t>
+              <a:t>conflicting of different operating system</a:t>
             </a:r>
           </a:p>
           <a:p>
@@ -16619,8 +16757,8 @@
               <a:buAutoNum type="arabicPeriod"/>
             </a:pPr>
             <a:r>
-              <a:rPr lang="en-US" sz="2600" b="1" dirty="0"/>
-              <a:t>Complete the app/Front End</a:t>
+              <a:rPr lang="en-US" sz="2600" dirty="0"/>
+              <a:t>Local App with Front-End</a:t>
             </a:r>
           </a:p>
           <a:p>
@@ -16634,12 +16772,23 @@
               <a:t>Motivation for Kubernetes</a:t>
             </a:r>
           </a:p>
+          <a:p>
+            <a:pPr marL="514350" indent="-514350">
+              <a:buSzPct val="91000"/>
+              <a:buFont typeface="+mj-lt"/>
+              <a:buAutoNum type="arabicPeriod"/>
+            </a:pPr>
+            <a:r>
+              <a:rPr lang="en-US" sz="2600" dirty="0"/>
+              <a:t>Intro to Kubernetes</a:t>
+            </a:r>
+          </a:p>
         </p:txBody>
       </p:sp>
     </p:spTree>
     <p:extLst>
       <p:ext uri="{BB962C8B-B14F-4D97-AF65-F5344CB8AC3E}">
-        <p14:creationId xmlns:p14="http://schemas.microsoft.com/office/powerpoint/2010/main" val="950838800"/>
+        <p14:creationId xmlns:p14="http://schemas.microsoft.com/office/powerpoint/2010/main" val="1490763559"/>
       </p:ext>
     </p:extLst>
   </p:cSld>
@@ -16731,7 +16880,7 @@
                                         <p:tgtEl>
                                           <p:spTgt spid="7">
                                             <p:txEl>
-                                              <p:pRg st="2" end="2"/>
+                                              <p:pRg st="3" end="3"/>
                                             </p:txEl>
                                           </p:spTgt>
                                         </p:tgtEl>
@@ -16780,7 +16929,56 @@
                                         <p:tgtEl>
                                           <p:spTgt spid="7">
                                             <p:txEl>
-                                              <p:pRg st="3" end="3"/>
+                                              <p:pRg st="2" end="2"/>
+                                            </p:txEl>
+                                          </p:spTgt>
+                                        </p:tgtEl>
+                                        <p:attrNameLst>
+                                          <p:attrName>style.visibility</p:attrName>
+                                        </p:attrNameLst>
+                                      </p:cBhvr>
+                                      <p:to>
+                                        <p:strVal val="visible"/>
+                                      </p:to>
+                                    </p:set>
+                                  </p:childTnLst>
+                                </p:cTn>
+                              </p:par>
+                            </p:childTnLst>
+                          </p:cTn>
+                        </p:par>
+                      </p:childTnLst>
+                    </p:cTn>
+                  </p:par>
+                  <p:par>
+                    <p:cTn id="15" fill="hold">
+                      <p:stCondLst>
+                        <p:cond delay="indefinite"/>
+                      </p:stCondLst>
+                      <p:childTnLst>
+                        <p:par>
+                          <p:cTn id="16" fill="hold">
+                            <p:stCondLst>
+                              <p:cond delay="0"/>
+                            </p:stCondLst>
+                            <p:childTnLst>
+                              <p:par>
+                                <p:cTn id="17" presetID="1" presetClass="entr" presetSubtype="0" fill="hold" nodeType="clickEffect">
+                                  <p:stCondLst>
+                                    <p:cond delay="0"/>
+                                  </p:stCondLst>
+                                  <p:childTnLst>
+                                    <p:set>
+                                      <p:cBhvr>
+                                        <p:cTn id="18" dur="1" fill="hold">
+                                          <p:stCondLst>
+                                            <p:cond delay="0"/>
+                                          </p:stCondLst>
+                                        </p:cTn>
+                                        <p:tgtEl>
+                                          <p:spTgt spid="7">
+                                            <p:txEl>
+                                              <p:pRg st="4" end="4"/>
                                             </p:txEl>
                                           </p:spTgt>
                                         </p:tgtEl>
@@ -16848,7 +17046,7 @@
           <p:cNvPr id="2" name="Slide Number Placeholder 1">
             <a:extLst>
               <a:ext uri="{FF2B5EF4-FFF2-40B4-BE49-F238E27FC236}">
-                <a16:creationId xmlns:a16="http://schemas.microsoft.com/office/drawing/2014/main" id="{C0B2838F-197E-D24A-B814-28DB800AEF2F}"/>
+                <a16:creationId xmlns:a16="http://schemas.microsoft.com/office/drawing/2014/main" id="{E035FD63-7E1E-734F-AC5C-2005690955CB}"/>
               </a:ext>
             </a:extLst>
           </p:cNvPr>
@@ -16872,40 +17070,45 @@
           </a:p>
         </p:txBody>
       </p:sp>
-      <p:pic>
-        <p:nvPicPr>
-          <p:cNvPr id="10" name="Picture 9" descr="Graphical user interface, text, application, chat or text message&#10;&#10;Description automatically generated">
+      <p:sp>
+        <p:nvSpPr>
+          <p:cNvPr id="3" name="TextBox 2">
             <a:extLst>
               <a:ext uri="{FF2B5EF4-FFF2-40B4-BE49-F238E27FC236}">
-                <a16:creationId xmlns:a16="http://schemas.microsoft.com/office/drawing/2014/main" id="{AB44A3D4-1412-AD41-B793-6B615CC37BC2}"/>
+                <a16:creationId xmlns:a16="http://schemas.microsoft.com/office/drawing/2014/main" id="{B827672A-B77E-9A42-9FA5-2DC88E5FE9CC}"/>
               </a:ext>
             </a:extLst>
           </p:cNvPr>
-          <p:cNvPicPr>
-            <a:picLocks noChangeAspect="1"/>
-          </p:cNvPicPr>
+          <p:cNvSpPr txBox="1"/>
           <p:nvPr/>
-        </p:nvPicPr>
-        <p:blipFill>
-          <a:blip r:embed="rId2"/>
-          <a:stretch>
-            <a:fillRect/>
-          </a:stretch>
-        </p:blipFill>
-        <p:spPr>
-          <a:xfrm>
-            <a:off x="2876281" y="0"/>
-            <a:ext cx="6439437" cy="6858000"/>
+        </p:nvSpPr>
+        <p:spPr>
+          <a:xfrm>
+            <a:off x="4513395" y="3167390"/>
+            <a:ext cx="3402919" cy="523220"/>
           </a:xfrm>
           <a:prstGeom prst="rect">
             <a:avLst/>
           </a:prstGeom>
-        </p:spPr>
-      </p:pic>
+          <a:noFill/>
+        </p:spPr>
+        <p:txBody>
+          <a:bodyPr wrap="none" rtlCol="0">
+            <a:spAutoFit/>
+          </a:bodyPr>
+          <a:lstStyle/>
+          <a:p>
+            <a:r>
+              <a:rPr lang="en-US" sz="2800" dirty="0"/>
+              <a:t>DEMO AND TUTORIAL</a:t>
+            </a:r>
+          </a:p>
+        </p:txBody>
+      </p:sp>
     </p:spTree>
     <p:extLst>
       <p:ext uri="{BB962C8B-B14F-4D97-AF65-F5344CB8AC3E}">
-        <p14:creationId xmlns:p14="http://schemas.microsoft.com/office/powerpoint/2010/main" val="2653072986"/>
+        <p14:creationId xmlns:p14="http://schemas.microsoft.com/office/powerpoint/2010/main" val="3592801902"/>
       </p:ext>
     </p:extLst>
   </p:cSld>
